--- a/Discovery.pptx
+++ b/Discovery.pptx
@@ -7402,8 +7402,8 @@
         </p:nvSpPr>
         <p:spPr>
           <a:xfrm>
-            <a:off x="519500" y="528034"/>
-            <a:ext cx="14201100" cy="1592681"/>
+            <a:off x="592237" y="301336"/>
+            <a:ext cx="14201100" cy="1819379"/>
           </a:xfrm>
           <a:prstGeom prst="rect">
             <a:avLst/>
@@ -7445,7 +7445,7 @@
             </a:pPr>
             <a:r>
               <a:rPr lang="en" sz="4000" dirty="0"/>
-              <a:t>Deep dive into TCP Discovery</a:t>
+              <a:t>	Deep dive into TCP Discovery</a:t>
             </a:r>
             <a:endParaRPr sz="4000" dirty="0"/>
           </a:p>
@@ -7459,8 +7459,8 @@
         </p:nvSpPr>
         <p:spPr>
           <a:xfrm>
-            <a:off x="686833" y="2764790"/>
-            <a:ext cx="4991400" cy="3674109"/>
+            <a:off x="1881798" y="2172503"/>
+            <a:ext cx="4991400" cy="2783961"/>
           </a:xfrm>
           <a:prstGeom prst="rect">
             <a:avLst/>
@@ -7621,39 +7621,115 @@
               </a:spcAft>
               <a:buNone/>
             </a:pPr>
-            <a:r>
-              <a:rPr lang="en-US" sz="2200" dirty="0"/>
-              <a:t>Ignite v</a:t>
-            </a:r>
-            <a:r>
-              <a:rPr lang="en" sz="2200" dirty="0"/>
-              <a:t>2.9.1</a:t>
-            </a:r>
             <a:endParaRPr sz="2200" dirty="0"/>
           </a:p>
-          <a:p>
-            <a:pPr marL="0" lvl="0" indent="0" algn="l" rtl="0">
-              <a:spcBef>
-                <a:spcPts val="0"/>
-              </a:spcBef>
-              <a:spcAft>
-                <a:spcPts val="0"/>
-              </a:spcAft>
-              <a:buNone/>
-            </a:pPr>
-            <a:endParaRPr sz="2200" dirty="0"/>
-          </a:p>
-          <a:p>
-            <a:pPr marL="0" lvl="0" indent="0" algn="l" rtl="0">
-              <a:spcBef>
-                <a:spcPts val="0"/>
-              </a:spcBef>
-              <a:spcAft>
-                <a:spcPts val="0"/>
-              </a:spcAft>
-              <a:buNone/>
-            </a:pPr>
-            <a:endParaRPr sz="2200" dirty="0"/>
+        </p:txBody>
+      </p:sp>
+      <p:sp>
+        <p:nvSpPr>
+          <p:cNvPr id="2" name="Rectangle 1">
+            <a:extLst>
+              <a:ext uri="{FF2B5EF4-FFF2-40B4-BE49-F238E27FC236}">
+                <a16:creationId xmlns:a16="http://schemas.microsoft.com/office/drawing/2014/main" id="{65E78976-8E8B-3A41-BAC5-5FDFFB09CD3C}"/>
+              </a:ext>
+            </a:extLst>
+          </p:cNvPr>
+          <p:cNvSpPr/>
+          <p:nvPr/>
+        </p:nvSpPr>
+        <p:spPr>
+          <a:xfrm>
+            <a:off x="720931" y="5423891"/>
+            <a:ext cx="4827814" cy="1846659"/>
+          </a:xfrm>
+          <a:prstGeom prst="rect">
+            <a:avLst/>
+          </a:prstGeom>
+        </p:spPr>
+        <p:txBody>
+          <a:bodyPr wrap="square">
+            <a:spAutoFit/>
+          </a:bodyPr>
+          <a:lstStyle/>
+          <a:p>
+            <a:r>
+              <a:rPr lang="en-US" sz="1800" dirty="0" err="1"/>
+              <a:t>Steshin</a:t>
+            </a:r>
+            <a:r>
+              <a:rPr lang="en-US" sz="1800" dirty="0"/>
+              <a:t> Vladimir</a:t>
+            </a:r>
+          </a:p>
+          <a:p>
+            <a:endParaRPr lang="en-US" sz="1600" dirty="0"/>
+          </a:p>
+          <a:p>
+            <a:r>
+              <a:rPr lang="en-US" sz="1600" dirty="0">
+                <a:hlinkClick r:id="rId3"/>
+              </a:rPr>
+              <a:t>vladsz83@gmail.com</a:t>
+            </a:r>
+            <a:endParaRPr lang="en-US" sz="1600" dirty="0"/>
+          </a:p>
+          <a:p>
+            <a:endParaRPr lang="en-US" sz="1600" dirty="0"/>
+          </a:p>
+          <a:p>
+            <a:r>
+              <a:rPr lang="en-US" sz="1600" dirty="0"/>
+              <a:t>Senior technology expert at Sberbank / </a:t>
+            </a:r>
+            <a:r>
+              <a:rPr lang="en-US" sz="1600" dirty="0" err="1"/>
+              <a:t>Sbertech</a:t>
+            </a:r>
+            <a:endParaRPr lang="en-US" sz="1600" dirty="0"/>
+          </a:p>
+          <a:p>
+            <a:endParaRPr lang="en-US" sz="1600" dirty="0"/>
+          </a:p>
+          <a:p>
+            <a:r>
+              <a:rPr lang="en-US" sz="1600" dirty="0"/>
+              <a:t>Apache Ignite contributor</a:t>
+            </a:r>
+          </a:p>
+        </p:txBody>
+      </p:sp>
+      <p:sp>
+        <p:nvSpPr>
+          <p:cNvPr id="4" name="TextBox 3">
+            <a:extLst>
+              <a:ext uri="{FF2B5EF4-FFF2-40B4-BE49-F238E27FC236}">
+                <a16:creationId xmlns:a16="http://schemas.microsoft.com/office/drawing/2014/main" id="{C9C56304-968E-2243-A7D6-1F7B158062C9}"/>
+              </a:ext>
+            </a:extLst>
+          </p:cNvPr>
+          <p:cNvSpPr txBox="1"/>
+          <p:nvPr/>
+        </p:nvSpPr>
+        <p:spPr>
+          <a:xfrm>
+            <a:off x="752102" y="7830588"/>
+            <a:ext cx="5809367" cy="338554"/>
+          </a:xfrm>
+          <a:prstGeom prst="rect">
+            <a:avLst/>
+          </a:prstGeom>
+          <a:noFill/>
+        </p:spPr>
+        <p:txBody>
+          <a:bodyPr wrap="square" rtlCol="0">
+            <a:spAutoFit/>
+          </a:bodyPr>
+          <a:lstStyle/>
+          <a:p>
+            <a:r>
+              <a:rPr lang="en-US" sz="1600" dirty="0"/>
+              <a:t>Ignite v.2.9.1.              February, 2021</a:t>
+            </a:r>
           </a:p>
         </p:txBody>
       </p:sp>

--- a/Discovery.pptx
+++ b/Discovery.pptx
@@ -17246,7 +17246,7 @@
             </a:r>
             <a:r>
               <a:rPr lang="en-US" sz="1600" dirty="0"/>
-              <a:t>from node 2 immediately. But 3 still keeps connection to 4 and doesn’t receive any message while is able to send…</a:t>
+              <a:t>from node 2 immediately. But 3 keeps connection to 4 and doesn’t receive any message while is able to send…</a:t>
             </a:r>
             <a:endParaRPr lang="ru-RU" sz="1600" dirty="0"/>
           </a:p>
@@ -17326,7 +17326,7 @@
         </p:nvGrpSpPr>
         <p:grpSpPr>
           <a:xfrm>
-            <a:off x="1456659" y="1422812"/>
+            <a:off x="1456659" y="1575212"/>
             <a:ext cx="2923379" cy="2610630"/>
             <a:chOff x="761196" y="1049327"/>
             <a:chExt cx="2923379" cy="2610630"/>
@@ -17835,7 +17835,7 @@
         <p:spPr>
           <a:xfrm>
             <a:off x="36875" y="654104"/>
-            <a:ext cx="6830765" cy="584775"/>
+            <a:ext cx="6830765" cy="830997"/>
           </a:xfrm>
           <a:prstGeom prst="rect">
             <a:avLst/>
@@ -17850,7 +17850,15 @@
           <a:p>
             <a:r>
               <a:rPr lang="en-US" sz="1600" dirty="0"/>
-              <a:t>1.	There is another technique of node status check. It is possible to part of network like incoming connections. Node 2 suspects 3 failed.</a:t>
+              <a:t>1.	There is another technique of node status check. It is possible to</a:t>
+            </a:r>
+            <a:r>
+              <a:rPr lang="ru-RU" sz="1600" dirty="0"/>
+              <a:t> </a:t>
+            </a:r>
+            <a:r>
+              <a:rPr lang="en-US" sz="1600" dirty="0"/>
+              <a:t>lose part of network. Like incoming connections. If happened to node 3, as an example, 2 suspects 3 failed.</a:t>
             </a:r>
             <a:endParaRPr lang="ru-RU" sz="1600" dirty="0"/>
           </a:p>
@@ -24036,18 +24044,6 @@
             </a:r>
             <a:endParaRPr sz="1600" dirty="0"/>
           </a:p>
-          <a:p>
-            <a:pPr marL="0" lvl="0" indent="0" algn="l" rtl="0">
-              <a:spcBef>
-                <a:spcPts val="0"/>
-              </a:spcBef>
-              <a:spcAft>
-                <a:spcPts val="0"/>
-              </a:spcAft>
-              <a:buNone/>
-            </a:pPr>
-            <a:endParaRPr sz="1600" dirty="0"/>
-          </a:p>
         </p:txBody>
       </p:sp>
       <p:sp>
@@ -24239,10 +24235,10 @@
               <a:buNone/>
             </a:pPr>
             <a:r>
-              <a:rPr lang="en"/>
+              <a:rPr lang="en" dirty="0"/>
               <a:t>Links</a:t>
             </a:r>
-            <a:endParaRPr/>
+            <a:endParaRPr dirty="0"/>
           </a:p>
         </p:txBody>
       </p:sp>
@@ -24254,7 +24250,7 @@
         </p:nvSpPr>
         <p:spPr>
           <a:xfrm>
-            <a:off x="1848447" y="2321750"/>
+            <a:off x="2057560" y="3693350"/>
             <a:ext cx="5234100" cy="679500"/>
           </a:xfrm>
           <a:prstGeom prst="rect">
@@ -24281,15 +24277,29 @@
               <a:buNone/>
             </a:pPr>
             <a:r>
-              <a:rPr lang="en" sz="2100" u="sng">
+              <a:rPr lang="en" sz="2100" u="sng" dirty="0">
                 <a:solidFill>
-                  <a:schemeClr val="hlink"/>
+                  <a:schemeClr val="accent5">
+                    <a:lumMod val="75000"/>
+                  </a:schemeClr>
                 </a:solidFill>
-                <a:hlinkClick r:id="rId3"/>
+                <a:hlinkClick r:id="rId3">
+                  <a:extLst>
+                    <a:ext uri="{A12FA001-AC4F-418D-AE19-62706E023703}">
+                      <ahyp:hlinkClr xmlns:ahyp="http://schemas.microsoft.com/office/drawing/2018/hyperlinkcolor" val="tx"/>
+                    </a:ext>
+                  </a:extLst>
+                </a:hlinkClick>
               </a:rPr>
               <a:t>Устройство сети Apache Ignite</a:t>
             </a:r>
-            <a:endParaRPr sz="2100"/>
+            <a:endParaRPr sz="2100" dirty="0">
+              <a:solidFill>
+                <a:schemeClr val="accent5">
+                  <a:lumMod val="75000"/>
+                </a:schemeClr>
+              </a:solidFill>
+            </a:endParaRPr>
           </a:p>
         </p:txBody>
       </p:sp>
@@ -24301,7 +24311,7 @@
         </p:nvSpPr>
         <p:spPr>
           <a:xfrm>
-            <a:off x="1976458" y="3957958"/>
+            <a:off x="1990168" y="5194110"/>
             <a:ext cx="4164600" cy="578400"/>
           </a:xfrm>
           <a:prstGeom prst="rect">
@@ -24328,15 +24338,29 @@
               <a:buNone/>
             </a:pPr>
             <a:r>
-              <a:rPr lang="en" sz="2100" u="sng">
+              <a:rPr lang="en" sz="2100" u="sng" dirty="0">
                 <a:solidFill>
-                  <a:schemeClr val="hlink"/>
+                  <a:schemeClr val="accent5">
+                    <a:lumMod val="75000"/>
+                  </a:schemeClr>
                 </a:solidFill>
-                <a:hlinkClick r:id="rId4"/>
+                <a:hlinkClick r:id="rId4">
+                  <a:extLst>
+                    <a:ext uri="{A12FA001-AC4F-418D-AE19-62706E023703}">
+                      <ahyp:hlinkClr xmlns:ahyp="http://schemas.microsoft.com/office/drawing/2018/hyperlinkcolor" val="tx"/>
+                    </a:ext>
+                  </a:extLst>
+                </a:hlinkClick>
               </a:rPr>
               <a:t>Design document </a:t>
             </a:r>
-            <a:endParaRPr sz="2100"/>
+            <a:endParaRPr sz="2100" dirty="0">
+              <a:solidFill>
+                <a:schemeClr val="accent5">
+                  <a:lumMod val="75000"/>
+                </a:schemeClr>
+              </a:solidFill>
+            </a:endParaRPr>
           </a:p>
         </p:txBody>
       </p:sp>
@@ -24348,7 +24372,7 @@
         </p:nvSpPr>
         <p:spPr>
           <a:xfrm>
-            <a:off x="1218417" y="1696208"/>
+            <a:off x="1279377" y="3052568"/>
             <a:ext cx="2057400" cy="679500"/>
           </a:xfrm>
           <a:prstGeom prst="rect">
@@ -24390,7 +24414,7 @@
         </p:nvSpPr>
         <p:spPr>
           <a:xfrm>
-            <a:off x="1265667" y="3407250"/>
+            <a:off x="1279377" y="4643402"/>
             <a:ext cx="2057400" cy="679500"/>
           </a:xfrm>
           <a:prstGeom prst="rect">
@@ -24417,10 +24441,10 @@
               <a:buNone/>
             </a:pPr>
             <a:r>
-              <a:rPr lang="en" sz="2500"/>
+              <a:rPr lang="en" sz="2500" dirty="0"/>
               <a:t>Docs:</a:t>
             </a:r>
-            <a:endParaRPr sz="2500"/>
+            <a:endParaRPr sz="2500" dirty="0"/>
           </a:p>
         </p:txBody>
       </p:sp>
@@ -24432,7 +24456,7 @@
         </p:nvSpPr>
         <p:spPr>
           <a:xfrm>
-            <a:off x="1987375" y="4534675"/>
+            <a:off x="1990168" y="5765284"/>
             <a:ext cx="6729600" cy="578400"/>
           </a:xfrm>
           <a:prstGeom prst="rect">
@@ -24459,15 +24483,29 @@
               <a:buNone/>
             </a:pPr>
             <a:r>
-              <a:rPr lang="en" sz="2100" u="sng">
+              <a:rPr lang="en" sz="2100" u="sng" dirty="0">
                 <a:solidFill>
-                  <a:schemeClr val="hlink"/>
+                  <a:schemeClr val="accent5">
+                    <a:lumMod val="75000"/>
+                  </a:schemeClr>
                 </a:solidFill>
-                <a:hlinkClick r:id="rId5"/>
+                <a:hlinkClick r:id="rId5">
+                  <a:extLst>
+                    <a:ext uri="{A12FA001-AC4F-418D-AE19-62706E023703}">
+                      <ahyp:hlinkClr xmlns:ahyp="http://schemas.microsoft.com/office/drawing/2018/hyperlinkcolor" val="tx"/>
+                    </a:ext>
+                  </a:extLst>
+                </a:hlinkClick>
               </a:rPr>
               <a:t>Official documentation</a:t>
             </a:r>
-            <a:endParaRPr sz="2100"/>
+            <a:endParaRPr sz="2100" dirty="0">
+              <a:solidFill>
+                <a:schemeClr val="accent5">
+                  <a:lumMod val="75000"/>
+                </a:schemeClr>
+              </a:solidFill>
+            </a:endParaRPr>
           </a:p>
         </p:txBody>
       </p:sp>
@@ -24479,7 +24517,7 @@
         </p:nvSpPr>
         <p:spPr>
           <a:xfrm>
-            <a:off x="2043850" y="5223550"/>
+            <a:off x="2057560" y="6459702"/>
             <a:ext cx="4962600" cy="579000"/>
           </a:xfrm>
           <a:prstGeom prst="rect">
@@ -24506,15 +24544,29 @@
               <a:buNone/>
             </a:pPr>
             <a:r>
-              <a:rPr lang="en" sz="2100" u="sng">
+              <a:rPr lang="en" sz="2100" u="sng" dirty="0">
                 <a:solidFill>
-                  <a:schemeClr val="hlink"/>
+                  <a:schemeClr val="accent5">
+                    <a:lumMod val="75000"/>
+                  </a:schemeClr>
                 </a:solidFill>
-                <a:hlinkClick r:id="rId6"/>
+                <a:hlinkClick r:id="rId6">
+                  <a:extLst>
+                    <a:ext uri="{A12FA001-AC4F-418D-AE19-62706E023703}">
+                      <ahyp:hlinkClr xmlns:ahyp="http://schemas.microsoft.com/office/drawing/2018/hyperlinkcolor" val="tx"/>
+                    </a:ext>
+                  </a:extLst>
+                </a:hlinkClick>
               </a:rPr>
               <a:t>Configuration</a:t>
             </a:r>
-            <a:endParaRPr sz="2100"/>
+            <a:endParaRPr sz="2100" dirty="0">
+              <a:solidFill>
+                <a:schemeClr val="accent5">
+                  <a:lumMod val="75000"/>
+                </a:schemeClr>
+              </a:solidFill>
+            </a:endParaRPr>
           </a:p>
         </p:txBody>
       </p:sp>
@@ -24526,7 +24578,7 @@
         </p:nvSpPr>
         <p:spPr>
           <a:xfrm>
-            <a:off x="2055125" y="5872590"/>
+            <a:off x="2068835" y="7108742"/>
             <a:ext cx="4009800" cy="579000"/>
           </a:xfrm>
           <a:prstGeom prst="rect">
@@ -24555,13 +24607,27 @@
             <a:r>
               <a:rPr lang="en" sz="2100" u="sng" dirty="0">
                 <a:solidFill>
-                  <a:schemeClr val="hlink"/>
+                  <a:schemeClr val="accent5">
+                    <a:lumMod val="75000"/>
+                  </a:schemeClr>
                 </a:solidFill>
-                <a:hlinkClick r:id="rId7"/>
+                <a:hlinkClick r:id="rId7">
+                  <a:extLst>
+                    <a:ext uri="{A12FA001-AC4F-418D-AE19-62706E023703}">
+                      <ahyp:hlinkClr xmlns:ahyp="http://schemas.microsoft.com/office/drawing/2018/hyperlinkcolor" val="tx"/>
+                    </a:ext>
+                  </a:extLst>
+                </a:hlinkClick>
               </a:rPr>
               <a:t>Coordinator and PME</a:t>
             </a:r>
-            <a:endParaRPr sz="2100" dirty="0"/>
+            <a:endParaRPr sz="2100" dirty="0">
+              <a:solidFill>
+                <a:schemeClr val="accent5">
+                  <a:lumMod val="75000"/>
+                </a:schemeClr>
+              </a:solidFill>
+            </a:endParaRPr>
           </a:p>
         </p:txBody>
       </p:sp>
@@ -24600,6 +24666,124 @@
               <a:t>19</a:t>
             </a:fld>
             <a:endParaRPr lang="en"/>
+          </a:p>
+        </p:txBody>
+      </p:sp>
+      <p:sp>
+        <p:nvSpPr>
+          <p:cNvPr id="3" name="Rectangle 2">
+            <a:extLst>
+              <a:ext uri="{FF2B5EF4-FFF2-40B4-BE49-F238E27FC236}">
+                <a16:creationId xmlns:a16="http://schemas.microsoft.com/office/drawing/2014/main" id="{B757F25D-731B-B54E-868D-6A60A0FF2C36}"/>
+              </a:ext>
+            </a:extLst>
+          </p:cNvPr>
+          <p:cNvSpPr/>
+          <p:nvPr/>
+        </p:nvSpPr>
+        <p:spPr>
+          <a:xfrm>
+            <a:off x="1326627" y="1969845"/>
+            <a:ext cx="878767" cy="477054"/>
+          </a:xfrm>
+          <a:prstGeom prst="rect">
+            <a:avLst/>
+          </a:prstGeom>
+        </p:spPr>
+        <p:txBody>
+          <a:bodyPr wrap="none">
+            <a:spAutoFit/>
+          </a:bodyPr>
+          <a:lstStyle/>
+          <a:p>
+            <a:r>
+              <a:rPr lang="en-US" sz="2500" dirty="0"/>
+              <a:t>This:</a:t>
+            </a:r>
+            <a:endParaRPr lang="ru-RU" sz="2200" dirty="0"/>
+          </a:p>
+        </p:txBody>
+      </p:sp>
+      <p:sp>
+        <p:nvSpPr>
+          <p:cNvPr id="13" name="Google Shape;546;p30">
+            <a:hlinkClick r:id="rId8"/>
+            <a:extLst>
+              <a:ext uri="{FF2B5EF4-FFF2-40B4-BE49-F238E27FC236}">
+                <a16:creationId xmlns:a16="http://schemas.microsoft.com/office/drawing/2014/main" id="{0D747A5F-455D-9243-8E7E-8456CDC5A501}"/>
+              </a:ext>
+            </a:extLst>
+          </p:cNvPr>
+          <p:cNvSpPr txBox="1"/>
+          <p:nvPr/>
+        </p:nvSpPr>
+        <p:spPr>
+          <a:xfrm>
+            <a:off x="1990168" y="2338048"/>
+            <a:ext cx="7996593" cy="679500"/>
+          </a:xfrm>
+          <a:prstGeom prst="rect">
+            <a:avLst/>
+          </a:prstGeom>
+          <a:noFill/>
+          <a:ln>
+            <a:noFill/>
+          </a:ln>
+        </p:spPr>
+        <p:txBody>
+          <a:bodyPr spcFirstLastPara="1" wrap="square" lIns="163650" tIns="163650" rIns="163650" bIns="163650" anchor="t" anchorCtr="0">
+            <a:noAutofit/>
+          </a:bodyPr>
+          <a:lstStyle/>
+          <a:p>
+            <a:pPr lvl="0"/>
+            <a:r>
+              <a:rPr lang="en-US" sz="2100" dirty="0">
+                <a:solidFill>
+                  <a:schemeClr val="accent5">
+                    <a:lumMod val="50000"/>
+                  </a:schemeClr>
+                </a:solidFill>
+              </a:rPr>
+              <a:t>https://</a:t>
+            </a:r>
+            <a:r>
+              <a:rPr lang="en-US" sz="2100" dirty="0" err="1">
+                <a:solidFill>
+                  <a:schemeClr val="accent5">
+                    <a:lumMod val="50000"/>
+                  </a:schemeClr>
+                </a:solidFill>
+              </a:rPr>
+              <a:t>github.com</a:t>
+            </a:r>
+            <a:r>
+              <a:rPr lang="en-US" sz="2100" dirty="0">
+                <a:solidFill>
+                  <a:schemeClr val="accent5">
+                    <a:lumMod val="50000"/>
+                  </a:schemeClr>
+                </a:solidFill>
+              </a:rPr>
+              <a:t>/Vladsz83/doc/blob/master/</a:t>
+            </a:r>
+            <a:r>
+              <a:rPr lang="en-US" sz="2100" dirty="0" err="1">
+                <a:solidFill>
+                  <a:schemeClr val="accent5">
+                    <a:lumMod val="50000"/>
+                  </a:schemeClr>
+                </a:solidFill>
+              </a:rPr>
+              <a:t>Discovery.pptx</a:t>
+            </a:r>
+            <a:endParaRPr sz="2100" dirty="0">
+              <a:solidFill>
+                <a:schemeClr val="accent5">
+                  <a:lumMod val="50000"/>
+                </a:schemeClr>
+              </a:solidFill>
+            </a:endParaRPr>
           </a:p>
         </p:txBody>
       </p:sp>
@@ -25196,50 +25380,6 @@
               </a:spcAft>
               <a:buNone/>
             </a:pPr>
-            <a:endParaRPr sz="1600" dirty="0">
-              <a:solidFill>
-                <a:schemeClr val="dk1"/>
-              </a:solidFill>
-            </a:endParaRPr>
-          </a:p>
-          <a:p>
-            <a:pPr marL="812800" lvl="0" indent="-508000" algn="l" rtl="0">
-              <a:spcBef>
-                <a:spcPts val="0"/>
-              </a:spcBef>
-              <a:spcAft>
-                <a:spcPts val="0"/>
-              </a:spcAft>
-              <a:buClr>
-                <a:schemeClr val="dk1"/>
-              </a:buClr>
-              <a:buSzPts val="1600"/>
-              <a:buChar char="●"/>
-            </a:pPr>
-            <a:r>
-              <a:rPr lang="en" sz="1600" dirty="0">
-                <a:solidFill>
-                  <a:schemeClr val="dk1"/>
-                </a:solidFill>
-              </a:rPr>
-              <a:t>Topology has version - an incremental number too.</a:t>
-            </a:r>
-            <a:endParaRPr sz="1600" dirty="0">
-              <a:solidFill>
-                <a:schemeClr val="dk1"/>
-              </a:solidFill>
-            </a:endParaRPr>
-          </a:p>
-          <a:p>
-            <a:pPr marL="812800" lvl="0" indent="0" algn="l" rtl="0">
-              <a:spcBef>
-                <a:spcPts val="0"/>
-              </a:spcBef>
-              <a:spcAft>
-                <a:spcPts val="0"/>
-              </a:spcAft>
-              <a:buNone/>
-            </a:pPr>
             <a:endParaRPr sz="1600" dirty="0"/>
           </a:p>
           <a:p>
@@ -25671,11 +25811,49 @@
               </a:rPr>
               <a:t>Reacts on cluster event messages. Verifies them (marks), issues control messages including discards.</a:t>
             </a:r>
-            <a:endParaRPr sz="1600" dirty="0">
+          </a:p>
+          <a:p>
+            <a:pPr marL="1638300" lvl="0" indent="-508000" algn="l" rtl="0">
+              <a:spcBef>
+                <a:spcPts val="0"/>
+              </a:spcBef>
+              <a:spcAft>
+                <a:spcPts val="0"/>
+              </a:spcAft>
+              <a:buClr>
+                <a:schemeClr val="dk1"/>
+              </a:buClr>
+              <a:buSzPts val="1600"/>
+              <a:buChar char="●"/>
+            </a:pPr>
+            <a:endParaRPr lang="en" sz="1600" dirty="0">
               <a:solidFill>
                 <a:schemeClr val="dk1"/>
               </a:solidFill>
             </a:endParaRPr>
+          </a:p>
+          <a:p>
+            <a:pPr marL="1638300" lvl="0" indent="-508000" algn="l" rtl="0">
+              <a:spcBef>
+                <a:spcPts val="0"/>
+              </a:spcBef>
+              <a:spcAft>
+                <a:spcPts val="0"/>
+              </a:spcAft>
+              <a:buClr>
+                <a:schemeClr val="dk1"/>
+              </a:buClr>
+              <a:buSzPts val="1600"/>
+              <a:buChar char="●"/>
+            </a:pPr>
+            <a:r>
+              <a:rPr lang="en-US" sz="1600" dirty="0">
+                <a:solidFill>
+                  <a:schemeClr val="dk1"/>
+                </a:solidFill>
+              </a:rPr>
+              <a:t>Processes specific/custom messages.</a:t>
+            </a:r>
           </a:p>
           <a:p>
             <a:pPr marL="0" lvl="0" indent="0" algn="l" rtl="0">
@@ -25871,7 +26049,23 @@
                   <a:schemeClr val="dk1"/>
                 </a:solidFill>
               </a:rPr>
-              <a:t>But can be heavily loaded with custom messages (metadata) for: PME, indexes, queries, binary types, etc...</a:t>
+              <a:t>But </a:t>
+            </a:r>
+            <a:r>
+              <a:rPr lang="en" sz="1600" u="sng" dirty="0">
+                <a:solidFill>
+                  <a:schemeClr val="dk1"/>
+                </a:solidFill>
+              </a:rPr>
+              <a:t>can be heavily loaded with custom messages</a:t>
+            </a:r>
+            <a:r>
+              <a:rPr lang="en" sz="1600" dirty="0">
+                <a:solidFill>
+                  <a:schemeClr val="dk1"/>
+                </a:solidFill>
+              </a:rPr>
+              <a:t> (metadata) for: PME, indexes, queries, binary types, etc...</a:t>
             </a:r>
             <a:endParaRPr sz="1600" dirty="0">
               <a:solidFill>
@@ -30509,6 +30703,33 @@
               </a:rPr>
               <a:t>?</a:t>
             </a:r>
+          </a:p>
+          <a:p>
+            <a:pPr algn="ctr"/>
+            <a:r>
+              <a:rPr lang="en-US" dirty="0">
+                <a:solidFill>
+                  <a:schemeClr val="tx1"/>
+                </a:solidFill>
+              </a:rPr>
+              <a:t>(</a:t>
+            </a:r>
+            <a:r>
+              <a:rPr lang="en-US" sz="1200" dirty="0">
+                <a:solidFill>
+                  <a:schemeClr val="tx1"/>
+                </a:solidFill>
+              </a:rPr>
+              <a:t>default is False</a:t>
+            </a:r>
+            <a:r>
+              <a:rPr lang="en-US" dirty="0">
+                <a:solidFill>
+                  <a:schemeClr val="tx1"/>
+                </a:solidFill>
+              </a:rPr>
+              <a:t>)</a:t>
+            </a:r>
             <a:endParaRPr lang="ru-RU" dirty="0">
               <a:solidFill>
                 <a:schemeClr val="tx1"/>
@@ -30742,7 +30963,7 @@
                   <a:schemeClr val="tx1"/>
                 </a:solidFill>
               </a:rPr>
-              <a:t>joinTimeout</a:t>
+              <a:t>reconnectDelay</a:t>
             </a:r>
             <a:endParaRPr lang="ru-RU" dirty="0">
               <a:solidFill>
@@ -33996,7 +34217,7 @@
             </a:r>
             <a:r>
               <a:rPr lang="en" sz="1600" dirty="0"/>
-              <a:t> any node responses on </a:t>
+              <a:t> any node responses to </a:t>
             </a:r>
             <a:r>
               <a:rPr lang="en" sz="1600" i="1" dirty="0" err="1"/>
@@ -34130,8 +34351,8 @@
         </p:nvSpPr>
         <p:spPr>
           <a:xfrm>
-            <a:off x="10837525" y="6233010"/>
-            <a:ext cx="2466352" cy="850369"/>
+            <a:off x="10837525" y="6431131"/>
+            <a:ext cx="2466352" cy="466248"/>
           </a:xfrm>
           <a:prstGeom prst="rect">
             <a:avLst/>
@@ -34164,26 +34385,6 @@
               <a:rPr lang="en" sz="1600" dirty="0"/>
               <a:t>#4.3.b</a:t>
             </a:r>
-          </a:p>
-          <a:p>
-            <a:pPr marL="0" lvl="0" indent="0" algn="ctr" rtl="0">
-              <a:spcBef>
-                <a:spcPts val="0"/>
-              </a:spcBef>
-              <a:spcAft>
-                <a:spcPts val="0"/>
-              </a:spcAft>
-              <a:buNone/>
-            </a:pPr>
-            <a:r>
-              <a:rPr lang="en" dirty="0"/>
-              <a:t>(Requester has lesser priority)</a:t>
-            </a:r>
-            <a:r>
-              <a:rPr lang="en" sz="1600" dirty="0"/>
-              <a:t>.</a:t>
-            </a:r>
-            <a:endParaRPr sz="1600" dirty="0"/>
           </a:p>
         </p:txBody>
       </p:sp>
@@ -34200,7 +34401,7 @@
         <p:spPr>
           <a:xfrm>
             <a:off x="12070701" y="2640600"/>
-            <a:ext cx="0" cy="3592410"/>
+            <a:ext cx="0" cy="3790531"/>
           </a:xfrm>
           <a:prstGeom prst="straightConnector1">
             <a:avLst/>
@@ -34579,7 +34780,7 @@
         <p:spPr>
           <a:xfrm flipH="1">
             <a:off x="5474395" y="3855175"/>
-            <a:ext cx="1994155" cy="2396225"/>
+            <a:ext cx="1994155" cy="2653710"/>
           </a:xfrm>
           <a:prstGeom prst="straightConnector1">
             <a:avLst/>
@@ -34680,7 +34881,7 @@
         <p:spPr>
           <a:xfrm flipH="1">
             <a:off x="6248000" y="6676270"/>
-            <a:ext cx="1650650" cy="9498"/>
+            <a:ext cx="1650650" cy="22988"/>
           </a:xfrm>
           <a:prstGeom prst="straightConnector1">
             <a:avLst/>
@@ -34732,10 +34933,10 @@
               <a:buNone/>
             </a:pPr>
             <a:r>
-              <a:rPr lang="en" sz="1200"/>
-              <a:t>Bigger</a:t>
-            </a:r>
-            <a:endParaRPr sz="1200"/>
+              <a:rPr lang="en" sz="1200" dirty="0"/>
+              <a:t>Lesser</a:t>
+            </a:r>
+            <a:endParaRPr sz="1200" dirty="0"/>
           </a:p>
         </p:txBody>
       </p:sp>
@@ -34747,8 +34948,8 @@
         </p:nvSpPr>
         <p:spPr>
           <a:xfrm>
-            <a:off x="4700789" y="6251400"/>
-            <a:ext cx="1547211" cy="868736"/>
+            <a:off x="4700789" y="6508885"/>
+            <a:ext cx="1547211" cy="380745"/>
           </a:xfrm>
           <a:prstGeom prst="rect">
             <a:avLst/>
@@ -34782,22 +34983,6 @@
               <a:t> #4.3a</a:t>
             </a:r>
           </a:p>
-          <a:p>
-            <a:pPr marL="0" lvl="0" indent="0" algn="ctr" rtl="0">
-              <a:spcBef>
-                <a:spcPts val="0"/>
-              </a:spcBef>
-              <a:spcAft>
-                <a:spcPts val="0"/>
-              </a:spcAft>
-              <a:buNone/>
-            </a:pPr>
-            <a:r>
-              <a:rPr lang="en-US" dirty="0"/>
-              <a:t>(Requester has higher priority).</a:t>
-            </a:r>
-            <a:endParaRPr dirty="0"/>
-          </a:p>
         </p:txBody>
       </p:sp>
       <p:cxnSp>
@@ -34812,8 +34997,8 @@
         </p:nvCxnSpPr>
         <p:spPr>
           <a:xfrm flipV="1">
-            <a:off x="9489850" y="6658195"/>
-            <a:ext cx="1347675" cy="18075"/>
+            <a:off x="9489850" y="6664255"/>
+            <a:ext cx="1347675" cy="12015"/>
           </a:xfrm>
           <a:prstGeom prst="straightConnector1">
             <a:avLst/>
@@ -34866,7 +35051,7 @@
             </a:pPr>
             <a:r>
               <a:rPr lang="en" sz="1200" dirty="0"/>
-              <a:t>Lesser</a:t>
+              <a:t>Bigger</a:t>
             </a:r>
             <a:endParaRPr sz="1200" dirty="0"/>
           </a:p>

--- a/Discovery.pptx
+++ b/Discovery.pptx
@@ -20641,8 +20641,8 @@
         </p:nvSpPr>
         <p:spPr>
           <a:xfrm>
-            <a:off x="408274" y="798524"/>
-            <a:ext cx="13828425" cy="1581025"/>
+            <a:off x="408274" y="798525"/>
+            <a:ext cx="14268299" cy="864562"/>
           </a:xfrm>
           <a:prstGeom prst="rect">
             <a:avLst/>
@@ -20757,87 +20757,49 @@
             </a:endParaRPr>
           </a:p>
           <a:p>
-            <a:endParaRPr lang="en-US" sz="1600" dirty="0">
-              <a:solidFill>
-                <a:schemeClr val="dk1"/>
-              </a:solidFill>
-            </a:endParaRPr>
-          </a:p>
-          <a:p>
+            <a:pPr marL="0" lvl="0" indent="0" algn="l" rtl="0">
+              <a:spcBef>
+                <a:spcPts val="0"/>
+              </a:spcBef>
+              <a:spcAft>
+                <a:spcPts val="0"/>
+              </a:spcAft>
+              <a:buNone/>
+            </a:pPr>
+            <a:r>
+              <a:rPr lang="en" sz="1600" dirty="0">
+                <a:solidFill>
+                  <a:schemeClr val="dk1"/>
+                </a:solidFill>
+              </a:rPr>
+              <a:t>To </a:t>
+            </a:r>
             <a:r>
               <a:rPr lang="en-US" sz="1600" dirty="0">
                 <a:solidFill>
                   <a:schemeClr val="dk1"/>
                 </a:solidFill>
               </a:rPr>
-              <a:t>Basically, </a:t>
-            </a:r>
-            <a:r>
-              <a:rPr lang="en-US" sz="1600" i="1" u="sng" dirty="0" err="1">
+              <a:t>understand</a:t>
+            </a:r>
+            <a:r>
+              <a:rPr lang="en" sz="1600" dirty="0">
                 <a:solidFill>
                   <a:schemeClr val="dk1"/>
                 </a:solidFill>
               </a:rPr>
-              <a:t>failureDetectionTimeout</a:t>
-            </a:r>
-            <a:r>
-              <a:rPr lang="en-US" sz="1600" i="1" u="sng" dirty="0">
+              <a:t> how it works, let’s consider two attempts to send message </a:t>
+            </a:r>
+            <a:r>
+              <a:rPr lang="en" sz="1600" i="1" dirty="0">
                 <a:solidFill>
                   <a:schemeClr val="dk1"/>
                 </a:solidFill>
               </a:rPr>
-              <a:t> </a:t>
-            </a:r>
-            <a:r>
-              <a:rPr lang="en-US" sz="1600" u="sng" dirty="0">
-                <a:solidFill>
-                  <a:schemeClr val="dk1"/>
-                </a:solidFill>
-              </a:rPr>
-              <a:t>can be considered as: ‘</a:t>
-            </a:r>
-            <a:r>
-              <a:rPr lang="en-US" sz="1600" i="1" u="sng" dirty="0" err="1">
-                <a:solidFill>
-                  <a:schemeClr val="dk1"/>
-                </a:solidFill>
-              </a:rPr>
-              <a:t>socketTimeout</a:t>
-            </a:r>
-            <a:r>
-              <a:rPr lang="en-US" sz="1600" i="1" u="sng" dirty="0">
-                <a:solidFill>
-                  <a:schemeClr val="dk1"/>
-                </a:solidFill>
-              </a:rPr>
-              <a:t> + </a:t>
-            </a:r>
-            <a:r>
-              <a:rPr lang="en-US" sz="1600" i="1" u="sng" dirty="0" err="1">
-                <a:solidFill>
-                  <a:schemeClr val="dk1"/>
-                </a:solidFill>
-              </a:rPr>
-              <a:t>ackTimeout</a:t>
-            </a:r>
-            <a:r>
-              <a:rPr lang="en-US" sz="1600" i="1" u="sng" dirty="0">
-                <a:solidFill>
-                  <a:schemeClr val="dk1"/>
-                </a:solidFill>
-              </a:rPr>
-              <a:t>’ </a:t>
-            </a:r>
-            <a:r>
-              <a:rPr lang="en-US" sz="1600" u="sng" dirty="0">
-                <a:solidFill>
-                  <a:schemeClr val="dk1"/>
-                </a:solidFill>
-              </a:rPr>
-              <a:t>with </a:t>
-            </a:r>
-            <a:r>
-              <a:rPr lang="en-US" sz="1600" i="1" u="sng" dirty="0" err="1">
+              <a:t>(</a:t>
+            </a:r>
+            <a:r>
+              <a:rPr lang="en" sz="1600" i="1" dirty="0" err="1">
                 <a:solidFill>
                   <a:schemeClr val="dk1"/>
                 </a:solidFill>
@@ -20845,55 +20807,13 @@
               <a:t>reconnectCount</a:t>
             </a:r>
             <a:r>
-              <a:rPr lang="en-US" sz="1600" u="sng" dirty="0">
+              <a:rPr lang="en" sz="1600" i="1" dirty="0">
                 <a:solidFill>
                   <a:schemeClr val="dk1"/>
                 </a:solidFill>
               </a:rPr>
-              <a:t> = 1</a:t>
-            </a:r>
-            <a:r>
-              <a:rPr lang="en-US" sz="1600" i="1" dirty="0">
-                <a:solidFill>
-                  <a:schemeClr val="dk1"/>
-                </a:solidFill>
-              </a:rPr>
-              <a:t>.</a:t>
-            </a:r>
-          </a:p>
-          <a:p>
-            <a:endParaRPr lang="en-US" sz="1600" i="1" dirty="0">
-              <a:solidFill>
-                <a:schemeClr val="dk1"/>
-              </a:solidFill>
-            </a:endParaRPr>
-          </a:p>
-          <a:p>
-            <a:r>
-              <a:rPr lang="en-US" sz="1600" dirty="0">
-                <a:solidFill>
-                  <a:schemeClr val="dk1"/>
-                </a:solidFill>
-              </a:rPr>
-              <a:t>Actually, ‘</a:t>
-            </a:r>
-            <a:r>
-              <a:rPr lang="en-US" sz="1600" dirty="0" err="1">
-                <a:solidFill>
-                  <a:schemeClr val="dk1"/>
-                </a:solidFill>
-              </a:rPr>
-              <a:t>effectiveExchangeTimeout</a:t>
-            </a:r>
-            <a:r>
-              <a:rPr lang="en-US" sz="1600" dirty="0">
-                <a:solidFill>
-                  <a:schemeClr val="dk1"/>
-                </a:solidFill>
-              </a:rPr>
-              <a:t>’ is involved in the code:</a:t>
-            </a:r>
-            <a:endParaRPr lang="en-US" sz="1600" dirty="0"/>
+              <a:t> = 2).</a:t>
+            </a:r>
           </a:p>
           <a:p>
             <a:pPr marL="0" lvl="0" indent="0" algn="l" rtl="0">
@@ -20912,6 +20832,29 @@
             </a:endParaRPr>
           </a:p>
           <a:p>
+            <a:endParaRPr lang="en-US" sz="1600" dirty="0">
+              <a:solidFill>
+                <a:schemeClr val="dk1"/>
+              </a:solidFill>
+            </a:endParaRPr>
+          </a:p>
+          <a:p>
+            <a:pPr marL="0" lvl="0" indent="0" algn="l" rtl="0">
+              <a:spcBef>
+                <a:spcPts val="0"/>
+              </a:spcBef>
+              <a:spcAft>
+                <a:spcPts val="0"/>
+              </a:spcAft>
+              <a:buNone/>
+            </a:pPr>
+            <a:endParaRPr lang="en" sz="1600" dirty="0">
+              <a:solidFill>
+                <a:schemeClr val="dk1"/>
+              </a:solidFill>
+            </a:endParaRPr>
+          </a:p>
+          <a:p>
             <a:pPr marL="0" lvl="0" indent="0" algn="l" rtl="0">
               <a:spcBef>
                 <a:spcPts val="0"/>
@@ -20927,14 +20870,14 @@
       </p:sp>
       <p:sp>
         <p:nvSpPr>
-          <p:cNvPr id="495" name="Google Shape;495;p28"/>
+          <p:cNvPr id="532" name="Google Shape;532;p28"/>
           <p:cNvSpPr txBox="1"/>
           <p:nvPr/>
         </p:nvSpPr>
         <p:spPr>
           <a:xfrm>
-            <a:off x="8260648" y="3640250"/>
-            <a:ext cx="6920002" cy="2390100"/>
+            <a:off x="177801" y="4737153"/>
+            <a:ext cx="14857362" cy="2375411"/>
           </a:xfrm>
           <a:prstGeom prst="rect">
             <a:avLst/>
@@ -20950,193 +20893,186 @@
           </a:bodyPr>
           <a:lstStyle/>
           <a:p>
-            <a:pPr marL="425450" lvl="0" indent="-285750" algn="l" rtl="0">
-              <a:spcBef>
-                <a:spcPts val="0"/>
-              </a:spcBef>
-              <a:spcAft>
-                <a:spcPts val="0"/>
-              </a:spcAft>
-              <a:buSzPts val="1400"/>
+            <a:pPr marL="285750" indent="-285750">
               <a:buFont typeface="Arial" panose="020B0604020202020204" pitchFamily="34" charset="0"/>
               <a:buChar char="•"/>
             </a:pPr>
             <a:r>
-              <a:rPr lang="en" sz="1600" dirty="0"/>
-              <a:t>Max. duration of message exchange is </a:t>
-            </a:r>
-            <a:r>
-              <a:rPr lang="en" sz="1600" i="1" dirty="0" err="1"/>
-              <a:t>socketTimeout</a:t>
-            </a:r>
-            <a:r>
-              <a:rPr lang="en" sz="1600" dirty="0"/>
-              <a:t> + </a:t>
-            </a:r>
-            <a:r>
-              <a:rPr lang="en" sz="1600" i="1" dirty="0" err="1"/>
-              <a:t>ackTimeout</a:t>
-            </a:r>
-            <a:r>
-              <a:rPr lang="en" sz="1600" dirty="0"/>
-              <a:t> measured from the </a:t>
-            </a:r>
-            <a:r>
-              <a:rPr lang="en" sz="1600" u="sng" dirty="0"/>
-              <a:t>time of last successful message</a:t>
-            </a:r>
-            <a:r>
-              <a:rPr lang="en" sz="1600" dirty="0"/>
-              <a:t>.</a:t>
-            </a:r>
-            <a:endParaRPr sz="1600" dirty="0"/>
-          </a:p>
-          <a:p>
-            <a:pPr marL="0" lvl="0" indent="0" algn="l" rtl="0">
-              <a:spcBef>
-                <a:spcPts val="0"/>
-              </a:spcBef>
-              <a:spcAft>
-                <a:spcPts val="0"/>
-              </a:spcAft>
-              <a:buNone/>
-            </a:pPr>
-            <a:endParaRPr sz="1600" dirty="0"/>
-          </a:p>
-          <a:p>
-            <a:pPr marL="0" lvl="0" indent="0" algn="l" rtl="0">
-              <a:spcBef>
-                <a:spcPts val="0"/>
-              </a:spcBef>
-              <a:spcAft>
-                <a:spcPts val="0"/>
-              </a:spcAft>
-              <a:buNone/>
-            </a:pPr>
-            <a:endParaRPr sz="1600" dirty="0"/>
-          </a:p>
-          <a:p>
-            <a:pPr marL="425450" lvl="0" indent="-285750" algn="l" rtl="0">
-              <a:spcBef>
-                <a:spcPts val="0"/>
-              </a:spcBef>
-              <a:spcAft>
-                <a:spcPts val="0"/>
-              </a:spcAft>
-              <a:buSzPts val="1400"/>
+              <a:rPr lang="en-US" sz="1600" dirty="0"/>
+              <a:t>Each attempt to send message accompanies with opening new socket. If failed to create new socket, </a:t>
+            </a:r>
+            <a:r>
+              <a:rPr lang="en-US" sz="1600" u="sng" dirty="0"/>
+              <a:t>no any further reconnection attempt will be repeated</a:t>
+            </a:r>
+            <a:r>
+              <a:rPr lang="en-US" sz="1600" dirty="0"/>
+              <a:t> at all!</a:t>
+            </a:r>
+          </a:p>
+          <a:p>
+            <a:pPr marL="285750" indent="-285750">
               <a:buFont typeface="Arial" panose="020B0604020202020204" pitchFamily="34" charset="0"/>
               <a:buChar char="•"/>
             </a:pPr>
-            <a:r>
-              <a:rPr lang="en" sz="1600" dirty="0"/>
-              <a:t>Sending message and reading response are attempted with own timeouts: </a:t>
-            </a:r>
-            <a:r>
-              <a:rPr lang="en" sz="1600" i="1" dirty="0" err="1"/>
-              <a:t>socketTimeout</a:t>
-            </a:r>
-            <a:r>
-              <a:rPr lang="en" sz="1600" dirty="0"/>
-              <a:t> and</a:t>
-            </a:r>
-            <a:r>
-              <a:rPr lang="en" sz="1600" i="1" dirty="0"/>
-              <a:t> </a:t>
-            </a:r>
-            <a:r>
-              <a:rPr lang="en" sz="1600" i="1" dirty="0" err="1"/>
-              <a:t>ackTimeout</a:t>
-            </a:r>
-            <a:r>
-              <a:rPr lang="en" sz="1600" dirty="0"/>
-              <a:t> respectively.</a:t>
-            </a:r>
-            <a:endParaRPr sz="1600" dirty="0"/>
-          </a:p>
-          <a:p>
-            <a:pPr marL="0" lvl="0" indent="0" algn="l" rtl="0">
-              <a:spcBef>
-                <a:spcPts val="0"/>
-              </a:spcBef>
-              <a:spcAft>
-                <a:spcPts val="0"/>
-              </a:spcAft>
-              <a:buNone/>
-            </a:pPr>
-            <a:endParaRPr sz="1600" dirty="0"/>
-          </a:p>
-          <a:p>
-            <a:pPr marL="0" lvl="0" indent="0" algn="l" rtl="0">
-              <a:spcBef>
-                <a:spcPts val="0"/>
-              </a:spcBef>
-              <a:spcAft>
-                <a:spcPts val="0"/>
-              </a:spcAft>
-              <a:buNone/>
-            </a:pPr>
-            <a:endParaRPr sz="1600" dirty="0"/>
-          </a:p>
-          <a:p>
-            <a:pPr marL="425450" lvl="0" indent="-285750" algn="l" rtl="0">
-              <a:spcBef>
-                <a:spcPts val="0"/>
-              </a:spcBef>
-              <a:spcAft>
-                <a:spcPts val="0"/>
-              </a:spcAft>
-              <a:buSzPts val="1400"/>
+            <a:endParaRPr lang="en-US" sz="1600" u="sng" dirty="0"/>
+          </a:p>
+          <a:p>
+            <a:pPr marL="285750" indent="-285750">
               <a:buFont typeface="Arial" panose="020B0604020202020204" pitchFamily="34" charset="0"/>
               <a:buChar char="•"/>
             </a:pPr>
             <a:r>
+              <a:rPr lang="en-US" sz="1600" u="sng" dirty="0"/>
+              <a:t>If the send error was a timeout</a:t>
+            </a:r>
+            <a:r>
+              <a:rPr lang="en-US" sz="1600" dirty="0"/>
+              <a:t>, </a:t>
+            </a:r>
+            <a:r>
+              <a:rPr lang="en-US" sz="1600" i="1" dirty="0" err="1"/>
+              <a:t>ackTimeout</a:t>
+            </a:r>
+            <a:r>
+              <a:rPr lang="en-US" sz="1600" dirty="0"/>
+              <a:t> is increased twice after each unsuccessful attempt until overtakes </a:t>
+            </a:r>
+            <a:r>
+              <a:rPr lang="en-US" sz="1600" i="1" dirty="0" err="1"/>
+              <a:t>maxAckTimeout</a:t>
+            </a:r>
+            <a:r>
+              <a:rPr lang="en-US" sz="1600" dirty="0"/>
+              <a:t>.</a:t>
+            </a:r>
+          </a:p>
+          <a:p>
+            <a:pPr marL="0" lvl="0" indent="0" algn="l" rtl="0">
+              <a:spcBef>
+                <a:spcPts val="0"/>
+              </a:spcBef>
+              <a:spcAft>
+                <a:spcPts val="0"/>
+              </a:spcAft>
+              <a:buNone/>
+            </a:pPr>
+            <a:endParaRPr lang="en" sz="1600" dirty="0"/>
+          </a:p>
+          <a:p>
+            <a:pPr marL="285750" lvl="0" indent="-285750">
+              <a:buFont typeface="Arial" panose="020B0604020202020204" pitchFamily="34" charset="0"/>
+              <a:buChar char="•"/>
+            </a:pPr>
+            <a:r>
               <a:rPr lang="en" sz="1600" dirty="0"/>
-              <a:t>If any of these timeout overtakes </a:t>
+              <a:t>Attempts to send message works until: reconnect number </a:t>
+            </a:r>
+            <a:r>
+              <a:rPr lang="en" sz="1600" u="sng" dirty="0"/>
+              <a:t>reaches</a:t>
+            </a:r>
+            <a:r>
+              <a:rPr lang="en" sz="1600" dirty="0"/>
+              <a:t> </a:t>
             </a:r>
             <a:r>
               <a:rPr lang="en" sz="1600" i="1" dirty="0" err="1"/>
-              <a:t>exchangeTimeout</a:t>
+              <a:t>reconnectCount</a:t>
+            </a:r>
+            <a:r>
+              <a:rPr lang="en" sz="1600" i="1" dirty="0"/>
+              <a:t>,</a:t>
             </a:r>
             <a:r>
               <a:rPr lang="en" sz="1600" dirty="0"/>
-              <a:t>, </a:t>
+              <a:t> </a:t>
+            </a:r>
+            <a:r>
+              <a:rPr lang="en" sz="1600" i="1" dirty="0" err="1"/>
+              <a:t>ackTimeout</a:t>
+            </a:r>
+            <a:r>
+              <a:rPr lang="en" sz="1600" dirty="0"/>
+              <a:t> </a:t>
+            </a:r>
+            <a:r>
+              <a:rPr lang="en-US" sz="1600" u="sng" dirty="0"/>
+              <a:t>overtakes</a:t>
             </a:r>
             <a:r>
               <a:rPr lang="en" sz="1600" u="sng" dirty="0"/>
-              <a:t>it gets cut</a:t>
+              <a:t> </a:t>
+            </a:r>
+            <a:r>
+              <a:rPr lang="en" sz="1600" i="1" u="sng" dirty="0" err="1"/>
+              <a:t>maxAckTimeout</a:t>
             </a:r>
             <a:r>
               <a:rPr lang="en" sz="1600" dirty="0"/>
-              <a:t>.</a:t>
-            </a:r>
-            <a:endParaRPr sz="1600" dirty="0"/>
-          </a:p>
-          <a:p>
-            <a:pPr marL="0" lvl="0" indent="0" algn="l" rtl="0">
-              <a:spcBef>
-                <a:spcPts val="0"/>
-              </a:spcBef>
-              <a:spcAft>
-                <a:spcPts val="0"/>
-              </a:spcAft>
-              <a:buNone/>
+              <a:t> or failed to open socket anew.</a:t>
+            </a:r>
+          </a:p>
+          <a:p>
+            <a:pPr marL="285750" lvl="0" indent="-285750" algn="l" rtl="0">
+              <a:spcBef>
+                <a:spcPts val="0"/>
+              </a:spcBef>
+              <a:spcAft>
+                <a:spcPts val="0"/>
+              </a:spcAft>
+              <a:buFont typeface="Arial" panose="020B0604020202020204" pitchFamily="34" charset="0"/>
+              <a:buChar char="•"/>
             </a:pPr>
-            <a:endParaRPr sz="1600" dirty="0"/>
-          </a:p>
-          <a:p>
-            <a:pPr marL="0" lvl="0" indent="0" algn="l" rtl="0">
-              <a:spcBef>
-                <a:spcPts val="0"/>
-              </a:spcBef>
-              <a:spcAft>
-                <a:spcPts val="0"/>
-              </a:spcAft>
-              <a:buNone/>
+            <a:endParaRPr lang="en" sz="1600" dirty="0"/>
+          </a:p>
+          <a:p>
+            <a:pPr marL="285750" lvl="0" indent="-285750">
+              <a:buFont typeface="Arial" panose="020B0604020202020204" pitchFamily="34" charset="0"/>
+              <a:buChar char="•"/>
             </a:pPr>
-            <a:endParaRPr sz="1600" dirty="0"/>
-          </a:p>
-          <a:p>
-            <a:pPr marL="0" lvl="0" indent="0" algn="l" rtl="0">
+            <a:r>
+              <a:rPr lang="en" sz="1600" u="sng" dirty="0"/>
+              <a:t>Note</a:t>
+            </a:r>
+            <a:r>
+              <a:rPr lang="en" sz="1600" dirty="0"/>
+              <a:t> (*): opening socket can theoretically take up to 2 * </a:t>
+            </a:r>
+            <a:r>
+              <a:rPr lang="en" sz="1600" i="1" dirty="0" err="1"/>
+              <a:t>socketTimeout</a:t>
+            </a:r>
+            <a:r>
+              <a:rPr lang="en" sz="1600" i="1" dirty="0"/>
+              <a:t>!</a:t>
+            </a:r>
+            <a:endParaRPr lang="en" sz="1600" dirty="0"/>
+          </a:p>
+        </p:txBody>
+      </p:sp>
+      <p:sp>
+        <p:nvSpPr>
+          <p:cNvPr id="2" name="Slide Number Placeholder 1">
+            <a:extLst>
+              <a:ext uri="{FF2B5EF4-FFF2-40B4-BE49-F238E27FC236}">
+                <a16:creationId xmlns:a16="http://schemas.microsoft.com/office/drawing/2014/main" id="{84695020-39BC-EE4D-975C-B6FA31EEDABF}"/>
+              </a:ext>
+            </a:extLst>
+          </p:cNvPr>
+          <p:cNvSpPr>
+            <a:spLocks noGrp="1"/>
+          </p:cNvSpPr>
+          <p:nvPr>
+            <p:ph type="sldNum" idx="12"/>
+          </p:nvPr>
+        </p:nvSpPr>
+        <p:spPr/>
+        <p:txBody>
+          <a:bodyPr/>
+          <a:lstStyle/>
+          <a:p>
+            <a:pPr marL="0" lvl="0" indent="0" algn="r" rtl="0">
               <a:spcBef>
                 <a:spcPts val="0"/>
               </a:spcBef>
@@ -21145,22 +21081,32 @@
               </a:spcAft>
               <a:buNone/>
             </a:pPr>
-            <a:endParaRPr sz="1600" dirty="0"/>
+            <a:fld id="{00000000-1234-1234-1234-123412341234}" type="slidenum">
+              <a:rPr lang="en" smtClean="0"/>
+              <a:t>17</a:t>
+            </a:fld>
+            <a:endParaRPr lang="en"/>
           </a:p>
         </p:txBody>
       </p:sp>
       <p:grpSp>
         <p:nvGrpSpPr>
-          <p:cNvPr id="496" name="Google Shape;496;p28"/>
+          <p:cNvPr id="13" name="Group 12">
+            <a:extLst>
+              <a:ext uri="{FF2B5EF4-FFF2-40B4-BE49-F238E27FC236}">
+                <a16:creationId xmlns:a16="http://schemas.microsoft.com/office/drawing/2014/main" id="{2D39D945-632B-4646-B470-EF563882DA67}"/>
+              </a:ext>
+            </a:extLst>
+          </p:cNvPr>
           <p:cNvGrpSpPr/>
           <p:nvPr/>
         </p:nvGrpSpPr>
         <p:grpSpPr>
           <a:xfrm>
-            <a:off x="382851" y="3950975"/>
-            <a:ext cx="7771349" cy="2314900"/>
-            <a:chOff x="624151" y="1830075"/>
-            <a:chExt cx="7771349" cy="2314900"/>
+            <a:off x="16198" y="1673207"/>
+            <a:ext cx="15175261" cy="2870497"/>
+            <a:chOff x="15774" y="1798431"/>
+            <a:chExt cx="15175261" cy="2870497"/>
           </a:xfrm>
         </p:grpSpPr>
         <p:sp>
@@ -21171,7 +21117,7 @@
           </p:nvSpPr>
           <p:spPr>
             <a:xfrm>
-              <a:off x="624151" y="2318475"/>
+              <a:off x="15774" y="2438384"/>
               <a:ext cx="1377300" cy="495300"/>
             </a:xfrm>
             <a:prstGeom prst="rect">
@@ -21221,364 +21167,156 @@
             </a:p>
           </p:txBody>
         </p:sp>
-        <p:cxnSp>
-          <p:nvCxnSpPr>
-            <p:cNvPr id="498" name="Google Shape;498;p28"/>
-            <p:cNvCxnSpPr/>
-            <p:nvPr/>
-          </p:nvCxnSpPr>
-          <p:spPr>
-            <a:xfrm>
-              <a:off x="1396863" y="2796488"/>
-              <a:ext cx="384900" cy="262500"/>
-            </a:xfrm>
-            <a:prstGeom prst="straightConnector1">
-              <a:avLst/>
-            </a:prstGeom>
-            <a:noFill/>
-            <a:ln w="9525" cap="flat" cmpd="sng">
-              <a:solidFill>
-                <a:srgbClr val="000000"/>
-              </a:solidFill>
-              <a:prstDash val="solid"/>
-              <a:round/>
-              <a:headEnd type="none" w="med" len="med"/>
-              <a:tailEnd type="triangle" w="med" len="med"/>
-            </a:ln>
-          </p:spPr>
-        </p:cxnSp>
-        <p:cxnSp>
-          <p:nvCxnSpPr>
-            <p:cNvPr id="499" name="Google Shape;499;p28"/>
-            <p:cNvCxnSpPr/>
-            <p:nvPr/>
-          </p:nvCxnSpPr>
-          <p:spPr>
-            <a:xfrm flipH="1">
-              <a:off x="7656100" y="2420625"/>
-              <a:ext cx="6300" cy="550800"/>
-            </a:xfrm>
-            <a:prstGeom prst="straightConnector1">
-              <a:avLst/>
-            </a:prstGeom>
-            <a:noFill/>
-            <a:ln w="9525" cap="flat" cmpd="sng">
-              <a:solidFill>
-                <a:srgbClr val="000000"/>
-              </a:solidFill>
-              <a:prstDash val="solid"/>
-              <a:round/>
-              <a:headEnd type="none" w="med" len="med"/>
-              <a:tailEnd type="triangle" w="med" len="med"/>
-            </a:ln>
-          </p:spPr>
-        </p:cxnSp>
-        <p:sp>
-          <p:nvSpPr>
-            <p:cNvPr id="500" name="Google Shape;500;p28"/>
-            <p:cNvSpPr/>
-            <p:nvPr/>
-          </p:nvSpPr>
-          <p:spPr>
-            <a:xfrm>
-              <a:off x="7772400" y="1871375"/>
-              <a:ext cx="623100" cy="590700"/>
-            </a:xfrm>
-            <a:prstGeom prst="ellipse">
-              <a:avLst/>
-            </a:prstGeom>
-            <a:solidFill>
-              <a:srgbClr val="CFE2F3"/>
-            </a:solidFill>
-            <a:ln w="9525" cap="flat" cmpd="sng">
-              <a:solidFill>
-                <a:srgbClr val="000000"/>
-              </a:solidFill>
-              <a:prstDash val="solid"/>
-              <a:round/>
-              <a:headEnd type="none" w="sm" len="sm"/>
-              <a:tailEnd type="none" w="sm" len="sm"/>
-            </a:ln>
-          </p:spPr>
-          <p:txBody>
-            <a:bodyPr spcFirstLastPara="1" wrap="square" lIns="140875" tIns="140875" rIns="140875" bIns="140875" anchor="ctr" anchorCtr="0">
-              <a:noAutofit/>
-            </a:bodyPr>
-            <a:lstStyle/>
-            <a:p>
-              <a:pPr marL="0" lvl="0" indent="0" algn="ctr" rtl="0">
-                <a:spcBef>
-                  <a:spcPts val="0"/>
-                </a:spcBef>
-                <a:spcAft>
-                  <a:spcPts val="0"/>
-                </a:spcAft>
-                <a:buNone/>
-              </a:pPr>
-              <a:endParaRPr/>
-            </a:p>
-          </p:txBody>
-        </p:sp>
-        <p:cxnSp>
-          <p:nvCxnSpPr>
-            <p:cNvPr id="501" name="Google Shape;501;p28"/>
-            <p:cNvCxnSpPr/>
-            <p:nvPr/>
-          </p:nvCxnSpPr>
-          <p:spPr>
-            <a:xfrm>
-              <a:off x="1953700" y="3089925"/>
-              <a:ext cx="5704500" cy="0"/>
-            </a:xfrm>
-            <a:prstGeom prst="straightConnector1">
-              <a:avLst/>
-            </a:prstGeom>
-            <a:noFill/>
-            <a:ln w="19050" cap="flat" cmpd="sng">
-              <a:solidFill>
-                <a:srgbClr val="000000"/>
-              </a:solidFill>
-              <a:prstDash val="solid"/>
-              <a:round/>
-              <a:headEnd type="oval" w="med" len="med"/>
-              <a:tailEnd type="oval" w="med" len="med"/>
-            </a:ln>
-          </p:spPr>
-        </p:cxnSp>
-        <p:cxnSp>
-          <p:nvCxnSpPr>
-            <p:cNvPr id="502" name="Google Shape;502;p28"/>
-            <p:cNvCxnSpPr/>
-            <p:nvPr/>
-          </p:nvCxnSpPr>
-          <p:spPr>
-            <a:xfrm>
-              <a:off x="2731150" y="2268225"/>
-              <a:ext cx="4200" cy="711900"/>
-            </a:xfrm>
-            <a:prstGeom prst="straightConnector1">
-              <a:avLst/>
-            </a:prstGeom>
-            <a:noFill/>
-            <a:ln w="9525" cap="flat" cmpd="sng">
-              <a:solidFill>
-                <a:srgbClr val="000000"/>
-              </a:solidFill>
-              <a:prstDash val="solid"/>
-              <a:round/>
-              <a:headEnd type="none" w="med" len="med"/>
-              <a:tailEnd type="triangle" w="med" len="med"/>
-            </a:ln>
-          </p:spPr>
-        </p:cxnSp>
-        <p:sp>
-          <p:nvSpPr>
-            <p:cNvPr id="503" name="Google Shape;503;p28"/>
-            <p:cNvSpPr txBox="1"/>
-            <p:nvPr/>
-          </p:nvSpPr>
-          <p:spPr>
-            <a:xfrm>
-              <a:off x="7017552" y="2106725"/>
-              <a:ext cx="966300" cy="360900"/>
-            </a:xfrm>
-            <a:prstGeom prst="rect">
-              <a:avLst/>
-            </a:prstGeom>
-            <a:noFill/>
-            <a:ln>
-              <a:noFill/>
-            </a:ln>
-          </p:spPr>
-          <p:txBody>
-            <a:bodyPr spcFirstLastPara="1" wrap="square" lIns="91425" tIns="91425" rIns="91425" bIns="91425" anchor="t" anchorCtr="0">
-              <a:noAutofit/>
-            </a:bodyPr>
-            <a:lstStyle/>
-            <a:p>
-              <a:pPr marL="0" lvl="0" indent="0" algn="l" rtl="0">
-                <a:spcBef>
-                  <a:spcPts val="0"/>
-                </a:spcBef>
-                <a:spcAft>
-                  <a:spcPts val="0"/>
-                </a:spcAft>
-                <a:buNone/>
-              </a:pPr>
-              <a:r>
-                <a:rPr lang="en" sz="1200"/>
-                <a:t>RES_OK</a:t>
-              </a:r>
-              <a:endParaRPr sz="1200"/>
-            </a:p>
-          </p:txBody>
-        </p:sp>
-        <p:cxnSp>
-          <p:nvCxnSpPr>
-            <p:cNvPr id="504" name="Google Shape;504;p28"/>
-            <p:cNvCxnSpPr/>
-            <p:nvPr/>
-          </p:nvCxnSpPr>
-          <p:spPr>
-            <a:xfrm rot="10800000">
-              <a:off x="6353938" y="2299550"/>
-              <a:ext cx="663600" cy="9000"/>
-            </a:xfrm>
-            <a:prstGeom prst="straightConnector1">
-              <a:avLst/>
-            </a:prstGeom>
-            <a:noFill/>
-            <a:ln w="9525" cap="flat" cmpd="sng">
-              <a:solidFill>
-                <a:srgbClr val="000000"/>
-              </a:solidFill>
-              <a:prstDash val="solid"/>
-              <a:round/>
-              <a:headEnd type="none" w="med" len="med"/>
-              <a:tailEnd type="stealth" w="med" len="med"/>
-            </a:ln>
-          </p:spPr>
-        </p:cxnSp>
-        <p:sp>
-          <p:nvSpPr>
-            <p:cNvPr id="505" name="Google Shape;505;p28"/>
-            <p:cNvSpPr/>
-            <p:nvPr/>
-          </p:nvSpPr>
-          <p:spPr>
-            <a:xfrm rot="10800000">
-              <a:off x="1988300" y="3084375"/>
-              <a:ext cx="5543700" cy="500100"/>
-            </a:xfrm>
-            <a:prstGeom prst="arc">
-              <a:avLst>
-                <a:gd name="adj1" fmla="val 10824826"/>
-                <a:gd name="adj2" fmla="val 21560618"/>
-              </a:avLst>
-            </a:prstGeom>
-            <a:noFill/>
-            <a:ln w="9525" cap="flat" cmpd="sng">
-              <a:solidFill>
-                <a:srgbClr val="000000"/>
-              </a:solidFill>
-              <a:prstDash val="solid"/>
-              <a:round/>
-              <a:headEnd type="triangle" w="sm" len="sm"/>
-              <a:tailEnd type="triangle" w="sm" len="sm"/>
-            </a:ln>
-          </p:spPr>
-          <p:txBody>
-            <a:bodyPr spcFirstLastPara="1" wrap="square" lIns="91425" tIns="91425" rIns="91425" bIns="91425" anchor="ctr" anchorCtr="0">
-              <a:noAutofit/>
-            </a:bodyPr>
-            <a:lstStyle/>
-            <a:p>
-              <a:pPr marL="0" lvl="0" indent="0" algn="l" rtl="0">
-                <a:spcBef>
-                  <a:spcPts val="0"/>
-                </a:spcBef>
-                <a:spcAft>
-                  <a:spcPts val="0"/>
-                </a:spcAft>
-                <a:buNone/>
-              </a:pPr>
-              <a:endParaRPr/>
-            </a:p>
-          </p:txBody>
-        </p:sp>
-        <p:sp>
-          <p:nvSpPr>
-            <p:cNvPr id="506" name="Google Shape;506;p28"/>
-            <p:cNvSpPr txBox="1"/>
-            <p:nvPr/>
-          </p:nvSpPr>
-          <p:spPr>
-            <a:xfrm>
-              <a:off x="3435625" y="3485575"/>
-              <a:ext cx="2613300" cy="659400"/>
-            </a:xfrm>
-            <a:prstGeom prst="rect">
-              <a:avLst/>
-            </a:prstGeom>
-            <a:noFill/>
-            <a:ln>
-              <a:noFill/>
-            </a:ln>
-          </p:spPr>
-          <p:txBody>
-            <a:bodyPr spcFirstLastPara="1" wrap="square" lIns="91425" tIns="91425" rIns="91425" bIns="91425" anchor="ctr" anchorCtr="0">
-              <a:noAutofit/>
-            </a:bodyPr>
-            <a:lstStyle/>
-            <a:p>
-              <a:pPr marL="0" lvl="0" indent="0" algn="ctr" rtl="0">
-                <a:spcBef>
-                  <a:spcPts val="0"/>
-                </a:spcBef>
-                <a:spcAft>
-                  <a:spcPts val="0"/>
-                </a:spcAft>
-                <a:buNone/>
-              </a:pPr>
-              <a:r>
-                <a:rPr lang="en" i="1" u="sng"/>
-                <a:t>effectiveExchangeTimeout</a:t>
-              </a:r>
-              <a:endParaRPr i="1" u="sng"/>
-            </a:p>
-            <a:p>
-              <a:pPr marL="0" lvl="0" indent="0" algn="ctr" rtl="0">
-                <a:spcBef>
-                  <a:spcPts val="0"/>
-                </a:spcBef>
-                <a:spcAft>
-                  <a:spcPts val="0"/>
-                </a:spcAft>
-                <a:buNone/>
-              </a:pPr>
-              <a:endParaRPr sz="400" i="1" u="sng"/>
-            </a:p>
-            <a:p>
-              <a:pPr marL="0" lvl="0" indent="0" algn="ctr" rtl="0">
-                <a:spcBef>
-                  <a:spcPts val="0"/>
-                </a:spcBef>
-                <a:spcAft>
-                  <a:spcPts val="0"/>
-                </a:spcAft>
-                <a:buClr>
-                  <a:schemeClr val="dk1"/>
-                </a:buClr>
-                <a:buSzPts val="1100"/>
-                <a:buFont typeface="Arial"/>
-                <a:buNone/>
-              </a:pPr>
-              <a:r>
-                <a:rPr lang="en" sz="1200">
-                  <a:solidFill>
-                    <a:schemeClr val="dk1"/>
-                  </a:solidFill>
-                </a:rPr>
-                <a:t>failureDetectionTimeout</a:t>
-              </a:r>
-              <a:endParaRPr sz="1000"/>
-            </a:p>
-          </p:txBody>
-        </p:sp>
         <p:grpSp>
           <p:nvGrpSpPr>
-            <p:cNvPr id="507" name="Google Shape;507;p28"/>
+            <p:cNvPr id="12" name="Group 11">
+              <a:extLst>
+                <a:ext uri="{FF2B5EF4-FFF2-40B4-BE49-F238E27FC236}">
+                  <a16:creationId xmlns:a16="http://schemas.microsoft.com/office/drawing/2014/main" id="{45E19507-7C69-9E47-B9C1-398A66EC662A}"/>
+                </a:ext>
+              </a:extLst>
+            </p:cNvPr>
             <p:cNvGrpSpPr/>
             <p:nvPr/>
           </p:nvGrpSpPr>
           <p:grpSpPr>
             <a:xfrm>
-              <a:off x="2045350" y="1830075"/>
-              <a:ext cx="2140952" cy="619200"/>
-              <a:chOff x="2121550" y="1753875"/>
-              <a:chExt cx="2140952" cy="619200"/>
+              <a:off x="649941" y="1798431"/>
+              <a:ext cx="14541094" cy="2870497"/>
+              <a:chOff x="649941" y="1976231"/>
+              <a:chExt cx="14541094" cy="2870497"/>
             </a:xfrm>
           </p:grpSpPr>
+          <p:cxnSp>
+            <p:nvCxnSpPr>
+              <p:cNvPr id="498" name="Google Shape;498;p28"/>
+              <p:cNvCxnSpPr/>
+              <p:nvPr/>
+            </p:nvCxnSpPr>
+            <p:spPr>
+              <a:xfrm>
+                <a:off x="788486" y="3094197"/>
+                <a:ext cx="384900" cy="262500"/>
+              </a:xfrm>
+              <a:prstGeom prst="straightConnector1">
+                <a:avLst/>
+              </a:prstGeom>
+              <a:noFill/>
+              <a:ln w="9525" cap="flat" cmpd="sng">
+                <a:solidFill>
+                  <a:srgbClr val="000000"/>
+                </a:solidFill>
+                <a:prstDash val="solid"/>
+                <a:round/>
+                <a:headEnd type="none" w="med" len="med"/>
+                <a:tailEnd type="triangle" w="med" len="med"/>
+              </a:ln>
+            </p:spPr>
+          </p:cxnSp>
+          <p:cxnSp>
+            <p:nvCxnSpPr>
+              <p:cNvPr id="499" name="Google Shape;499;p28"/>
+              <p:cNvCxnSpPr/>
+              <p:nvPr/>
+            </p:nvCxnSpPr>
+            <p:spPr>
+              <a:xfrm flipH="1">
+                <a:off x="7047723" y="2718334"/>
+                <a:ext cx="6300" cy="550800"/>
+              </a:xfrm>
+              <a:prstGeom prst="straightConnector1">
+                <a:avLst/>
+              </a:prstGeom>
+              <a:noFill/>
+              <a:ln w="9525" cap="flat" cmpd="sng">
+                <a:solidFill>
+                  <a:srgbClr val="000000"/>
+                </a:solidFill>
+                <a:prstDash val="solid"/>
+                <a:round/>
+                <a:headEnd type="none" w="med" len="med"/>
+                <a:tailEnd type="triangle" w="med" len="med"/>
+              </a:ln>
+            </p:spPr>
+          </p:cxnSp>
+          <p:cxnSp>
+            <p:nvCxnSpPr>
+              <p:cNvPr id="501" name="Google Shape;501;p28"/>
+              <p:cNvCxnSpPr/>
+              <p:nvPr/>
+            </p:nvCxnSpPr>
+            <p:spPr>
+              <a:xfrm>
+                <a:off x="1345323" y="3387634"/>
+                <a:ext cx="5704500" cy="0"/>
+              </a:xfrm>
+              <a:prstGeom prst="straightConnector1">
+                <a:avLst/>
+              </a:prstGeom>
+              <a:noFill/>
+              <a:ln w="19050" cap="flat" cmpd="sng">
+                <a:solidFill>
+                  <a:srgbClr val="000000"/>
+                </a:solidFill>
+                <a:prstDash val="solid"/>
+                <a:round/>
+                <a:headEnd type="oval" w="med" len="med"/>
+                <a:tailEnd type="oval" w="med" len="med"/>
+              </a:ln>
+            </p:spPr>
+          </p:cxnSp>
+          <p:cxnSp>
+            <p:nvCxnSpPr>
+              <p:cNvPr id="502" name="Google Shape;502;p28"/>
+              <p:cNvCxnSpPr/>
+              <p:nvPr/>
+            </p:nvCxnSpPr>
+            <p:spPr>
+              <a:xfrm>
+                <a:off x="2122773" y="2565934"/>
+                <a:ext cx="4200" cy="711900"/>
+              </a:xfrm>
+              <a:prstGeom prst="straightConnector1">
+                <a:avLst/>
+              </a:prstGeom>
+              <a:noFill/>
+              <a:ln w="9525" cap="flat" cmpd="sng">
+                <a:solidFill>
+                  <a:srgbClr val="000000"/>
+                </a:solidFill>
+                <a:prstDash val="solid"/>
+                <a:round/>
+                <a:headEnd type="none" w="med" len="med"/>
+                <a:tailEnd type="triangle" w="med" len="med"/>
+              </a:ln>
+            </p:spPr>
+          </p:cxnSp>
+          <p:cxnSp>
+            <p:nvCxnSpPr>
+              <p:cNvPr id="504" name="Google Shape;504;p28"/>
+              <p:cNvCxnSpPr/>
+              <p:nvPr/>
+            </p:nvCxnSpPr>
+            <p:spPr>
+              <a:xfrm rot="10800000">
+                <a:off x="6063061" y="2609959"/>
+                <a:ext cx="663600" cy="9000"/>
+              </a:xfrm>
+              <a:prstGeom prst="straightConnector1">
+                <a:avLst/>
+              </a:prstGeom>
+              <a:noFill/>
+              <a:ln w="9525" cap="flat" cmpd="sng">
+                <a:solidFill>
+                  <a:srgbClr val="000000"/>
+                </a:solidFill>
+                <a:prstDash val="solid"/>
+                <a:round/>
+                <a:headEnd type="none" w="med" len="med"/>
+                <a:tailEnd type="stealth" w="med" len="med"/>
+              </a:ln>
+            </p:spPr>
+          </p:cxnSp>
           <p:sp>
             <p:nvSpPr>
               <p:cNvPr id="508" name="Google Shape;508;p28"/>
@@ -21587,7 +21325,7 @@
             </p:nvSpPr>
             <p:spPr>
               <a:xfrm>
-                <a:off x="2121550" y="1753875"/>
+                <a:off x="1436973" y="2127784"/>
                 <a:ext cx="623100" cy="619200"/>
               </a:xfrm>
               <a:prstGeom prst="ellipse">
@@ -21633,7 +21371,7 @@
             </p:nvSpPr>
             <p:spPr>
               <a:xfrm>
-                <a:off x="2572002" y="1885025"/>
+                <a:off x="1887425" y="2258934"/>
                 <a:ext cx="546900" cy="226200"/>
               </a:xfrm>
               <a:prstGeom prst="rect">
@@ -21685,7 +21423,7 @@
             </p:nvCxnSpPr>
             <p:spPr>
               <a:xfrm>
-                <a:off x="3118902" y="1998125"/>
+                <a:off x="2434325" y="2372034"/>
                 <a:ext cx="1143600" cy="0"/>
               </a:xfrm>
               <a:prstGeom prst="straightConnector1">
@@ -21703,803 +21441,1640 @@
               </a:ln>
             </p:spPr>
           </p:cxnSp>
+          <p:sp>
+            <p:nvSpPr>
+              <p:cNvPr id="512" name="Google Shape;512;p28"/>
+              <p:cNvSpPr txBox="1"/>
+              <p:nvPr/>
+            </p:nvSpPr>
+            <p:spPr>
+              <a:xfrm>
+                <a:off x="2106148" y="2763259"/>
+                <a:ext cx="2540400" cy="360900"/>
+              </a:xfrm>
+              <a:prstGeom prst="rect">
+                <a:avLst/>
+              </a:prstGeom>
+              <a:noFill/>
+              <a:ln>
+                <a:noFill/>
+              </a:ln>
+            </p:spPr>
+            <p:txBody>
+              <a:bodyPr spcFirstLastPara="1" wrap="square" lIns="91425" tIns="91425" rIns="91425" bIns="91425" anchor="t" anchorCtr="0">
+                <a:noAutofit/>
+              </a:bodyPr>
+              <a:lstStyle/>
+              <a:p>
+                <a:pPr marL="0" lvl="0" indent="0" algn="l" rtl="0">
+                  <a:spcBef>
+                    <a:spcPts val="0"/>
+                  </a:spcBef>
+                  <a:spcAft>
+                    <a:spcPts val="0"/>
+                  </a:spcAft>
+                  <a:buNone/>
+                </a:pPr>
+                <a:r>
+                  <a:rPr lang="en" sz="1200" dirty="0" err="1"/>
+                  <a:t>socket.write</a:t>
+                </a:r>
+                <a:r>
+                  <a:rPr lang="en" sz="1200" dirty="0"/>
+                  <a:t>(</a:t>
+                </a:r>
+                <a:r>
+                  <a:rPr lang="en" sz="1200" dirty="0" err="1"/>
+                  <a:t>msg</a:t>
+                </a:r>
+                <a:r>
+                  <a:rPr lang="en" sz="1200" dirty="0"/>
+                  <a:t>, </a:t>
+                </a:r>
+                <a:r>
+                  <a:rPr lang="en" sz="1200" dirty="0" err="1"/>
+                  <a:t>socketTimeout</a:t>
+                </a:r>
+                <a:r>
+                  <a:rPr lang="en" sz="1200" dirty="0"/>
+                  <a:t>)</a:t>
+                </a:r>
+                <a:endParaRPr sz="1200" dirty="0"/>
+              </a:p>
+            </p:txBody>
+          </p:sp>
+          <p:sp>
+            <p:nvSpPr>
+              <p:cNvPr id="513" name="Google Shape;513;p28"/>
+              <p:cNvSpPr txBox="1"/>
+              <p:nvPr/>
+            </p:nvSpPr>
+            <p:spPr>
+              <a:xfrm>
+                <a:off x="4768648" y="2774347"/>
+                <a:ext cx="2453100" cy="360900"/>
+              </a:xfrm>
+              <a:prstGeom prst="rect">
+                <a:avLst/>
+              </a:prstGeom>
+              <a:noFill/>
+              <a:ln>
+                <a:noFill/>
+              </a:ln>
+            </p:spPr>
+            <p:txBody>
+              <a:bodyPr spcFirstLastPara="1" wrap="square" lIns="91425" tIns="91425" rIns="91425" bIns="91425" anchor="t" anchorCtr="0">
+                <a:noAutofit/>
+              </a:bodyPr>
+              <a:lstStyle/>
+              <a:p>
+                <a:pPr marL="0" lvl="0" indent="0" algn="l" rtl="0">
+                  <a:spcBef>
+                    <a:spcPts val="0"/>
+                  </a:spcBef>
+                  <a:spcAft>
+                    <a:spcPts val="0"/>
+                  </a:spcAft>
+                  <a:buNone/>
+                </a:pPr>
+                <a:r>
+                  <a:rPr lang="en" sz="1200" dirty="0" err="1"/>
+                  <a:t>isOk</a:t>
+                </a:r>
+                <a:r>
+                  <a:rPr lang="en" sz="1200" dirty="0"/>
+                  <a:t> = </a:t>
+                </a:r>
+                <a:r>
+                  <a:rPr lang="en" sz="1200" dirty="0" err="1"/>
+                  <a:t>socket.read</a:t>
+                </a:r>
+                <a:r>
+                  <a:rPr lang="en" sz="1200" dirty="0"/>
+                  <a:t>(</a:t>
+                </a:r>
+                <a:r>
+                  <a:rPr lang="en" sz="1200" dirty="0" err="1"/>
+                  <a:t>ackTimeout</a:t>
+                </a:r>
+                <a:r>
+                  <a:rPr lang="en" sz="1200" dirty="0"/>
+                  <a:t>)</a:t>
+                </a:r>
+                <a:endParaRPr sz="1200" dirty="0"/>
+              </a:p>
+            </p:txBody>
+          </p:sp>
+          <p:sp>
+            <p:nvSpPr>
+              <p:cNvPr id="514" name="Google Shape;514;p28"/>
+              <p:cNvSpPr/>
+              <p:nvPr/>
+            </p:nvSpPr>
+            <p:spPr>
+              <a:xfrm>
+                <a:off x="2083473" y="3349359"/>
+                <a:ext cx="82800" cy="82800"/>
+              </a:xfrm>
+              <a:prstGeom prst="ellipse">
+                <a:avLst/>
+              </a:prstGeom>
+              <a:solidFill>
+                <a:srgbClr val="000000"/>
+              </a:solidFill>
+              <a:ln w="9525" cap="flat" cmpd="sng">
+                <a:solidFill>
+                  <a:schemeClr val="dk2"/>
+                </a:solidFill>
+                <a:prstDash val="solid"/>
+                <a:round/>
+                <a:headEnd type="none" w="sm" len="sm"/>
+                <a:tailEnd type="none" w="sm" len="sm"/>
+              </a:ln>
+            </p:spPr>
+            <p:txBody>
+              <a:bodyPr spcFirstLastPara="1" wrap="square" lIns="91425" tIns="91425" rIns="91425" bIns="91425" anchor="ctr" anchorCtr="0">
+                <a:noAutofit/>
+              </a:bodyPr>
+              <a:lstStyle/>
+              <a:p>
+                <a:pPr marL="0" lvl="0" indent="0" algn="l" rtl="0">
+                  <a:spcBef>
+                    <a:spcPts val="0"/>
+                  </a:spcBef>
+                  <a:spcAft>
+                    <a:spcPts val="0"/>
+                  </a:spcAft>
+                  <a:buNone/>
+                </a:pPr>
+                <a:endParaRPr/>
+              </a:p>
+            </p:txBody>
+          </p:sp>
+          <p:sp>
+            <p:nvSpPr>
+              <p:cNvPr id="515" name="Google Shape;515;p28"/>
+              <p:cNvSpPr/>
+              <p:nvPr/>
+            </p:nvSpPr>
+            <p:spPr>
+              <a:xfrm>
+                <a:off x="4636173" y="3346234"/>
+                <a:ext cx="82800" cy="82800"/>
+              </a:xfrm>
+              <a:prstGeom prst="ellipse">
+                <a:avLst/>
+              </a:prstGeom>
+              <a:solidFill>
+                <a:srgbClr val="000000"/>
+              </a:solidFill>
+              <a:ln w="9525" cap="flat" cmpd="sng">
+                <a:solidFill>
+                  <a:schemeClr val="dk2"/>
+                </a:solidFill>
+                <a:prstDash val="solid"/>
+                <a:round/>
+                <a:headEnd type="none" w="sm" len="sm"/>
+                <a:tailEnd type="none" w="sm" len="sm"/>
+              </a:ln>
+            </p:spPr>
+            <p:txBody>
+              <a:bodyPr spcFirstLastPara="1" wrap="square" lIns="91425" tIns="91425" rIns="91425" bIns="91425" anchor="ctr" anchorCtr="0">
+                <a:noAutofit/>
+              </a:bodyPr>
+              <a:lstStyle/>
+              <a:p>
+                <a:pPr marL="0" lvl="0" indent="0" algn="l" rtl="0">
+                  <a:spcBef>
+                    <a:spcPts val="0"/>
+                  </a:spcBef>
+                  <a:spcAft>
+                    <a:spcPts val="0"/>
+                  </a:spcAft>
+                  <a:buNone/>
+                </a:pPr>
+                <a:endParaRPr/>
+              </a:p>
+            </p:txBody>
+          </p:sp>
+          <p:sp>
+            <p:nvSpPr>
+              <p:cNvPr id="516" name="Google Shape;516;p28"/>
+              <p:cNvSpPr/>
+              <p:nvPr/>
+            </p:nvSpPr>
+            <p:spPr>
+              <a:xfrm>
+                <a:off x="2209498" y="3165430"/>
+                <a:ext cx="2446363" cy="187975"/>
+              </a:xfrm>
+              <a:prstGeom prst="arc">
+                <a:avLst>
+                  <a:gd name="adj1" fmla="val 10794153"/>
+                  <a:gd name="adj2" fmla="val 0"/>
+                </a:avLst>
+              </a:prstGeom>
+              <a:noFill/>
+              <a:ln w="12700" cap="flat" cmpd="sng">
+                <a:solidFill>
+                  <a:schemeClr val="dk2"/>
+                </a:solidFill>
+                <a:prstDash val="solid"/>
+                <a:round/>
+                <a:headEnd type="none" w="sm" len="sm"/>
+                <a:tailEnd type="stealth" w="sm" len="sm"/>
+              </a:ln>
+            </p:spPr>
+            <p:txBody>
+              <a:bodyPr spcFirstLastPara="1" wrap="square" lIns="91425" tIns="91425" rIns="91425" bIns="91425" anchor="ctr" anchorCtr="0">
+                <a:noAutofit/>
+              </a:bodyPr>
+              <a:lstStyle/>
+              <a:p>
+                <a:pPr marL="0" lvl="0" indent="0" algn="l" rtl="0">
+                  <a:spcBef>
+                    <a:spcPts val="0"/>
+                  </a:spcBef>
+                  <a:spcAft>
+                    <a:spcPts val="0"/>
+                  </a:spcAft>
+                  <a:buNone/>
+                </a:pPr>
+                <a:endParaRPr/>
+              </a:p>
+            </p:txBody>
+          </p:sp>
+          <p:sp>
+            <p:nvSpPr>
+              <p:cNvPr id="517" name="Google Shape;517;p28"/>
+              <p:cNvSpPr/>
+              <p:nvPr/>
+            </p:nvSpPr>
+            <p:spPr>
+              <a:xfrm>
+                <a:off x="4780948" y="3135247"/>
+                <a:ext cx="2213475" cy="252386"/>
+              </a:xfrm>
+              <a:prstGeom prst="arc">
+                <a:avLst>
+                  <a:gd name="adj1" fmla="val 10794153"/>
+                  <a:gd name="adj2" fmla="val 0"/>
+                </a:avLst>
+              </a:prstGeom>
+              <a:noFill/>
+              <a:ln w="12700" cap="flat" cmpd="sng">
+                <a:solidFill>
+                  <a:schemeClr val="dk2"/>
+                </a:solidFill>
+                <a:prstDash val="solid"/>
+                <a:round/>
+                <a:headEnd type="none" w="sm" len="sm"/>
+                <a:tailEnd type="stealth" w="sm" len="sm"/>
+              </a:ln>
+            </p:spPr>
+            <p:txBody>
+              <a:bodyPr spcFirstLastPara="1" wrap="square" lIns="91425" tIns="91425" rIns="91425" bIns="91425" anchor="ctr" anchorCtr="0">
+                <a:noAutofit/>
+              </a:bodyPr>
+              <a:lstStyle/>
+              <a:p>
+                <a:pPr marL="0" lvl="0" indent="0" algn="l" rtl="0">
+                  <a:spcBef>
+                    <a:spcPts val="0"/>
+                  </a:spcBef>
+                  <a:spcAft>
+                    <a:spcPts val="0"/>
+                  </a:spcAft>
+                  <a:buNone/>
+                </a:pPr>
+                <a:endParaRPr/>
+              </a:p>
+            </p:txBody>
+          </p:sp>
+          <p:sp>
+            <p:nvSpPr>
+              <p:cNvPr id="30" name="Google Shape;532;p28">
+                <a:extLst>
+                  <a:ext uri="{FF2B5EF4-FFF2-40B4-BE49-F238E27FC236}">
+                    <a16:creationId xmlns:a16="http://schemas.microsoft.com/office/drawing/2014/main" id="{17AC06AE-8EB5-F442-B00E-901E7B59115D}"/>
+                  </a:ext>
+                </a:extLst>
+              </p:cNvPr>
+              <p:cNvSpPr txBox="1"/>
+              <p:nvPr/>
+            </p:nvSpPr>
+            <p:spPr>
+              <a:xfrm>
+                <a:off x="3449948" y="3616517"/>
+                <a:ext cx="2113650" cy="485583"/>
+              </a:xfrm>
+              <a:prstGeom prst="rect">
+                <a:avLst/>
+              </a:prstGeom>
+              <a:noFill/>
+              <a:ln>
+                <a:noFill/>
+              </a:ln>
+            </p:spPr>
+            <p:txBody>
+              <a:bodyPr spcFirstLastPara="1" wrap="square" lIns="91425" tIns="91425" rIns="91425" bIns="91425" anchor="t" anchorCtr="0">
+                <a:noAutofit/>
+              </a:bodyPr>
+              <a:lstStyle/>
+              <a:p>
+                <a:r>
+                  <a:rPr lang="en-US" dirty="0"/>
+                  <a:t>Attempt #1</a:t>
+                </a:r>
+                <a:endParaRPr dirty="0"/>
+              </a:p>
+            </p:txBody>
+          </p:sp>
+          <p:cxnSp>
+            <p:nvCxnSpPr>
+              <p:cNvPr id="53" name="Google Shape;499;p28">
+                <a:extLst>
+                  <a:ext uri="{FF2B5EF4-FFF2-40B4-BE49-F238E27FC236}">
+                    <a16:creationId xmlns:a16="http://schemas.microsoft.com/office/drawing/2014/main" id="{24260B85-22D0-0440-A09C-E0CF4ED9F317}"/>
+                  </a:ext>
+                </a:extLst>
+              </p:cNvPr>
+              <p:cNvCxnSpPr/>
+              <p:nvPr/>
+            </p:nvCxnSpPr>
+            <p:spPr>
+              <a:xfrm flipH="1">
+                <a:off x="14859522" y="2751222"/>
+                <a:ext cx="6300" cy="550800"/>
+              </a:xfrm>
+              <a:prstGeom prst="straightConnector1">
+                <a:avLst/>
+              </a:prstGeom>
+              <a:noFill/>
+              <a:ln w="9525" cap="flat" cmpd="sng">
+                <a:solidFill>
+                  <a:srgbClr val="000000"/>
+                </a:solidFill>
+                <a:prstDash val="solid"/>
+                <a:round/>
+                <a:headEnd type="none" w="med" len="med"/>
+                <a:tailEnd type="triangle" w="med" len="med"/>
+              </a:ln>
+            </p:spPr>
+          </p:cxnSp>
+          <p:cxnSp>
+            <p:nvCxnSpPr>
+              <p:cNvPr id="55" name="Google Shape;501;p28">
+                <a:extLst>
+                  <a:ext uri="{FF2B5EF4-FFF2-40B4-BE49-F238E27FC236}">
+                    <a16:creationId xmlns:a16="http://schemas.microsoft.com/office/drawing/2014/main" id="{2FCC07D7-6946-0545-B412-E7FE9531E9A0}"/>
+                  </a:ext>
+                </a:extLst>
+              </p:cNvPr>
+              <p:cNvCxnSpPr>
+                <a:cxnSpLocks/>
+              </p:cNvCxnSpPr>
+              <p:nvPr/>
+            </p:nvCxnSpPr>
+            <p:spPr>
+              <a:xfrm>
+                <a:off x="8395122" y="3420522"/>
+                <a:ext cx="6430664" cy="50949"/>
+              </a:xfrm>
+              <a:prstGeom prst="straightConnector1">
+                <a:avLst/>
+              </a:prstGeom>
+              <a:noFill/>
+              <a:ln w="19050" cap="flat" cmpd="sng">
+                <a:solidFill>
+                  <a:srgbClr val="000000"/>
+                </a:solidFill>
+                <a:prstDash val="solid"/>
+                <a:round/>
+                <a:headEnd type="oval" w="med" len="med"/>
+                <a:tailEnd type="oval" w="med" len="med"/>
+              </a:ln>
+            </p:spPr>
+          </p:cxnSp>
+          <p:cxnSp>
+            <p:nvCxnSpPr>
+              <p:cNvPr id="56" name="Google Shape;502;p28">
+                <a:extLst>
+                  <a:ext uri="{FF2B5EF4-FFF2-40B4-BE49-F238E27FC236}">
+                    <a16:creationId xmlns:a16="http://schemas.microsoft.com/office/drawing/2014/main" id="{F0E98DAE-8105-0742-B7D0-B5D04DE3CE40}"/>
+                  </a:ext>
+                </a:extLst>
+              </p:cNvPr>
+              <p:cNvCxnSpPr/>
+              <p:nvPr/>
+            </p:nvCxnSpPr>
+            <p:spPr>
+              <a:xfrm>
+                <a:off x="8397872" y="2598822"/>
+                <a:ext cx="4200" cy="711900"/>
+              </a:xfrm>
+              <a:prstGeom prst="straightConnector1">
+                <a:avLst/>
+              </a:prstGeom>
+              <a:noFill/>
+              <a:ln w="9525" cap="flat" cmpd="sng">
+                <a:solidFill>
+                  <a:srgbClr val="000000"/>
+                </a:solidFill>
+                <a:prstDash val="solid"/>
+                <a:round/>
+                <a:headEnd type="none" w="med" len="med"/>
+                <a:tailEnd type="triangle" w="med" len="med"/>
+              </a:ln>
+            </p:spPr>
+          </p:cxnSp>
+          <p:grpSp>
+            <p:nvGrpSpPr>
+              <p:cNvPr id="59" name="Google Shape;507;p28">
+                <a:extLst>
+                  <a:ext uri="{FF2B5EF4-FFF2-40B4-BE49-F238E27FC236}">
+                    <a16:creationId xmlns:a16="http://schemas.microsoft.com/office/drawing/2014/main" id="{E369030C-8FFD-D94A-940E-4718AAA5801F}"/>
+                  </a:ext>
+                </a:extLst>
+              </p:cNvPr>
+              <p:cNvGrpSpPr/>
+              <p:nvPr/>
+            </p:nvGrpSpPr>
+            <p:grpSpPr>
+              <a:xfrm>
+                <a:off x="7712072" y="2160672"/>
+                <a:ext cx="2140952" cy="619200"/>
+                <a:chOff x="2121550" y="1753875"/>
+                <a:chExt cx="2140952" cy="619200"/>
+              </a:xfrm>
+            </p:grpSpPr>
+            <p:sp>
+              <p:nvSpPr>
+                <p:cNvPr id="66" name="Google Shape;508;p28">
+                  <a:extLst>
+                    <a:ext uri="{FF2B5EF4-FFF2-40B4-BE49-F238E27FC236}">
+                      <a16:creationId xmlns:a16="http://schemas.microsoft.com/office/drawing/2014/main" id="{9BC009B3-F371-1B44-AED9-A8F2C0724F4C}"/>
+                    </a:ext>
+                  </a:extLst>
+                </p:cNvPr>
+                <p:cNvSpPr/>
+                <p:nvPr/>
+              </p:nvSpPr>
+              <p:spPr>
+                <a:xfrm>
+                  <a:off x="2121550" y="1753875"/>
+                  <a:ext cx="623100" cy="619200"/>
+                </a:xfrm>
+                <a:prstGeom prst="ellipse">
+                  <a:avLst/>
+                </a:prstGeom>
+                <a:solidFill>
+                  <a:srgbClr val="CFE2F3"/>
+                </a:solidFill>
+                <a:ln w="9525" cap="flat" cmpd="sng">
+                  <a:solidFill>
+                    <a:srgbClr val="000000"/>
+                  </a:solidFill>
+                  <a:prstDash val="solid"/>
+                  <a:round/>
+                  <a:headEnd type="none" w="sm" len="sm"/>
+                  <a:tailEnd type="none" w="sm" len="sm"/>
+                </a:ln>
+              </p:spPr>
+              <p:txBody>
+                <a:bodyPr spcFirstLastPara="1" wrap="square" lIns="140875" tIns="140875" rIns="140875" bIns="140875" anchor="ctr" anchorCtr="0">
+                  <a:noAutofit/>
+                </a:bodyPr>
+                <a:lstStyle/>
+                <a:p>
+                  <a:pPr marL="0" lvl="0" indent="0" algn="ctr" rtl="0">
+                    <a:spcBef>
+                      <a:spcPts val="0"/>
+                    </a:spcBef>
+                    <a:spcAft>
+                      <a:spcPts val="0"/>
+                    </a:spcAft>
+                    <a:buNone/>
+                  </a:pPr>
+                  <a:endParaRPr/>
+                </a:p>
+              </p:txBody>
+            </p:sp>
+            <p:sp>
+              <p:nvSpPr>
+                <p:cNvPr id="67" name="Google Shape;509;p28">
+                  <a:extLst>
+                    <a:ext uri="{FF2B5EF4-FFF2-40B4-BE49-F238E27FC236}">
+                      <a16:creationId xmlns:a16="http://schemas.microsoft.com/office/drawing/2014/main" id="{523C0AB2-F0F2-2747-9404-BC505B789E7B}"/>
+                    </a:ext>
+                  </a:extLst>
+                </p:cNvPr>
+                <p:cNvSpPr/>
+                <p:nvPr/>
+              </p:nvSpPr>
+              <p:spPr>
+                <a:xfrm>
+                  <a:off x="2572002" y="1885025"/>
+                  <a:ext cx="546900" cy="226200"/>
+                </a:xfrm>
+                <a:prstGeom prst="rect">
+                  <a:avLst/>
+                </a:prstGeom>
+                <a:solidFill>
+                  <a:srgbClr val="CFE2F3"/>
+                </a:solidFill>
+                <a:ln w="9525" cap="flat" cmpd="sng">
+                  <a:solidFill>
+                    <a:srgbClr val="000000"/>
+                  </a:solidFill>
+                  <a:prstDash val="solid"/>
+                  <a:round/>
+                  <a:headEnd type="none" w="sm" len="sm"/>
+                  <a:tailEnd type="none" w="sm" len="sm"/>
+                </a:ln>
+              </p:spPr>
+              <p:txBody>
+                <a:bodyPr spcFirstLastPara="1" wrap="square" lIns="91425" tIns="91425" rIns="91425" bIns="91425" anchor="ctr" anchorCtr="0">
+                  <a:noAutofit/>
+                </a:bodyPr>
+                <a:lstStyle/>
+                <a:p>
+                  <a:pPr marL="0" lvl="0" indent="0" algn="l" rtl="0">
+                    <a:spcBef>
+                      <a:spcPts val="0"/>
+                    </a:spcBef>
+                    <a:spcAft>
+                      <a:spcPts val="0"/>
+                    </a:spcAft>
+                    <a:buNone/>
+                  </a:pPr>
+                  <a:r>
+                    <a:rPr lang="en"/>
+                    <a:t>Msg</a:t>
+                  </a:r>
+                  <a:endParaRPr/>
+                </a:p>
+              </p:txBody>
+            </p:sp>
+            <p:cxnSp>
+              <p:nvCxnSpPr>
+                <p:cNvPr id="68" name="Google Shape;510;p28">
+                  <a:extLst>
+                    <a:ext uri="{FF2B5EF4-FFF2-40B4-BE49-F238E27FC236}">
+                      <a16:creationId xmlns:a16="http://schemas.microsoft.com/office/drawing/2014/main" id="{BC1DFF3D-A751-6445-B238-064DC3B63FE6}"/>
+                    </a:ext>
+                  </a:extLst>
+                </p:cNvPr>
+                <p:cNvCxnSpPr>
+                  <a:stCxn id="67" idx="3"/>
+                </p:cNvCxnSpPr>
+                <p:nvPr/>
+              </p:nvCxnSpPr>
+              <p:spPr>
+                <a:xfrm>
+                  <a:off x="3118902" y="1998125"/>
+                  <a:ext cx="1143600" cy="0"/>
+                </a:xfrm>
+                <a:prstGeom prst="straightConnector1">
+                  <a:avLst/>
+                </a:prstGeom>
+                <a:noFill/>
+                <a:ln w="9525" cap="flat" cmpd="sng">
+                  <a:solidFill>
+                    <a:srgbClr val="000000"/>
+                  </a:solidFill>
+                  <a:prstDash val="solid"/>
+                  <a:round/>
+                  <a:headEnd type="none" w="med" len="med"/>
+                  <a:tailEnd type="stealth" w="med" len="med"/>
+                </a:ln>
+              </p:spPr>
+            </p:cxnSp>
+          </p:grpSp>
+          <p:sp>
+            <p:nvSpPr>
+              <p:cNvPr id="60" name="Google Shape;512;p28">
+                <a:extLst>
+                  <a:ext uri="{FF2B5EF4-FFF2-40B4-BE49-F238E27FC236}">
+                    <a16:creationId xmlns:a16="http://schemas.microsoft.com/office/drawing/2014/main" id="{4539D5BC-F2E4-A447-B12B-A3229B35FCF1}"/>
+                  </a:ext>
+                </a:extLst>
+              </p:cNvPr>
+              <p:cNvSpPr txBox="1"/>
+              <p:nvPr/>
+            </p:nvSpPr>
+            <p:spPr>
+              <a:xfrm>
+                <a:off x="8393947" y="2745347"/>
+                <a:ext cx="2540400" cy="360900"/>
+              </a:xfrm>
+              <a:prstGeom prst="rect">
+                <a:avLst/>
+              </a:prstGeom>
+              <a:noFill/>
+              <a:ln>
+                <a:noFill/>
+              </a:ln>
+            </p:spPr>
+            <p:txBody>
+              <a:bodyPr spcFirstLastPara="1" wrap="square" lIns="91425" tIns="91425" rIns="91425" bIns="91425" anchor="t" anchorCtr="0">
+                <a:noAutofit/>
+              </a:bodyPr>
+              <a:lstStyle/>
+              <a:p>
+                <a:pPr marL="0" lvl="0" indent="0" algn="l" rtl="0">
+                  <a:spcBef>
+                    <a:spcPts val="0"/>
+                  </a:spcBef>
+                  <a:spcAft>
+                    <a:spcPts val="0"/>
+                  </a:spcAft>
+                  <a:buNone/>
+                </a:pPr>
+                <a:r>
+                  <a:rPr lang="en" sz="1200" dirty="0" err="1"/>
+                  <a:t>socket.write</a:t>
+                </a:r>
+                <a:r>
+                  <a:rPr lang="en" sz="1200" dirty="0"/>
+                  <a:t>(</a:t>
+                </a:r>
+                <a:r>
+                  <a:rPr lang="en" sz="1200" dirty="0" err="1"/>
+                  <a:t>msg</a:t>
+                </a:r>
+                <a:r>
+                  <a:rPr lang="en" sz="1200" dirty="0"/>
+                  <a:t>, </a:t>
+                </a:r>
+                <a:r>
+                  <a:rPr lang="en" sz="1200" dirty="0" err="1"/>
+                  <a:t>socketTimeout</a:t>
+                </a:r>
+                <a:r>
+                  <a:rPr lang="en" sz="1200" dirty="0"/>
+                  <a:t>)</a:t>
+                </a:r>
+                <a:endParaRPr sz="1200" dirty="0"/>
+              </a:p>
+            </p:txBody>
+          </p:sp>
+          <p:sp>
+            <p:nvSpPr>
+              <p:cNvPr id="61" name="Google Shape;513;p28">
+                <a:extLst>
+                  <a:ext uri="{FF2B5EF4-FFF2-40B4-BE49-F238E27FC236}">
+                    <a16:creationId xmlns:a16="http://schemas.microsoft.com/office/drawing/2014/main" id="{6CF62024-8212-2F40-BB11-0C335EB0A761}"/>
+                  </a:ext>
+                </a:extLst>
+              </p:cNvPr>
+              <p:cNvSpPr txBox="1"/>
+              <p:nvPr/>
+            </p:nvSpPr>
+            <p:spPr>
+              <a:xfrm>
+                <a:off x="11437447" y="2756435"/>
+                <a:ext cx="2700176" cy="360900"/>
+              </a:xfrm>
+              <a:prstGeom prst="rect">
+                <a:avLst/>
+              </a:prstGeom>
+              <a:noFill/>
+              <a:ln>
+                <a:noFill/>
+              </a:ln>
+            </p:spPr>
+            <p:txBody>
+              <a:bodyPr spcFirstLastPara="1" wrap="square" lIns="91425" tIns="91425" rIns="91425" bIns="91425" anchor="t" anchorCtr="0">
+                <a:noAutofit/>
+              </a:bodyPr>
+              <a:lstStyle/>
+              <a:p>
+                <a:pPr marL="0" lvl="0" indent="0" algn="l" rtl="0">
+                  <a:spcBef>
+                    <a:spcPts val="0"/>
+                  </a:spcBef>
+                  <a:spcAft>
+                    <a:spcPts val="0"/>
+                  </a:spcAft>
+                  <a:buNone/>
+                </a:pPr>
+                <a:r>
+                  <a:rPr lang="en" sz="1200" dirty="0" err="1"/>
+                  <a:t>isOk</a:t>
+                </a:r>
+                <a:r>
+                  <a:rPr lang="en" sz="1200" dirty="0"/>
+                  <a:t> = </a:t>
+                </a:r>
+                <a:r>
+                  <a:rPr lang="en" sz="1200" dirty="0" err="1"/>
+                  <a:t>socket.read</a:t>
+                </a:r>
+                <a:r>
+                  <a:rPr lang="en" sz="1200" dirty="0"/>
+                  <a:t>( </a:t>
+                </a:r>
+                <a:r>
+                  <a:rPr lang="en" sz="1200" u="sng" dirty="0"/>
+                  <a:t>2 * </a:t>
+                </a:r>
+                <a:r>
+                  <a:rPr lang="en" sz="1200" i="1" u="sng" dirty="0" err="1"/>
+                  <a:t>ackTimeout</a:t>
+                </a:r>
+                <a:r>
+                  <a:rPr lang="en" sz="1200" u="sng" dirty="0"/>
+                  <a:t> </a:t>
+                </a:r>
+                <a:r>
+                  <a:rPr lang="en" sz="1200" dirty="0"/>
+                  <a:t>)</a:t>
+                </a:r>
+                <a:endParaRPr sz="1200" dirty="0"/>
+              </a:p>
+            </p:txBody>
+          </p:sp>
+          <p:sp>
+            <p:nvSpPr>
+              <p:cNvPr id="63" name="Google Shape;515;p28">
+                <a:extLst>
+                  <a:ext uri="{FF2B5EF4-FFF2-40B4-BE49-F238E27FC236}">
+                    <a16:creationId xmlns:a16="http://schemas.microsoft.com/office/drawing/2014/main" id="{5E35AAF6-EA98-DF42-B44C-05E58A278FE3}"/>
+                  </a:ext>
+                </a:extLst>
+              </p:cNvPr>
+              <p:cNvSpPr/>
+              <p:nvPr/>
+            </p:nvSpPr>
+            <p:spPr>
+              <a:xfrm>
+                <a:off x="10619172" y="3379122"/>
+                <a:ext cx="82800" cy="82800"/>
+              </a:xfrm>
+              <a:prstGeom prst="ellipse">
+                <a:avLst/>
+              </a:prstGeom>
+              <a:solidFill>
+                <a:srgbClr val="000000"/>
+              </a:solidFill>
+              <a:ln w="9525" cap="flat" cmpd="sng">
+                <a:solidFill>
+                  <a:schemeClr val="dk2"/>
+                </a:solidFill>
+                <a:prstDash val="solid"/>
+                <a:round/>
+                <a:headEnd type="none" w="sm" len="sm"/>
+                <a:tailEnd type="none" w="sm" len="sm"/>
+              </a:ln>
+            </p:spPr>
+            <p:txBody>
+              <a:bodyPr spcFirstLastPara="1" wrap="square" lIns="91425" tIns="91425" rIns="91425" bIns="91425" anchor="ctr" anchorCtr="0">
+                <a:noAutofit/>
+              </a:bodyPr>
+              <a:lstStyle/>
+              <a:p>
+                <a:pPr marL="0" lvl="0" indent="0" algn="l" rtl="0">
+                  <a:spcBef>
+                    <a:spcPts val="0"/>
+                  </a:spcBef>
+                  <a:spcAft>
+                    <a:spcPts val="0"/>
+                  </a:spcAft>
+                  <a:buNone/>
+                </a:pPr>
+                <a:endParaRPr dirty="0"/>
+              </a:p>
+            </p:txBody>
+          </p:sp>
+          <p:sp>
+            <p:nvSpPr>
+              <p:cNvPr id="64" name="Google Shape;516;p28">
+                <a:extLst>
+                  <a:ext uri="{FF2B5EF4-FFF2-40B4-BE49-F238E27FC236}">
+                    <a16:creationId xmlns:a16="http://schemas.microsoft.com/office/drawing/2014/main" id="{0031617B-34EF-9340-8002-615D0DCA363A}"/>
+                  </a:ext>
+                </a:extLst>
+              </p:cNvPr>
+              <p:cNvSpPr/>
+              <p:nvPr/>
+            </p:nvSpPr>
+            <p:spPr>
+              <a:xfrm>
+                <a:off x="8484597" y="3136859"/>
+                <a:ext cx="2193888" cy="307999"/>
+              </a:xfrm>
+              <a:prstGeom prst="arc">
+                <a:avLst>
+                  <a:gd name="adj1" fmla="val 10794153"/>
+                  <a:gd name="adj2" fmla="val 0"/>
+                </a:avLst>
+              </a:prstGeom>
+              <a:noFill/>
+              <a:ln w="12700" cap="flat" cmpd="sng">
+                <a:solidFill>
+                  <a:schemeClr val="dk2"/>
+                </a:solidFill>
+                <a:prstDash val="solid"/>
+                <a:round/>
+                <a:headEnd type="none" w="sm" len="sm"/>
+                <a:tailEnd type="stealth" w="sm" len="sm"/>
+              </a:ln>
+            </p:spPr>
+            <p:txBody>
+              <a:bodyPr spcFirstLastPara="1" wrap="square" lIns="91425" tIns="91425" rIns="91425" bIns="91425" anchor="ctr" anchorCtr="0">
+                <a:noAutofit/>
+              </a:bodyPr>
+              <a:lstStyle/>
+              <a:p>
+                <a:pPr marL="0" lvl="0" indent="0" algn="l" rtl="0">
+                  <a:spcBef>
+                    <a:spcPts val="0"/>
+                  </a:spcBef>
+                  <a:spcAft>
+                    <a:spcPts val="0"/>
+                  </a:spcAft>
+                  <a:buNone/>
+                </a:pPr>
+                <a:endParaRPr/>
+              </a:p>
+            </p:txBody>
+          </p:sp>
+          <p:sp>
+            <p:nvSpPr>
+              <p:cNvPr id="65" name="Google Shape;517;p28">
+                <a:extLst>
+                  <a:ext uri="{FF2B5EF4-FFF2-40B4-BE49-F238E27FC236}">
+                    <a16:creationId xmlns:a16="http://schemas.microsoft.com/office/drawing/2014/main" id="{88AAB33E-DCE2-8940-A4EE-44B3AB5828C8}"/>
+                  </a:ext>
+                </a:extLst>
+              </p:cNvPr>
+              <p:cNvSpPr/>
+              <p:nvPr/>
+            </p:nvSpPr>
+            <p:spPr>
+              <a:xfrm>
+                <a:off x="10701885" y="3106247"/>
+                <a:ext cx="4109475" cy="365223"/>
+              </a:xfrm>
+              <a:prstGeom prst="arc">
+                <a:avLst>
+                  <a:gd name="adj1" fmla="val 10835133"/>
+                  <a:gd name="adj2" fmla="val 0"/>
+                </a:avLst>
+              </a:prstGeom>
+              <a:noFill/>
+              <a:ln w="12700" cap="flat" cmpd="sng">
+                <a:solidFill>
+                  <a:schemeClr val="dk2"/>
+                </a:solidFill>
+                <a:prstDash val="solid"/>
+                <a:round/>
+                <a:headEnd type="none" w="sm" len="sm"/>
+                <a:tailEnd type="stealth" w="sm" len="sm"/>
+              </a:ln>
+            </p:spPr>
+            <p:txBody>
+              <a:bodyPr spcFirstLastPara="1" wrap="square" lIns="91425" tIns="91425" rIns="91425" bIns="91425" anchor="ctr" anchorCtr="0">
+                <a:noAutofit/>
+              </a:bodyPr>
+              <a:lstStyle/>
+              <a:p>
+                <a:pPr marL="0" lvl="0" indent="0" algn="l" rtl="0">
+                  <a:spcBef>
+                    <a:spcPts val="0"/>
+                  </a:spcBef>
+                  <a:spcAft>
+                    <a:spcPts val="0"/>
+                  </a:spcAft>
+                  <a:buNone/>
+                </a:pPr>
+                <a:endParaRPr/>
+              </a:p>
+            </p:txBody>
+          </p:sp>
+          <p:sp>
+            <p:nvSpPr>
+              <p:cNvPr id="72" name="Google Shape;532;p28">
+                <a:extLst>
+                  <a:ext uri="{FF2B5EF4-FFF2-40B4-BE49-F238E27FC236}">
+                    <a16:creationId xmlns:a16="http://schemas.microsoft.com/office/drawing/2014/main" id="{5180718C-E29B-0B45-BEA5-BB4ABEBBD660}"/>
+                  </a:ext>
+                </a:extLst>
+              </p:cNvPr>
+              <p:cNvSpPr txBox="1"/>
+              <p:nvPr/>
+            </p:nvSpPr>
+            <p:spPr>
+              <a:xfrm>
+                <a:off x="9287672" y="3712374"/>
+                <a:ext cx="4951550" cy="605626"/>
+              </a:xfrm>
+              <a:prstGeom prst="rect">
+                <a:avLst/>
+              </a:prstGeom>
+              <a:noFill/>
+              <a:ln>
+                <a:noFill/>
+              </a:ln>
+            </p:spPr>
+            <p:txBody>
+              <a:bodyPr spcFirstLastPara="1" wrap="square" lIns="91425" tIns="91425" rIns="91425" bIns="91425" anchor="t" anchorCtr="0">
+                <a:noAutofit/>
+              </a:bodyPr>
+              <a:lstStyle/>
+              <a:p>
+                <a:r>
+                  <a:rPr lang="en-US" dirty="0"/>
+                  <a:t>Attempt #2: </a:t>
+                </a:r>
+                <a:r>
+                  <a:rPr lang="en-US" i="1" dirty="0" err="1"/>
+                  <a:t>ackTimeout</a:t>
+                </a:r>
+                <a:r>
+                  <a:rPr lang="en-US" dirty="0"/>
+                  <a:t> is increased twice!</a:t>
+                </a:r>
+                <a:endParaRPr dirty="0"/>
+              </a:p>
+            </p:txBody>
+          </p:sp>
+          <p:sp>
+            <p:nvSpPr>
+              <p:cNvPr id="73" name="Google Shape;497;p28">
+                <a:extLst>
+                  <a:ext uri="{FF2B5EF4-FFF2-40B4-BE49-F238E27FC236}">
+                    <a16:creationId xmlns:a16="http://schemas.microsoft.com/office/drawing/2014/main" id="{1742217A-A758-B647-A4F7-2379AB8E61C1}"/>
+                  </a:ext>
+                </a:extLst>
+              </p:cNvPr>
+              <p:cNvSpPr txBox="1"/>
+              <p:nvPr/>
+            </p:nvSpPr>
+            <p:spPr>
+              <a:xfrm>
+                <a:off x="649941" y="4036994"/>
+                <a:ext cx="2358540" cy="495300"/>
+              </a:xfrm>
+              <a:prstGeom prst="rect">
+                <a:avLst/>
+              </a:prstGeom>
+              <a:noFill/>
+              <a:ln>
+                <a:noFill/>
+              </a:ln>
+            </p:spPr>
+            <p:txBody>
+              <a:bodyPr spcFirstLastPara="1" wrap="square" lIns="91425" tIns="91425" rIns="91425" bIns="91425" anchor="t" anchorCtr="0">
+                <a:noAutofit/>
+              </a:bodyPr>
+              <a:lstStyle/>
+              <a:p>
+                <a:pPr marL="0" lvl="0" indent="0" algn="l" rtl="0">
+                  <a:spcBef>
+                    <a:spcPts val="0"/>
+                  </a:spcBef>
+                  <a:spcAft>
+                    <a:spcPts val="0"/>
+                  </a:spcAft>
+                  <a:buNone/>
+                </a:pPr>
+                <a:r>
+                  <a:rPr lang="en-US" sz="1200" dirty="0"/>
+                  <a:t>Some delay. Equal to ping frequency at most.</a:t>
+                </a:r>
+                <a:endParaRPr sz="1200" dirty="0"/>
+              </a:p>
+            </p:txBody>
+          </p:sp>
+          <p:cxnSp>
+            <p:nvCxnSpPr>
+              <p:cNvPr id="74" name="Google Shape;498;p28">
+                <a:extLst>
+                  <a:ext uri="{FF2B5EF4-FFF2-40B4-BE49-F238E27FC236}">
+                    <a16:creationId xmlns:a16="http://schemas.microsoft.com/office/drawing/2014/main" id="{DF7F3D21-703F-5448-8970-EC737C83F249}"/>
+                  </a:ext>
+                </a:extLst>
+              </p:cNvPr>
+              <p:cNvCxnSpPr>
+                <a:cxnSpLocks/>
+              </p:cNvCxnSpPr>
+              <p:nvPr/>
+            </p:nvCxnSpPr>
+            <p:spPr>
+              <a:xfrm flipV="1">
+                <a:off x="1480917" y="3503990"/>
+                <a:ext cx="231732" cy="545704"/>
+              </a:xfrm>
+              <a:prstGeom prst="straightConnector1">
+                <a:avLst/>
+              </a:prstGeom>
+              <a:noFill/>
+              <a:ln w="9525" cap="flat" cmpd="sng">
+                <a:solidFill>
+                  <a:srgbClr val="000000"/>
+                </a:solidFill>
+                <a:prstDash val="solid"/>
+                <a:round/>
+                <a:headEnd type="none" w="med" len="med"/>
+                <a:tailEnd type="triangle" w="med" len="med"/>
+              </a:ln>
+            </p:spPr>
+          </p:cxnSp>
+          <p:sp>
+            <p:nvSpPr>
+              <p:cNvPr id="77" name="Google Shape;516;p28">
+                <a:extLst>
+                  <a:ext uri="{FF2B5EF4-FFF2-40B4-BE49-F238E27FC236}">
+                    <a16:creationId xmlns:a16="http://schemas.microsoft.com/office/drawing/2014/main" id="{5E7444EC-E269-BA49-9C58-771F855B7864}"/>
+                  </a:ext>
+                </a:extLst>
+              </p:cNvPr>
+              <p:cNvSpPr/>
+              <p:nvPr/>
+            </p:nvSpPr>
+            <p:spPr>
+              <a:xfrm flipV="1">
+                <a:off x="7079173" y="3277833"/>
+                <a:ext cx="1274738" cy="530559"/>
+              </a:xfrm>
+              <a:prstGeom prst="arc">
+                <a:avLst>
+                  <a:gd name="adj1" fmla="val 10794153"/>
+                  <a:gd name="adj2" fmla="val 21435497"/>
+                </a:avLst>
+              </a:prstGeom>
+              <a:noFill/>
+              <a:ln w="12700" cap="flat" cmpd="sng">
+                <a:solidFill>
+                  <a:schemeClr val="dk2"/>
+                </a:solidFill>
+                <a:prstDash val="solid"/>
+                <a:round/>
+                <a:headEnd type="none" w="sm" len="sm"/>
+                <a:tailEnd type="stealth" w="sm" len="sm"/>
+              </a:ln>
+            </p:spPr>
+            <p:txBody>
+              <a:bodyPr spcFirstLastPara="1" wrap="square" lIns="91425" tIns="91425" rIns="91425" bIns="91425" anchor="ctr" anchorCtr="0">
+                <a:noAutofit/>
+              </a:bodyPr>
+              <a:lstStyle/>
+              <a:p>
+                <a:pPr marL="0" lvl="0" indent="0" algn="l" rtl="0">
+                  <a:spcBef>
+                    <a:spcPts val="0"/>
+                  </a:spcBef>
+                  <a:spcAft>
+                    <a:spcPts val="0"/>
+                  </a:spcAft>
+                  <a:buNone/>
+                </a:pPr>
+                <a:endParaRPr/>
+              </a:p>
+            </p:txBody>
+          </p:sp>
+          <p:cxnSp>
+            <p:nvCxnSpPr>
+              <p:cNvPr id="78" name="Google Shape;498;p28">
+                <a:extLst>
+                  <a:ext uri="{FF2B5EF4-FFF2-40B4-BE49-F238E27FC236}">
+                    <a16:creationId xmlns:a16="http://schemas.microsoft.com/office/drawing/2014/main" id="{E2B86502-63C9-2345-87E2-6F88D1A07055}"/>
+                  </a:ext>
+                </a:extLst>
+              </p:cNvPr>
+              <p:cNvCxnSpPr>
+                <a:cxnSpLocks/>
+              </p:cNvCxnSpPr>
+              <p:nvPr/>
+            </p:nvCxnSpPr>
+            <p:spPr>
+              <a:xfrm flipV="1">
+                <a:off x="7569200" y="3867348"/>
+                <a:ext cx="154659" cy="397619"/>
+              </a:xfrm>
+              <a:prstGeom prst="straightConnector1">
+                <a:avLst/>
+              </a:prstGeom>
+              <a:noFill/>
+              <a:ln w="9525" cap="flat" cmpd="sng">
+                <a:solidFill>
+                  <a:srgbClr val="000000"/>
+                </a:solidFill>
+                <a:prstDash val="solid"/>
+                <a:round/>
+                <a:headEnd type="none" w="med" len="med"/>
+                <a:tailEnd type="triangle" w="med" len="med"/>
+              </a:ln>
+            </p:spPr>
+          </p:cxnSp>
+          <p:sp>
+            <p:nvSpPr>
+              <p:cNvPr id="79" name="Google Shape;497;p28">
+                <a:extLst>
+                  <a:ext uri="{FF2B5EF4-FFF2-40B4-BE49-F238E27FC236}">
+                    <a16:creationId xmlns:a16="http://schemas.microsoft.com/office/drawing/2014/main" id="{0E7DF76C-4CE1-BE49-95A3-4FBB6BA17788}"/>
+                  </a:ext>
+                </a:extLst>
+              </p:cNvPr>
+              <p:cNvSpPr txBox="1"/>
+              <p:nvPr/>
+            </p:nvSpPr>
+            <p:spPr>
+              <a:xfrm>
+                <a:off x="5943684" y="4162070"/>
+                <a:ext cx="3543216" cy="684658"/>
+              </a:xfrm>
+              <a:prstGeom prst="rect">
+                <a:avLst/>
+              </a:prstGeom>
+              <a:noFill/>
+              <a:ln>
+                <a:noFill/>
+              </a:ln>
+            </p:spPr>
+            <p:txBody>
+              <a:bodyPr spcFirstLastPara="1" wrap="square" lIns="91425" tIns="91425" rIns="91425" bIns="91425" anchor="t" anchorCtr="0">
+                <a:noAutofit/>
+              </a:bodyPr>
+              <a:lstStyle/>
+              <a:p>
+                <a:pPr marL="0" lvl="0" indent="0" algn="ctr" rtl="0">
+                  <a:spcBef>
+                    <a:spcPts val="0"/>
+                  </a:spcBef>
+                  <a:spcAft>
+                    <a:spcPts val="0"/>
+                  </a:spcAft>
+                  <a:buNone/>
+                </a:pPr>
+                <a:r>
+                  <a:rPr lang="en-US" dirty="0"/>
+                  <a:t>Open socket again. </a:t>
+                </a:r>
+              </a:p>
+              <a:p>
+                <a:pPr marL="0" lvl="0" indent="0" algn="ctr" rtl="0">
+                  <a:spcBef>
+                    <a:spcPts val="0"/>
+                  </a:spcBef>
+                  <a:spcAft>
+                    <a:spcPts val="0"/>
+                  </a:spcAft>
+                  <a:buNone/>
+                </a:pPr>
+                <a:r>
+                  <a:rPr lang="en-US" dirty="0"/>
+                  <a:t>At most </a:t>
+                </a:r>
+                <a:r>
+                  <a:rPr lang="en-US" u="sng" dirty="0"/>
+                  <a:t>2 * </a:t>
+                </a:r>
+                <a:r>
+                  <a:rPr lang="en-US" i="1" u="sng" dirty="0" err="1"/>
+                  <a:t>socketTimeout</a:t>
+                </a:r>
+                <a:r>
+                  <a:rPr lang="en-US" i="1" u="sng" dirty="0"/>
+                  <a:t> (*)</a:t>
+                </a:r>
+                <a:endParaRPr u="sng" dirty="0"/>
+              </a:p>
+            </p:txBody>
+          </p:sp>
+          <p:sp>
+            <p:nvSpPr>
+              <p:cNvPr id="83" name="Google Shape;508;p28">
+                <a:extLst>
+                  <a:ext uri="{FF2B5EF4-FFF2-40B4-BE49-F238E27FC236}">
+                    <a16:creationId xmlns:a16="http://schemas.microsoft.com/office/drawing/2014/main" id="{A7112C6E-3C17-CB41-99B5-45DF79F37EE7}"/>
+                  </a:ext>
+                </a:extLst>
+              </p:cNvPr>
+              <p:cNvSpPr/>
+              <p:nvPr/>
+            </p:nvSpPr>
+            <p:spPr>
+              <a:xfrm>
+                <a:off x="6740323" y="2177156"/>
+                <a:ext cx="623100" cy="619200"/>
+              </a:xfrm>
+              <a:prstGeom prst="ellipse">
+                <a:avLst/>
+              </a:prstGeom>
+              <a:solidFill>
+                <a:srgbClr val="CFE2F3"/>
+              </a:solidFill>
+              <a:ln w="9525" cap="flat" cmpd="sng">
+                <a:solidFill>
+                  <a:srgbClr val="000000"/>
+                </a:solidFill>
+                <a:prstDash val="solid"/>
+                <a:round/>
+                <a:headEnd type="none" w="sm" len="sm"/>
+                <a:tailEnd type="none" w="sm" len="sm"/>
+              </a:ln>
+            </p:spPr>
+            <p:txBody>
+              <a:bodyPr spcFirstLastPara="1" wrap="square" lIns="140875" tIns="140875" rIns="140875" bIns="140875" anchor="ctr" anchorCtr="0">
+                <a:noAutofit/>
+              </a:bodyPr>
+              <a:lstStyle/>
+              <a:p>
+                <a:pPr marL="0" lvl="0" indent="0" algn="ctr" rtl="0">
+                  <a:spcBef>
+                    <a:spcPts val="0"/>
+                  </a:spcBef>
+                  <a:spcAft>
+                    <a:spcPts val="0"/>
+                  </a:spcAft>
+                  <a:buNone/>
+                </a:pPr>
+                <a:endParaRPr/>
+              </a:p>
+            </p:txBody>
+          </p:sp>
+          <p:sp>
+            <p:nvSpPr>
+              <p:cNvPr id="84" name="Google Shape;508;p28">
+                <a:extLst>
+                  <a:ext uri="{FF2B5EF4-FFF2-40B4-BE49-F238E27FC236}">
+                    <a16:creationId xmlns:a16="http://schemas.microsoft.com/office/drawing/2014/main" id="{2F6BE459-17E2-294D-A798-938C9C44C521}"/>
+                  </a:ext>
+                </a:extLst>
+              </p:cNvPr>
+              <p:cNvSpPr/>
+              <p:nvPr/>
+            </p:nvSpPr>
+            <p:spPr>
+              <a:xfrm>
+                <a:off x="14567935" y="1976231"/>
+                <a:ext cx="623100" cy="619200"/>
+              </a:xfrm>
+              <a:prstGeom prst="ellipse">
+                <a:avLst/>
+              </a:prstGeom>
+              <a:solidFill>
+                <a:srgbClr val="CFE2F3"/>
+              </a:solidFill>
+              <a:ln w="9525" cap="flat" cmpd="sng">
+                <a:solidFill>
+                  <a:srgbClr val="000000"/>
+                </a:solidFill>
+                <a:prstDash val="solid"/>
+                <a:round/>
+                <a:headEnd type="none" w="sm" len="sm"/>
+                <a:tailEnd type="none" w="sm" len="sm"/>
+              </a:ln>
+            </p:spPr>
+            <p:txBody>
+              <a:bodyPr spcFirstLastPara="1" wrap="square" lIns="140875" tIns="140875" rIns="140875" bIns="140875" anchor="ctr" anchorCtr="0">
+                <a:noAutofit/>
+              </a:bodyPr>
+              <a:lstStyle/>
+              <a:p>
+                <a:pPr marL="0" lvl="0" indent="0" algn="ctr" rtl="0">
+                  <a:spcBef>
+                    <a:spcPts val="0"/>
+                  </a:spcBef>
+                  <a:spcAft>
+                    <a:spcPts val="0"/>
+                  </a:spcAft>
+                  <a:buNone/>
+                </a:pPr>
+                <a:endParaRPr/>
+              </a:p>
+            </p:txBody>
+          </p:sp>
+          <p:sp>
+            <p:nvSpPr>
+              <p:cNvPr id="85" name="Google Shape;503;p28">
+                <a:extLst>
+                  <a:ext uri="{FF2B5EF4-FFF2-40B4-BE49-F238E27FC236}">
+                    <a16:creationId xmlns:a16="http://schemas.microsoft.com/office/drawing/2014/main" id="{B27E15BD-6A4F-A84C-A661-D9AE7E82BF31}"/>
+                  </a:ext>
+                </a:extLst>
+              </p:cNvPr>
+              <p:cNvSpPr txBox="1"/>
+              <p:nvPr/>
+            </p:nvSpPr>
+            <p:spPr>
+              <a:xfrm>
+                <a:off x="6040875" y="2315534"/>
+                <a:ext cx="966300" cy="360900"/>
+              </a:xfrm>
+              <a:prstGeom prst="rect">
+                <a:avLst/>
+              </a:prstGeom>
+              <a:noFill/>
+              <a:ln>
+                <a:noFill/>
+              </a:ln>
+            </p:spPr>
+            <p:txBody>
+              <a:bodyPr spcFirstLastPara="1" wrap="square" lIns="91425" tIns="91425" rIns="91425" bIns="91425" anchor="t" anchorCtr="0">
+                <a:noAutofit/>
+              </a:bodyPr>
+              <a:lstStyle/>
+              <a:p>
+                <a:pPr marL="0" lvl="0" indent="0" algn="l" rtl="0">
+                  <a:spcBef>
+                    <a:spcPts val="0"/>
+                  </a:spcBef>
+                  <a:spcAft>
+                    <a:spcPts val="0"/>
+                  </a:spcAft>
+                  <a:buNone/>
+                </a:pPr>
+                <a:r>
+                  <a:rPr lang="en" sz="1200" dirty="0"/>
+                  <a:t>RES_OK</a:t>
+                </a:r>
+                <a:endParaRPr sz="1200" dirty="0"/>
+              </a:p>
+            </p:txBody>
+          </p:sp>
+          <p:cxnSp>
+            <p:nvCxnSpPr>
+              <p:cNvPr id="86" name="Google Shape;504;p28">
+                <a:extLst>
+                  <a:ext uri="{FF2B5EF4-FFF2-40B4-BE49-F238E27FC236}">
+                    <a16:creationId xmlns:a16="http://schemas.microsoft.com/office/drawing/2014/main" id="{D9CC7886-2923-184A-9278-58EDF397E9B5}"/>
+                  </a:ext>
+                </a:extLst>
+              </p:cNvPr>
+              <p:cNvCxnSpPr/>
+              <p:nvPr/>
+            </p:nvCxnSpPr>
+            <p:spPr>
+              <a:xfrm rot="10800000">
+                <a:off x="13881672" y="2534159"/>
+                <a:ext cx="663600" cy="9000"/>
+              </a:xfrm>
+              <a:prstGeom prst="straightConnector1">
+                <a:avLst/>
+              </a:prstGeom>
+              <a:noFill/>
+              <a:ln w="9525" cap="flat" cmpd="sng">
+                <a:solidFill>
+                  <a:srgbClr val="000000"/>
+                </a:solidFill>
+                <a:prstDash val="solid"/>
+                <a:round/>
+                <a:headEnd type="none" w="med" len="med"/>
+                <a:tailEnd type="stealth" w="med" len="med"/>
+              </a:ln>
+            </p:spPr>
+          </p:cxnSp>
+          <p:sp>
+            <p:nvSpPr>
+              <p:cNvPr id="87" name="Google Shape;503;p28">
+                <a:extLst>
+                  <a:ext uri="{FF2B5EF4-FFF2-40B4-BE49-F238E27FC236}">
+                    <a16:creationId xmlns:a16="http://schemas.microsoft.com/office/drawing/2014/main" id="{640ADB74-5F32-5A41-9AE1-526C971995FA}"/>
+                  </a:ext>
+                </a:extLst>
+              </p:cNvPr>
+              <p:cNvSpPr txBox="1"/>
+              <p:nvPr/>
+            </p:nvSpPr>
+            <p:spPr>
+              <a:xfrm>
+                <a:off x="13859486" y="2239734"/>
+                <a:ext cx="966300" cy="360900"/>
+              </a:xfrm>
+              <a:prstGeom prst="rect">
+                <a:avLst/>
+              </a:prstGeom>
+              <a:noFill/>
+              <a:ln>
+                <a:noFill/>
+              </a:ln>
+            </p:spPr>
+            <p:txBody>
+              <a:bodyPr spcFirstLastPara="1" wrap="square" lIns="91425" tIns="91425" rIns="91425" bIns="91425" anchor="t" anchorCtr="0">
+                <a:noAutofit/>
+              </a:bodyPr>
+              <a:lstStyle/>
+              <a:p>
+                <a:pPr marL="0" lvl="0" indent="0" algn="l" rtl="0">
+                  <a:spcBef>
+                    <a:spcPts val="0"/>
+                  </a:spcBef>
+                  <a:spcAft>
+                    <a:spcPts val="0"/>
+                  </a:spcAft>
+                  <a:buNone/>
+                </a:pPr>
+                <a:r>
+                  <a:rPr lang="en" sz="1200" dirty="0"/>
+                  <a:t>RES_OK</a:t>
+                </a:r>
+                <a:endParaRPr sz="1200" dirty="0"/>
+              </a:p>
+            </p:txBody>
+          </p:sp>
         </p:grpSp>
-        <p:cxnSp>
-          <p:nvCxnSpPr>
-            <p:cNvPr id="511" name="Google Shape;511;p28"/>
-            <p:cNvCxnSpPr/>
-            <p:nvPr/>
-          </p:nvCxnSpPr>
-          <p:spPr>
-            <a:xfrm>
-              <a:off x="3758750" y="3978238"/>
-              <a:ext cx="2119500" cy="0"/>
-            </a:xfrm>
-            <a:prstGeom prst="straightConnector1">
-              <a:avLst/>
-            </a:prstGeom>
-            <a:noFill/>
-            <a:ln w="9525" cap="flat" cmpd="sng">
-              <a:solidFill>
-                <a:schemeClr val="dk2"/>
-              </a:solidFill>
-              <a:prstDash val="solid"/>
-              <a:round/>
-              <a:headEnd type="none" w="med" len="med"/>
-              <a:tailEnd type="none" w="med" len="med"/>
-            </a:ln>
-          </p:spPr>
-        </p:cxnSp>
-        <p:sp>
-          <p:nvSpPr>
-            <p:cNvPr id="512" name="Google Shape;512;p28"/>
-            <p:cNvSpPr txBox="1"/>
-            <p:nvPr/>
-          </p:nvSpPr>
-          <p:spPr>
-            <a:xfrm>
-              <a:off x="2714525" y="2465550"/>
-              <a:ext cx="2540400" cy="360900"/>
-            </a:xfrm>
-            <a:prstGeom prst="rect">
-              <a:avLst/>
-            </a:prstGeom>
-            <a:noFill/>
-            <a:ln>
-              <a:noFill/>
-            </a:ln>
-          </p:spPr>
-          <p:txBody>
-            <a:bodyPr spcFirstLastPara="1" wrap="square" lIns="91425" tIns="91425" rIns="91425" bIns="91425" anchor="t" anchorCtr="0">
-              <a:noAutofit/>
-            </a:bodyPr>
-            <a:lstStyle/>
-            <a:p>
-              <a:pPr marL="0" lvl="0" indent="0" algn="l" rtl="0">
-                <a:spcBef>
-                  <a:spcPts val="0"/>
-                </a:spcBef>
-                <a:spcAft>
-                  <a:spcPts val="0"/>
-                </a:spcAft>
-                <a:buNone/>
-              </a:pPr>
-              <a:r>
-                <a:rPr lang="en" sz="1200"/>
-                <a:t>socket.write(msg, socketTimeout)</a:t>
-              </a:r>
-              <a:endParaRPr sz="1200"/>
-            </a:p>
-          </p:txBody>
-        </p:sp>
-        <p:sp>
-          <p:nvSpPr>
-            <p:cNvPr id="513" name="Google Shape;513;p28"/>
-            <p:cNvSpPr txBox="1"/>
-            <p:nvPr/>
-          </p:nvSpPr>
-          <p:spPr>
-            <a:xfrm>
-              <a:off x="5250025" y="2476638"/>
-              <a:ext cx="2453100" cy="360900"/>
-            </a:xfrm>
-            <a:prstGeom prst="rect">
-              <a:avLst/>
-            </a:prstGeom>
-            <a:noFill/>
-            <a:ln>
-              <a:noFill/>
-            </a:ln>
-          </p:spPr>
-          <p:txBody>
-            <a:bodyPr spcFirstLastPara="1" wrap="square" lIns="91425" tIns="91425" rIns="91425" bIns="91425" anchor="t" anchorCtr="0">
-              <a:noAutofit/>
-            </a:bodyPr>
-            <a:lstStyle/>
-            <a:p>
-              <a:pPr marL="0" lvl="0" indent="0" algn="l" rtl="0">
-                <a:spcBef>
-                  <a:spcPts val="0"/>
-                </a:spcBef>
-                <a:spcAft>
-                  <a:spcPts val="0"/>
-                </a:spcAft>
-                <a:buNone/>
-              </a:pPr>
-              <a:r>
-                <a:rPr lang="en" sz="1200"/>
-                <a:t>isOk = socket.read(ackTimeout)</a:t>
-              </a:r>
-              <a:endParaRPr sz="1200"/>
-            </a:p>
-          </p:txBody>
-        </p:sp>
-        <p:sp>
-          <p:nvSpPr>
-            <p:cNvPr id="514" name="Google Shape;514;p28"/>
-            <p:cNvSpPr/>
-            <p:nvPr/>
-          </p:nvSpPr>
-          <p:spPr>
-            <a:xfrm>
-              <a:off x="2691850" y="3051650"/>
-              <a:ext cx="82800" cy="82800"/>
-            </a:xfrm>
-            <a:prstGeom prst="ellipse">
-              <a:avLst/>
-            </a:prstGeom>
-            <a:solidFill>
-              <a:srgbClr val="000000"/>
-            </a:solidFill>
-            <a:ln w="9525" cap="flat" cmpd="sng">
-              <a:solidFill>
-                <a:schemeClr val="dk2"/>
-              </a:solidFill>
-              <a:prstDash val="solid"/>
-              <a:round/>
-              <a:headEnd type="none" w="sm" len="sm"/>
-              <a:tailEnd type="none" w="sm" len="sm"/>
-            </a:ln>
-          </p:spPr>
-          <p:txBody>
-            <a:bodyPr spcFirstLastPara="1" wrap="square" lIns="91425" tIns="91425" rIns="91425" bIns="91425" anchor="ctr" anchorCtr="0">
-              <a:noAutofit/>
-            </a:bodyPr>
-            <a:lstStyle/>
-            <a:p>
-              <a:pPr marL="0" lvl="0" indent="0" algn="l" rtl="0">
-                <a:spcBef>
-                  <a:spcPts val="0"/>
-                </a:spcBef>
-                <a:spcAft>
-                  <a:spcPts val="0"/>
-                </a:spcAft>
-                <a:buNone/>
-              </a:pPr>
-              <a:endParaRPr/>
-            </a:p>
-          </p:txBody>
-        </p:sp>
-        <p:sp>
-          <p:nvSpPr>
-            <p:cNvPr id="515" name="Google Shape;515;p28"/>
-            <p:cNvSpPr/>
-            <p:nvPr/>
-          </p:nvSpPr>
-          <p:spPr>
-            <a:xfrm>
-              <a:off x="4558750" y="3048525"/>
-              <a:ext cx="82800" cy="82800"/>
-            </a:xfrm>
-            <a:prstGeom prst="ellipse">
-              <a:avLst/>
-            </a:prstGeom>
-            <a:solidFill>
-              <a:srgbClr val="000000"/>
-            </a:solidFill>
-            <a:ln w="9525" cap="flat" cmpd="sng">
-              <a:solidFill>
-                <a:schemeClr val="dk2"/>
-              </a:solidFill>
-              <a:prstDash val="solid"/>
-              <a:round/>
-              <a:headEnd type="none" w="sm" len="sm"/>
-              <a:tailEnd type="none" w="sm" len="sm"/>
-            </a:ln>
-          </p:spPr>
-          <p:txBody>
-            <a:bodyPr spcFirstLastPara="1" wrap="square" lIns="91425" tIns="91425" rIns="91425" bIns="91425" anchor="ctr" anchorCtr="0">
-              <a:noAutofit/>
-            </a:bodyPr>
-            <a:lstStyle/>
-            <a:p>
-              <a:pPr marL="0" lvl="0" indent="0" algn="l" rtl="0">
-                <a:spcBef>
-                  <a:spcPts val="0"/>
-                </a:spcBef>
-                <a:spcAft>
-                  <a:spcPts val="0"/>
-                </a:spcAft>
-                <a:buNone/>
-              </a:pPr>
-              <a:endParaRPr/>
-            </a:p>
-          </p:txBody>
-        </p:sp>
-        <p:sp>
-          <p:nvSpPr>
-            <p:cNvPr id="516" name="Google Shape;516;p28"/>
-            <p:cNvSpPr/>
-            <p:nvPr/>
-          </p:nvSpPr>
-          <p:spPr>
-            <a:xfrm>
-              <a:off x="2817875" y="2822524"/>
-              <a:ext cx="1777125" cy="233173"/>
-            </a:xfrm>
-            <a:prstGeom prst="arc">
-              <a:avLst>
-                <a:gd name="adj1" fmla="val 10794153"/>
-                <a:gd name="adj2" fmla="val 0"/>
-              </a:avLst>
-            </a:prstGeom>
-            <a:noFill/>
-            <a:ln w="12700" cap="flat" cmpd="sng">
-              <a:solidFill>
-                <a:schemeClr val="dk2"/>
-              </a:solidFill>
-              <a:prstDash val="solid"/>
-              <a:round/>
-              <a:headEnd type="none" w="sm" len="sm"/>
-              <a:tailEnd type="stealth" w="sm" len="sm"/>
-            </a:ln>
-          </p:spPr>
-          <p:txBody>
-            <a:bodyPr spcFirstLastPara="1" wrap="square" lIns="91425" tIns="91425" rIns="91425" bIns="91425" anchor="ctr" anchorCtr="0">
-              <a:noAutofit/>
-            </a:bodyPr>
-            <a:lstStyle/>
-            <a:p>
-              <a:pPr marL="0" lvl="0" indent="0" algn="l" rtl="0">
-                <a:spcBef>
-                  <a:spcPts val="0"/>
-                </a:spcBef>
-                <a:spcAft>
-                  <a:spcPts val="0"/>
-                </a:spcAft>
-                <a:buNone/>
-              </a:pPr>
-              <a:endParaRPr/>
-            </a:p>
-          </p:txBody>
-        </p:sp>
-        <p:sp>
-          <p:nvSpPr>
-            <p:cNvPr id="517" name="Google Shape;517;p28"/>
-            <p:cNvSpPr/>
-            <p:nvPr/>
-          </p:nvSpPr>
-          <p:spPr>
-            <a:xfrm>
-              <a:off x="4677525" y="2843087"/>
-              <a:ext cx="2925275" cy="246837"/>
-            </a:xfrm>
-            <a:prstGeom prst="arc">
-              <a:avLst>
-                <a:gd name="adj1" fmla="val 10794153"/>
-                <a:gd name="adj2" fmla="val 0"/>
-              </a:avLst>
-            </a:prstGeom>
-            <a:noFill/>
-            <a:ln w="12700" cap="flat" cmpd="sng">
-              <a:solidFill>
-                <a:schemeClr val="dk2"/>
-              </a:solidFill>
-              <a:prstDash val="solid"/>
-              <a:round/>
-              <a:headEnd type="none" w="sm" len="sm"/>
-              <a:tailEnd type="stealth" w="sm" len="sm"/>
-            </a:ln>
-          </p:spPr>
-          <p:txBody>
-            <a:bodyPr spcFirstLastPara="1" wrap="square" lIns="91425" tIns="91425" rIns="91425" bIns="91425" anchor="ctr" anchorCtr="0">
-              <a:noAutofit/>
-            </a:bodyPr>
-            <a:lstStyle/>
-            <a:p>
-              <a:pPr marL="0" lvl="0" indent="0" algn="l" rtl="0">
-                <a:spcBef>
-                  <a:spcPts val="0"/>
-                </a:spcBef>
-                <a:spcAft>
-                  <a:spcPts val="0"/>
-                </a:spcAft>
-                <a:buNone/>
-              </a:pPr>
-              <a:endParaRPr/>
-            </a:p>
-          </p:txBody>
-        </p:sp>
       </p:grpSp>
       <p:sp>
         <p:nvSpPr>
-          <p:cNvPr id="532" name="Google Shape;532;p28"/>
+          <p:cNvPr id="14" name="TextBox 13">
+            <a:extLst>
+              <a:ext uri="{FF2B5EF4-FFF2-40B4-BE49-F238E27FC236}">
+                <a16:creationId xmlns:a16="http://schemas.microsoft.com/office/drawing/2014/main" id="{EBB46C18-1AE8-B244-838F-746B27B34C3A}"/>
+              </a:ext>
+            </a:extLst>
+          </p:cNvPr>
           <p:cNvSpPr txBox="1"/>
           <p:nvPr/>
         </p:nvSpPr>
         <p:spPr>
           <a:xfrm>
-            <a:off x="578750" y="6637250"/>
-            <a:ext cx="14268300" cy="1401850"/>
+            <a:off x="919415" y="6873498"/>
+            <a:ext cx="12604666" cy="1600438"/>
           </a:xfrm>
           <a:prstGeom prst="rect">
             <a:avLst/>
           </a:prstGeom>
           <a:noFill/>
-          <a:ln>
-            <a:noFill/>
-          </a:ln>
         </p:spPr>
         <p:txBody>
-          <a:bodyPr spcFirstLastPara="1" wrap="square" lIns="91425" tIns="91425" rIns="91425" bIns="91425" anchor="t" anchorCtr="0">
-            <a:noAutofit/>
+          <a:bodyPr wrap="square" rtlCol="0">
+            <a:spAutoFit/>
           </a:bodyPr>
           <a:lstStyle/>
           <a:p>
-            <a:pPr marL="285750" indent="-285750">
-              <a:buFont typeface="Arial" panose="020B0604020202020204" pitchFamily="34" charset="0"/>
-              <a:buChar char="•"/>
-            </a:pPr>
-            <a:r>
-              <a:rPr lang="en-US" sz="1600" dirty="0"/>
-              <a:t>Each attempt to send message accompanies with opening socket anew. </a:t>
-            </a:r>
-            <a:r>
-              <a:rPr lang="en-US" sz="1600" u="sng" dirty="0"/>
-              <a:t>If the send error was a timeout</a:t>
-            </a:r>
-            <a:r>
-              <a:rPr lang="en-US" sz="1600" dirty="0"/>
+            <a:pPr lvl="3"/>
+            <a:r>
+              <a:rPr lang="en-US" dirty="0">
+                <a:latin typeface="Courier" pitchFamily="2" charset="0"/>
+              </a:rPr>
+              <a:t>Socket </a:t>
+            </a:r>
+            <a:r>
+              <a:rPr lang="en-US" dirty="0" err="1">
+                <a:latin typeface="Courier" pitchFamily="2" charset="0"/>
+              </a:rPr>
+              <a:t>openSocket</a:t>
+            </a:r>
+            <a:r>
+              <a:rPr lang="en-US" dirty="0">
+                <a:latin typeface="Courier" pitchFamily="2" charset="0"/>
+              </a:rPr>
+              <a:t>(Socket sock, </a:t>
+            </a:r>
+            <a:r>
+              <a:rPr lang="en-US" dirty="0" err="1">
+                <a:latin typeface="Courier" pitchFamily="2" charset="0"/>
+              </a:rPr>
+              <a:t>InetSocketAddress</a:t>
+            </a:r>
+            <a:r>
+              <a:rPr lang="en-US" dirty="0">
+                <a:latin typeface="Courier" pitchFamily="2" charset="0"/>
+              </a:rPr>
+              <a:t> </a:t>
+            </a:r>
+            <a:r>
+              <a:rPr lang="en-US" dirty="0" err="1">
+                <a:latin typeface="Courier" pitchFamily="2" charset="0"/>
+              </a:rPr>
+              <a:t>addr</a:t>
+            </a:r>
+            <a:r>
+              <a:rPr lang="en-US" dirty="0">
+                <a:latin typeface="Courier" pitchFamily="2" charset="0"/>
+              </a:rPr>
+              <a:t>) {</a:t>
+            </a:r>
+            <a:br>
+              <a:rPr lang="en-US" dirty="0">
+                <a:latin typeface="Courier" pitchFamily="2" charset="0"/>
+              </a:rPr>
+            </a:br>
+            <a:r>
+              <a:rPr lang="en-US" dirty="0">
+                <a:latin typeface="Courier" pitchFamily="2" charset="0"/>
+              </a:rPr>
+              <a:t>	</a:t>
+            </a:r>
+            <a:r>
+              <a:rPr lang="en-US" dirty="0" err="1">
+                <a:latin typeface="Courier" pitchFamily="2" charset="0"/>
+              </a:rPr>
+              <a:t>sock.connect</a:t>
+            </a:r>
+            <a:r>
+              <a:rPr lang="en-US" dirty="0">
+                <a:latin typeface="Courier" pitchFamily="2" charset="0"/>
+              </a:rPr>
+              <a:t>(</a:t>
+            </a:r>
+            <a:r>
+              <a:rPr lang="en-US" dirty="0" err="1">
+                <a:latin typeface="Courier" pitchFamily="2" charset="0"/>
+              </a:rPr>
+              <a:t>addr</a:t>
+            </a:r>
+            <a:r>
+              <a:rPr lang="en-US" dirty="0">
+                <a:latin typeface="Courier" pitchFamily="2" charset="0"/>
+              </a:rPr>
               <a:t>, </a:t>
             </a:r>
             <a:r>
-              <a:rPr lang="en-US" sz="1600" i="1" dirty="0" err="1"/>
-              <a:t>ackTimeout</a:t>
-            </a:r>
-            <a:r>
-              <a:rPr lang="en-US" sz="1600" dirty="0"/>
-              <a:t> is increased twice after each attempt until reaches </a:t>
-            </a:r>
-            <a:r>
-              <a:rPr lang="en-US" sz="1600" i="1" dirty="0" err="1"/>
-              <a:t>maxAckTimeout</a:t>
-            </a:r>
-            <a:r>
-              <a:rPr lang="en-US" sz="1600" dirty="0"/>
-              <a:t>.</a:t>
-            </a:r>
-          </a:p>
-          <a:p>
-            <a:pPr marL="0" lvl="0" indent="0" algn="l" rtl="0">
-              <a:spcBef>
-                <a:spcPts val="0"/>
-              </a:spcBef>
-              <a:spcAft>
-                <a:spcPts val="0"/>
-              </a:spcAft>
-              <a:buNone/>
-            </a:pPr>
-            <a:endParaRPr lang="en" sz="1600" dirty="0"/>
-          </a:p>
-          <a:p>
-            <a:pPr marL="0" lvl="0" indent="0" algn="l" rtl="0">
-              <a:spcBef>
-                <a:spcPts val="0"/>
-              </a:spcBef>
-              <a:spcAft>
-                <a:spcPts val="0"/>
-              </a:spcAft>
-              <a:buNone/>
-            </a:pPr>
-            <a:endParaRPr lang="en" sz="1600" dirty="0"/>
-          </a:p>
-          <a:p>
-            <a:pPr marL="285750" lvl="0" indent="-285750" algn="l" rtl="0">
-              <a:spcBef>
-                <a:spcPts val="0"/>
-              </a:spcBef>
-              <a:spcAft>
-                <a:spcPts val="0"/>
-              </a:spcAft>
-              <a:buFont typeface="Arial" panose="020B0604020202020204" pitchFamily="34" charset="0"/>
-              <a:buChar char="•"/>
-            </a:pPr>
-            <a:r>
-              <a:rPr lang="en" sz="1600" dirty="0"/>
-              <a:t>Attempts to send message works until reconnect number overtakes </a:t>
-            </a:r>
-            <a:r>
-              <a:rPr lang="en" sz="1600" i="1" dirty="0" err="1"/>
-              <a:t>reconnectCount</a:t>
-            </a:r>
-            <a:r>
-              <a:rPr lang="en" sz="1600" dirty="0"/>
-              <a:t> or </a:t>
-            </a:r>
-            <a:r>
-              <a:rPr lang="en" sz="1600" i="1" u="sng" dirty="0" err="1"/>
-              <a:t>ackTimeout</a:t>
-            </a:r>
-            <a:r>
-              <a:rPr lang="en" sz="1600" u="sng" dirty="0"/>
-              <a:t> reaches </a:t>
-            </a:r>
-            <a:r>
-              <a:rPr lang="en" sz="1600" i="1" u="sng" dirty="0" err="1"/>
-              <a:t>maxAckTimeout</a:t>
-            </a:r>
-            <a:r>
-              <a:rPr lang="en" sz="1600" dirty="0"/>
-              <a:t>.</a:t>
-            </a:r>
-            <a:endParaRPr sz="1600" dirty="0"/>
-          </a:p>
-          <a:p>
-            <a:pPr marL="0" lvl="0" indent="0" algn="l" rtl="0">
-              <a:spcBef>
-                <a:spcPts val="0"/>
-              </a:spcBef>
-              <a:spcAft>
-                <a:spcPts val="0"/>
-              </a:spcAft>
-              <a:buNone/>
-            </a:pPr>
-            <a:endParaRPr sz="1600" dirty="0"/>
-          </a:p>
-        </p:txBody>
-      </p:sp>
-      <p:sp>
-        <p:nvSpPr>
-          <p:cNvPr id="534" name="Google Shape;534;p28"/>
-          <p:cNvSpPr txBox="1"/>
-          <p:nvPr/>
-        </p:nvSpPr>
-        <p:spPr>
-          <a:xfrm>
-            <a:off x="507642" y="2428564"/>
-            <a:ext cx="8277000" cy="1379700"/>
-          </a:xfrm>
-          <a:prstGeom prst="rect">
-            <a:avLst/>
-          </a:prstGeom>
-          <a:noFill/>
-          <a:ln>
-            <a:noFill/>
-          </a:ln>
-        </p:spPr>
-        <p:txBody>
-          <a:bodyPr spcFirstLastPara="1" wrap="square" lIns="91425" tIns="91425" rIns="91425" bIns="91425" anchor="t" anchorCtr="0">
-            <a:noAutofit/>
-          </a:bodyPr>
-          <a:lstStyle/>
-          <a:p>
-            <a:pPr marL="0" lvl="0" indent="0" algn="l" rtl="0">
-              <a:spcBef>
-                <a:spcPts val="0"/>
-              </a:spcBef>
-              <a:spcAft>
-                <a:spcPts val="0"/>
-              </a:spcAft>
-              <a:buNone/>
-            </a:pPr>
-            <a:r>
-              <a:rPr lang="en" i="1" dirty="0">
-                <a:solidFill>
-                  <a:srgbClr val="8C8C8C"/>
-                </a:solidFill>
-                <a:highlight>
-                  <a:srgbClr val="FFFFFF"/>
-                </a:highlight>
+              <a:rPr lang="en-US" dirty="0" err="1">
+                <a:latin typeface="Courier" pitchFamily="2" charset="0"/>
               </a:rPr>
-              <a:t>/** @return Complete timeout of single message exchange operation on established connection. */</a:t>
-            </a:r>
-            <a:endParaRPr i="1" dirty="0">
-              <a:solidFill>
-                <a:srgbClr val="8C8C8C"/>
-              </a:solidFill>
-              <a:highlight>
-                <a:srgbClr val="FFFFFF"/>
-              </a:highlight>
-            </a:endParaRPr>
-          </a:p>
-          <a:p>
-            <a:pPr marL="0" lvl="0" indent="0" algn="l" rtl="0">
-              <a:spcBef>
-                <a:spcPts val="0"/>
-              </a:spcBef>
-              <a:spcAft>
-                <a:spcPts val="0"/>
-              </a:spcAft>
-              <a:buNone/>
-            </a:pPr>
-            <a:r>
-              <a:rPr lang="en" dirty="0">
-                <a:solidFill>
-                  <a:srgbClr val="0033B3"/>
-                </a:solidFill>
-                <a:highlight>
-                  <a:srgbClr val="FFFFFF"/>
-                </a:highlight>
+              <a:t>sockTimeout</a:t>
+            </a:r>
+            <a:r>
+              <a:rPr lang="en-US" dirty="0">
+                <a:latin typeface="Courier" pitchFamily="2" charset="0"/>
               </a:rPr>
-              <a:t>protected long </a:t>
-            </a:r>
-            <a:r>
-              <a:rPr lang="en" dirty="0" err="1">
-                <a:solidFill>
-                  <a:srgbClr val="00627A"/>
-                </a:solidFill>
-                <a:highlight>
-                  <a:srgbClr val="FFFFFF"/>
-                </a:highlight>
+              <a:t>);</a:t>
+            </a:r>
+          </a:p>
+          <a:p>
+            <a:pPr lvl="3"/>
+            <a:r>
+              <a:rPr lang="en-US" dirty="0">
+                <a:latin typeface="Courier" pitchFamily="2" charset="0"/>
               </a:rPr>
-              <a:t>effectiveExchangeTimeout</a:t>
-            </a:r>
-            <a:r>
-              <a:rPr lang="en" dirty="0">
-                <a:solidFill>
-                  <a:srgbClr val="080808"/>
-                </a:solidFill>
-                <a:highlight>
-                  <a:srgbClr val="FFFFFF"/>
-                </a:highlight>
+              <a:t>	//Another timeout</a:t>
+            </a:r>
+            <a:br>
+              <a:rPr lang="en-US" dirty="0">
+                <a:latin typeface="Courier" pitchFamily="2" charset="0"/>
               </a:rPr>
-              <a:t>() {</a:t>
-            </a:r>
-            <a:endParaRPr dirty="0">
-              <a:solidFill>
-                <a:srgbClr val="080808"/>
-              </a:solidFill>
-              <a:highlight>
-                <a:srgbClr val="FFFFFF"/>
-              </a:highlight>
-            </a:endParaRPr>
-          </a:p>
-          <a:p>
-            <a:pPr marL="0" lvl="0" indent="0" algn="l" rtl="0">
-              <a:spcBef>
-                <a:spcPts val="0"/>
-              </a:spcBef>
-              <a:spcAft>
-                <a:spcPts val="0"/>
-              </a:spcAft>
-              <a:buNone/>
-            </a:pPr>
-            <a:r>
-              <a:rPr lang="en" dirty="0">
-                <a:solidFill>
-                  <a:srgbClr val="080808"/>
-                </a:solidFill>
-                <a:highlight>
-                  <a:srgbClr val="FFFFFF"/>
-                </a:highlight>
+            </a:br>
+            <a:r>
+              <a:rPr lang="en-US" dirty="0">
+                <a:latin typeface="Courier" pitchFamily="2" charset="0"/>
               </a:rPr>
-              <a:t>   </a:t>
-            </a:r>
-            <a:r>
-              <a:rPr lang="en" dirty="0">
-                <a:solidFill>
-                  <a:srgbClr val="0033B3"/>
-                </a:solidFill>
-                <a:highlight>
-                  <a:srgbClr val="FFFFFF"/>
-                </a:highlight>
+              <a:t>        	</a:t>
+            </a:r>
+            <a:r>
+              <a:rPr lang="en-US" dirty="0" err="1">
+                <a:latin typeface="Courier" pitchFamily="2" charset="0"/>
               </a:rPr>
-              <a:t>return </a:t>
-            </a:r>
-            <a:r>
-              <a:rPr lang="en" dirty="0" err="1">
-                <a:solidFill>
-                  <a:srgbClr val="080808"/>
-                </a:solidFill>
-                <a:highlight>
-                  <a:srgbClr val="FFFFFF"/>
-                </a:highlight>
+              <a:t>writeToSocket</a:t>
+            </a:r>
+            <a:r>
+              <a:rPr lang="en-US" dirty="0">
+                <a:latin typeface="Courier" pitchFamily="2" charset="0"/>
               </a:rPr>
-              <a:t>failureDetectionTimeoutEnabled</a:t>
-            </a:r>
-            <a:r>
-              <a:rPr lang="en" dirty="0">
-                <a:solidFill>
-                  <a:srgbClr val="080808"/>
-                </a:solidFill>
-                <a:highlight>
-                  <a:srgbClr val="FFFFFF"/>
-                </a:highlight>
+              <a:t>(sock, </a:t>
+            </a:r>
+            <a:r>
+              <a:rPr lang="en-US" i="1" dirty="0">
+                <a:latin typeface="Courier" pitchFamily="2" charset="0"/>
               </a:rPr>
-              <a:t>() </a:t>
-            </a:r>
-            <a:endParaRPr dirty="0">
-              <a:solidFill>
-                <a:srgbClr val="080808"/>
-              </a:solidFill>
-              <a:highlight>
-                <a:srgbClr val="FFFFFF"/>
-              </a:highlight>
-            </a:endParaRPr>
-          </a:p>
-          <a:p>
-            <a:pPr marL="457200" lvl="0" indent="457200" algn="l" rtl="0">
-              <a:spcBef>
-                <a:spcPts val="0"/>
-              </a:spcBef>
-              <a:spcAft>
-                <a:spcPts val="0"/>
-              </a:spcAft>
-              <a:buNone/>
-            </a:pPr>
-            <a:r>
-              <a:rPr lang="en" dirty="0">
-                <a:solidFill>
-                  <a:srgbClr val="080808"/>
-                </a:solidFill>
-                <a:highlight>
-                  <a:srgbClr val="FFFFFF"/>
-                </a:highlight>
+              <a:t>IGNITE_HEADER</a:t>
+            </a:r>
+            <a:r>
+              <a:rPr lang="en-US" dirty="0">
+                <a:latin typeface="Courier" pitchFamily="2" charset="0"/>
               </a:rPr>
-              <a:t>? </a:t>
-            </a:r>
-            <a:r>
-              <a:rPr lang="en" dirty="0" err="1">
-                <a:solidFill>
-                  <a:srgbClr val="080808"/>
-                </a:solidFill>
-                <a:highlight>
-                  <a:srgbClr val="FFFFFF"/>
-                </a:highlight>
+              <a:t>, </a:t>
+            </a:r>
+            <a:r>
+              <a:rPr lang="en-US" dirty="0" err="1">
+                <a:latin typeface="Courier" pitchFamily="2" charset="0"/>
               </a:rPr>
-              <a:t>failureDetectionTimeout</a:t>
-            </a:r>
-            <a:r>
-              <a:rPr lang="en" dirty="0">
-                <a:solidFill>
-                  <a:srgbClr val="080808"/>
-                </a:solidFill>
-                <a:highlight>
-                  <a:srgbClr val="FFFFFF"/>
-                </a:highlight>
+              <a:t>sockTimeout</a:t>
+            </a:r>
+            <a:r>
+              <a:rPr lang="en-US" dirty="0">
+                <a:latin typeface="Courier" pitchFamily="2" charset="0"/>
               </a:rPr>
-              <a:t>()</a:t>
-            </a:r>
-            <a:endParaRPr dirty="0">
-              <a:solidFill>
-                <a:srgbClr val="080808"/>
-              </a:solidFill>
-              <a:highlight>
-                <a:srgbClr val="FFFFFF"/>
-              </a:highlight>
-            </a:endParaRPr>
-          </a:p>
-          <a:p>
-            <a:pPr marL="457200" lvl="0" indent="457200" algn="l" rtl="0">
-              <a:spcBef>
-                <a:spcPts val="0"/>
-              </a:spcBef>
-              <a:spcAft>
-                <a:spcPts val="0"/>
-              </a:spcAft>
-              <a:buNone/>
-            </a:pPr>
-            <a:r>
-              <a:rPr lang="en" dirty="0">
-                <a:solidFill>
-                  <a:srgbClr val="080808"/>
-                </a:solidFill>
-                <a:highlight>
-                  <a:srgbClr val="FFFFFF"/>
-                </a:highlight>
+              <a:t>);</a:t>
+            </a:r>
+          </a:p>
+          <a:p>
+            <a:pPr lvl="3"/>
+            <a:r>
+              <a:rPr lang="en-US" dirty="0">
+                <a:latin typeface="Courier" pitchFamily="2" charset="0"/>
               </a:rPr>
-              <a:t>: </a:t>
-            </a:r>
-            <a:r>
-              <a:rPr lang="en" dirty="0" err="1">
-                <a:solidFill>
-                  <a:srgbClr val="080808"/>
-                </a:solidFill>
-                <a:highlight>
-                  <a:srgbClr val="FFFFFF"/>
-                </a:highlight>
+              <a:t>	return sock;</a:t>
+            </a:r>
+            <a:br>
+              <a:rPr lang="en-US" dirty="0">
+                <a:latin typeface="Courier" pitchFamily="2" charset="0"/>
               </a:rPr>
-              <a:t>getSocketTimeout</a:t>
-            </a:r>
-            <a:r>
-              <a:rPr lang="en" dirty="0">
-                <a:solidFill>
-                  <a:srgbClr val="080808"/>
-                </a:solidFill>
-                <a:highlight>
-                  <a:srgbClr val="FFFFFF"/>
-                </a:highlight>
-              </a:rPr>
-              <a:t>() + </a:t>
-            </a:r>
-            <a:r>
-              <a:rPr lang="en" dirty="0" err="1">
-                <a:solidFill>
-                  <a:srgbClr val="080808"/>
-                </a:solidFill>
-                <a:highlight>
-                  <a:srgbClr val="FFFFFF"/>
-                </a:highlight>
-              </a:rPr>
-              <a:t>getAckTimeout</a:t>
-            </a:r>
-            <a:r>
-              <a:rPr lang="en" dirty="0">
-                <a:solidFill>
-                  <a:srgbClr val="080808"/>
-                </a:solidFill>
-                <a:highlight>
-                  <a:srgbClr val="FFFFFF"/>
-                </a:highlight>
-              </a:rPr>
-              <a:t>();</a:t>
-            </a:r>
-            <a:endParaRPr dirty="0">
-              <a:solidFill>
-                <a:srgbClr val="080808"/>
-              </a:solidFill>
-              <a:highlight>
-                <a:srgbClr val="FFFFFF"/>
-              </a:highlight>
-            </a:endParaRPr>
-          </a:p>
-          <a:p>
-            <a:pPr marL="0" lvl="0" indent="0" algn="l" rtl="0">
-              <a:spcBef>
-                <a:spcPts val="0"/>
-              </a:spcBef>
-              <a:spcAft>
-                <a:spcPts val="0"/>
-              </a:spcAft>
-              <a:buNone/>
-            </a:pPr>
-            <a:r>
-              <a:rPr lang="en" dirty="0">
-                <a:solidFill>
-                  <a:srgbClr val="080808"/>
-                </a:solidFill>
-                <a:highlight>
-                  <a:srgbClr val="FFFFFF"/>
-                </a:highlight>
+            </a:br>
+            <a:r>
+              <a:rPr lang="en-US" dirty="0">
+                <a:latin typeface="Courier" pitchFamily="2" charset="0"/>
               </a:rPr>
               <a:t>}</a:t>
             </a:r>
-            <a:endParaRPr dirty="0">
-              <a:solidFill>
-                <a:srgbClr val="080808"/>
-              </a:solidFill>
-              <a:highlight>
-                <a:srgbClr val="FFFFFF"/>
-              </a:highlight>
-            </a:endParaRPr>
-          </a:p>
-        </p:txBody>
-      </p:sp>
-      <p:sp>
-        <p:nvSpPr>
-          <p:cNvPr id="2" name="Slide Number Placeholder 1">
-            <a:extLst>
-              <a:ext uri="{FF2B5EF4-FFF2-40B4-BE49-F238E27FC236}">
-                <a16:creationId xmlns:a16="http://schemas.microsoft.com/office/drawing/2014/main" id="{84695020-39BC-EE4D-975C-B6FA31EEDABF}"/>
-              </a:ext>
-            </a:extLst>
-          </p:cNvPr>
-          <p:cNvSpPr>
-            <a:spLocks noGrp="1"/>
-          </p:cNvSpPr>
-          <p:nvPr>
-            <p:ph type="sldNum" idx="12"/>
-          </p:nvPr>
-        </p:nvSpPr>
-        <p:spPr/>
-        <p:txBody>
-          <a:bodyPr/>
-          <a:lstStyle/>
-          <a:p>
-            <a:pPr marL="0" lvl="0" indent="0" algn="r" rtl="0">
-              <a:spcBef>
-                <a:spcPts val="0"/>
-              </a:spcBef>
-              <a:spcAft>
-                <a:spcPts val="0"/>
-              </a:spcAft>
-              <a:buNone/>
-            </a:pPr>
-            <a:fld id="{00000000-1234-1234-1234-123412341234}" type="slidenum">
-              <a:rPr lang="en" smtClean="0"/>
-              <a:t>17</a:t>
-            </a:fld>
-            <a:endParaRPr lang="en"/>
+          </a:p>
+          <a:p>
+            <a:endParaRPr lang="ru-RU" dirty="0"/>
           </a:p>
         </p:txBody>
       </p:sp>

--- a/Discovery.pptx
+++ b/Discovery.pptx
@@ -20876,8 +20876,8 @@
         </p:nvSpPr>
         <p:spPr>
           <a:xfrm>
-            <a:off x="177801" y="4737153"/>
-            <a:ext cx="14857362" cy="2375411"/>
+            <a:off x="177801" y="4737154"/>
+            <a:ext cx="14857362" cy="2026544"/>
           </a:xfrm>
           <a:prstGeom prst="rect">
             <a:avLst/>
@@ -20936,11 +20936,15 @@
             </a:r>
             <a:r>
               <a:rPr lang="en-US" sz="1600" dirty="0"/>
-              <a:t> is increased twice after each unsuccessful attempt until overtakes </a:t>
+              <a:t> is increased twice after each unsuccessful attempt (the max. value is </a:t>
             </a:r>
             <a:r>
               <a:rPr lang="en-US" sz="1600" i="1" dirty="0" err="1"/>
               <a:t>maxAckTimeout</a:t>
+            </a:r>
+            <a:r>
+              <a:rPr lang="en-US" sz="1600" i="1" dirty="0"/>
+              <a:t>)</a:t>
             </a:r>
             <a:r>
               <a:rPr lang="en-US" sz="1600" dirty="0"/>
@@ -21010,7 +21014,7 @@
             </a:r>
             <a:r>
               <a:rPr lang="en" sz="1600" dirty="0"/>
-              <a:t> or failed to open socket anew.</a:t>
+              <a:t> or failure to open socket appears.</a:t>
             </a:r>
           </a:p>
           <a:p>

--- a/Discovery.pptx
+++ b/Discovery.pptx
@@ -20876,7 +20876,7 @@
         </p:nvSpPr>
         <p:spPr>
           <a:xfrm>
-            <a:off x="177801" y="4737154"/>
+            <a:off x="177801" y="4543969"/>
             <a:ext cx="14857362" cy="2026544"/>
           </a:xfrm>
           <a:prstGeom prst="rect">
@@ -22896,7 +22896,7 @@
         </p:nvSpPr>
         <p:spPr>
           <a:xfrm>
-            <a:off x="919415" y="6873498"/>
+            <a:off x="919415" y="6448491"/>
             <a:ext cx="12604666" cy="1600438"/>
           </a:xfrm>
           <a:prstGeom prst="rect">
@@ -23079,6 +23079,64 @@
           </a:p>
           <a:p>
             <a:endParaRPr lang="ru-RU" dirty="0"/>
+          </a:p>
+        </p:txBody>
+      </p:sp>
+      <p:sp>
+        <p:nvSpPr>
+          <p:cNvPr id="3" name="TextBox 2">
+            <a:extLst>
+              <a:ext uri="{FF2B5EF4-FFF2-40B4-BE49-F238E27FC236}">
+                <a16:creationId xmlns:a16="http://schemas.microsoft.com/office/drawing/2014/main" id="{247F0EFE-FE7B-2642-A7F0-16C0A4F7A6AA}"/>
+              </a:ext>
+            </a:extLst>
+          </p:cNvPr>
+          <p:cNvSpPr txBox="1"/>
+          <p:nvPr/>
+        </p:nvSpPr>
+        <p:spPr>
+          <a:xfrm>
+            <a:off x="177801" y="8035683"/>
+            <a:ext cx="13938791" cy="338554"/>
+          </a:xfrm>
+          <a:prstGeom prst="rect">
+            <a:avLst/>
+          </a:prstGeom>
+          <a:noFill/>
+        </p:spPr>
+        <p:txBody>
+          <a:bodyPr wrap="square" rtlCol="0">
+            <a:spAutoFit/>
+          </a:bodyPr>
+          <a:lstStyle/>
+          <a:p>
+            <a:pPr marL="285750" indent="-285750">
+              <a:buFont typeface="Arial" panose="020B0604020202020204" pitchFamily="34" charset="0"/>
+              <a:buChar char="•"/>
+            </a:pPr>
+            <a:r>
+              <a:rPr lang="en-US" sz="1600" dirty="0"/>
+              <a:t>Of course, these parameters change total reaction time to process </a:t>
+            </a:r>
+            <a:r>
+              <a:rPr lang="en-US" sz="1600"/>
+              <a:t>node failure </a:t>
+            </a:r>
+            <a:r>
+              <a:rPr lang="en-US" sz="1600" dirty="0"/>
+              <a:t>(see page </a:t>
+            </a:r>
+            <a:r>
+              <a:rPr lang="en-US" sz="1600" dirty="0">
+                <a:hlinkClick r:id="rId3" action="ppaction://hlinksldjump"/>
+              </a:rPr>
+              <a:t>#13, 'Node failure processing #4'</a:t>
+            </a:r>
+            <a:r>
+              <a:rPr lang="en-US" sz="1600" dirty="0"/>
+              <a:t>).</a:t>
+            </a:r>
+            <a:endParaRPr lang="ru-RU" sz="1600" dirty="0"/>
           </a:p>
         </p:txBody>
       </p:sp>

--- a/Discovery.pptx
+++ b/Discovery.pptx
@@ -21185,10 +21185,10 @@
           </p:nvGrpSpPr>
           <p:grpSpPr>
             <a:xfrm>
-              <a:off x="649941" y="1798431"/>
-              <a:ext cx="14541094" cy="2870497"/>
-              <a:chOff x="649941" y="1976231"/>
-              <a:chExt cx="14541094" cy="2870497"/>
+              <a:off x="405239" y="1798431"/>
+              <a:ext cx="14785796" cy="2870497"/>
+              <a:chOff x="405239" y="1976231"/>
+              <a:chExt cx="14785796" cy="2870497"/>
             </a:xfrm>
           </p:grpSpPr>
           <p:cxnSp>
@@ -22418,8 +22418,8 @@
             </p:nvSpPr>
             <p:spPr>
               <a:xfrm>
-                <a:off x="649941" y="4036994"/>
-                <a:ext cx="2358540" cy="495300"/>
+                <a:off x="405239" y="4036993"/>
+                <a:ext cx="3329209" cy="662363"/>
               </a:xfrm>
               <a:prstGeom prst="rect">
                 <a:avLst/>
@@ -22446,7 +22446,23 @@
                 </a:pPr>
                 <a:r>
                   <a:rPr lang="en-US" sz="1200" dirty="0"/>
-                  <a:t>Some delay. Equal to ping frequency at most.</a:t>
+                  <a:t>Some delay. Equal to ping frequency at most. In case of this extended configuration ping rate =  ( </a:t>
+                </a:r>
+                <a:r>
+                  <a:rPr lang="en-US" sz="1200" dirty="0" err="1"/>
+                  <a:t>sockTimeout</a:t>
+                </a:r>
+                <a:r>
+                  <a:rPr lang="en-US" sz="1200" dirty="0"/>
+                  <a:t> + </a:t>
+                </a:r>
+                <a:r>
+                  <a:rPr lang="en-US" sz="1200" dirty="0" err="1"/>
+                  <a:t>ackTimeout</a:t>
+                </a:r>
+                <a:r>
+                  <a:rPr lang="en-US" sz="1200" dirty="0"/>
+                  <a:t>) / 3.</a:t>
                 </a:r>
                 <a:endParaRPr sz="1200" dirty="0"/>
               </a:p>

--- a/Discovery.pptx
+++ b/Discovery.pptx
@@ -20767,28 +20767,20 @@
               <a:buNone/>
             </a:pPr>
             <a:r>
+              <a:rPr lang="en-US" sz="1600" dirty="0">
+                <a:solidFill>
+                  <a:schemeClr val="dk1"/>
+                </a:solidFill>
+              </a:rPr>
+              <a:t>Let’s </a:t>
+            </a:r>
+            <a:r>
               <a:rPr lang="en" sz="1600" dirty="0">
                 <a:solidFill>
                   <a:schemeClr val="dk1"/>
                 </a:solidFill>
               </a:rPr>
-              <a:t>To </a:t>
-            </a:r>
-            <a:r>
-              <a:rPr lang="en-US" sz="1600" dirty="0">
-                <a:solidFill>
-                  <a:schemeClr val="dk1"/>
-                </a:solidFill>
-              </a:rPr>
-              <a:t>understand</a:t>
-            </a:r>
-            <a:r>
-              <a:rPr lang="en" sz="1600" dirty="0">
-                <a:solidFill>
-                  <a:schemeClr val="dk1"/>
-                </a:solidFill>
-              </a:rPr>
-              <a:t> how it works, let’s consider two attempts to send message </a:t>
+              <a:t>consider two attempts to send message </a:t>
             </a:r>
             <a:r>
               <a:rPr lang="en" sz="1600" i="1" dirty="0">
@@ -20876,7 +20868,7 @@
         </p:nvSpPr>
         <p:spPr>
           <a:xfrm>
-            <a:off x="177801" y="4543969"/>
+            <a:off x="177801" y="4801549"/>
             <a:ext cx="14857362" cy="2026544"/>
           </a:xfrm>
           <a:prstGeom prst="rect">
@@ -20899,15 +20891,15 @@
             </a:pPr>
             <a:r>
               <a:rPr lang="en-US" sz="1600" dirty="0"/>
-              <a:t>Each attempt to send message accompanies with opening new socket. If failed to create new socket, </a:t>
+              <a:t>Each attempt to send message accompanies with socket reopening. If fails to open socket anew, </a:t>
             </a:r>
             <a:r>
               <a:rPr lang="en-US" sz="1600" u="sng" dirty="0"/>
-              <a:t>no any further reconnection attempt will be repeated</a:t>
+              <a:t>no any further reconnection attempt</a:t>
             </a:r>
             <a:r>
               <a:rPr lang="en-US" sz="1600" dirty="0"/>
-              <a:t> at all!</a:t>
+              <a:t> will be repeated.</a:t>
             </a:r>
           </a:p>
           <a:p>
@@ -20923,11 +20915,19 @@
               <a:buChar char="•"/>
             </a:pPr>
             <a:r>
+              <a:rPr lang="en-US" sz="1600" dirty="0"/>
+              <a:t>If the send </a:t>
+            </a:r>
+            <a:r>
               <a:rPr lang="en-US" sz="1600" u="sng" dirty="0"/>
-              <a:t>If the send error was a timeout</a:t>
-            </a:r>
-            <a:r>
-              <a:rPr lang="en-US" sz="1600" dirty="0"/>
+              <a:t>error was </a:t>
+            </a:r>
+            <a:r>
+              <a:rPr lang="en-US" sz="1600" u="sng"/>
+              <a:t>a timeout</a:t>
+            </a:r>
+            <a:r>
+              <a:rPr lang="en-US" sz="1600"/>
               <a:t>, </a:t>
             </a:r>
             <a:r>
@@ -20936,19 +20936,7 @@
             </a:r>
             <a:r>
               <a:rPr lang="en-US" sz="1600" dirty="0"/>
-              <a:t> is increased twice after each unsuccessful attempt (the max. value is </a:t>
-            </a:r>
-            <a:r>
-              <a:rPr lang="en-US" sz="1600" i="1" dirty="0" err="1"/>
-              <a:t>maxAckTimeout</a:t>
-            </a:r>
-            <a:r>
-              <a:rPr lang="en-US" sz="1600" i="1" dirty="0"/>
-              <a:t>)</a:t>
-            </a:r>
-            <a:r>
-              <a:rPr lang="en-US" sz="1600" dirty="0"/>
-              <a:t>.</a:t>
+              <a:t> is increased twice after each unsuccessful attempt.</a:t>
             </a:r>
           </a:p>
           <a:p>
@@ -20970,11 +20958,23 @@
             </a:pPr>
             <a:r>
               <a:rPr lang="en" sz="1600" dirty="0"/>
-              <a:t>Attempts to send message works until: reconnect number </a:t>
+              <a:t>Attempts to send message </a:t>
             </a:r>
             <a:r>
               <a:rPr lang="en" sz="1600" u="sng" dirty="0"/>
-              <a:t>reaches</a:t>
+              <a:t>continue until</a:t>
+            </a:r>
+            <a:r>
+              <a:rPr lang="en" sz="1600" dirty="0"/>
+              <a:t>: reconnect number reaches </a:t>
+            </a:r>
+            <a:r>
+              <a:rPr lang="en" sz="1600" i="1" dirty="0" err="1"/>
+              <a:t>reconnectCount</a:t>
+            </a:r>
+            <a:r>
+              <a:rPr lang="en" sz="1600" i="1" dirty="0"/>
+              <a:t>,</a:t>
             </a:r>
             <a:r>
               <a:rPr lang="en" sz="1600" dirty="0"/>
@@ -20982,34 +20982,22 @@
             </a:r>
             <a:r>
               <a:rPr lang="en" sz="1600" i="1" dirty="0" err="1"/>
-              <a:t>reconnectCount</a:t>
-            </a:r>
-            <a:r>
-              <a:rPr lang="en" sz="1600" i="1" dirty="0"/>
-              <a:t>,</a:t>
+              <a:t>ackTimeout</a:t>
             </a:r>
             <a:r>
               <a:rPr lang="en" sz="1600" dirty="0"/>
               <a:t> </a:t>
             </a:r>
             <a:r>
-              <a:rPr lang="en" sz="1600" i="1" dirty="0" err="1"/>
-              <a:t>ackTimeout</a:t>
+              <a:rPr lang="en-US" sz="1600" dirty="0"/>
+              <a:t>overtakes</a:t>
             </a:r>
             <a:r>
               <a:rPr lang="en" sz="1600" dirty="0"/>
               <a:t> </a:t>
             </a:r>
             <a:r>
-              <a:rPr lang="en-US" sz="1600" u="sng" dirty="0"/>
-              <a:t>overtakes</a:t>
-            </a:r>
-            <a:r>
-              <a:rPr lang="en" sz="1600" u="sng" dirty="0"/>
-              <a:t> </a:t>
-            </a:r>
-            <a:r>
-              <a:rPr lang="en" sz="1600" i="1" u="sng" dirty="0" err="1"/>
+              <a:rPr lang="en" sz="1600" i="1" dirty="0" err="1"/>
               <a:t>maxAckTimeout</a:t>
             </a:r>
             <a:r>
@@ -21041,7 +21029,7 @@
             </a:r>
             <a:r>
               <a:rPr lang="en" sz="1600" dirty="0"/>
-              <a:t> (*): opening socket can theoretically take up to 2 * </a:t>
+              <a:t> (*). Recreating socket can take up to 2 * </a:t>
             </a:r>
             <a:r>
               <a:rPr lang="en" sz="1600" i="1" dirty="0" err="1"/>
@@ -21049,7 +21037,7 @@
             </a:r>
             <a:r>
               <a:rPr lang="en" sz="1600" i="1" dirty="0"/>
-              <a:t>!</a:t>
+              <a:t>:</a:t>
             </a:r>
             <a:endParaRPr lang="en" sz="1600" dirty="0"/>
           </a:p>
@@ -21095,10 +21083,10 @@
       </p:sp>
       <p:grpSp>
         <p:nvGrpSpPr>
-          <p:cNvPr id="13" name="Group 12">
+          <p:cNvPr id="5" name="Group 4">
             <a:extLst>
               <a:ext uri="{FF2B5EF4-FFF2-40B4-BE49-F238E27FC236}">
-                <a16:creationId xmlns:a16="http://schemas.microsoft.com/office/drawing/2014/main" id="{2D39D945-632B-4646-B470-EF563882DA67}"/>
+                <a16:creationId xmlns:a16="http://schemas.microsoft.com/office/drawing/2014/main" id="{D0C6586A-8883-D949-B284-69998CCB97C6}"/>
               </a:ext>
             </a:extLst>
           </p:cNvPr>
@@ -21107,10 +21095,10 @@
         </p:nvGrpSpPr>
         <p:grpSpPr>
           <a:xfrm>
-            <a:off x="16198" y="1673207"/>
-            <a:ext cx="15175261" cy="2870497"/>
-            <a:chOff x="15774" y="1798431"/>
-            <a:chExt cx="15175261" cy="2870497"/>
+            <a:off x="16198" y="1969203"/>
+            <a:ext cx="15152598" cy="2512646"/>
+            <a:chOff x="16198" y="1866171"/>
+            <a:chExt cx="15152598" cy="2512646"/>
           </a:xfrm>
         </p:grpSpPr>
         <p:sp>
@@ -21121,8 +21109,8 @@
           </p:nvSpPr>
           <p:spPr>
             <a:xfrm>
-              <a:off x="15774" y="2438384"/>
-              <a:ext cx="1377300" cy="495300"/>
+              <a:off x="16198" y="2318961"/>
+              <a:ext cx="1377300" cy="499790"/>
             </a:xfrm>
             <a:prstGeom prst="rect">
               <a:avLst/>
@@ -21171,12 +21159,713 @@
             </a:p>
           </p:txBody>
         </p:sp>
+        <p:cxnSp>
+          <p:nvCxnSpPr>
+            <p:cNvPr id="498" name="Google Shape;498;p28"/>
+            <p:cNvCxnSpPr/>
+            <p:nvPr/>
+          </p:nvCxnSpPr>
+          <p:spPr>
+            <a:xfrm>
+              <a:off x="788910" y="2801307"/>
+              <a:ext cx="384900" cy="264880"/>
+            </a:xfrm>
+            <a:prstGeom prst="straightConnector1">
+              <a:avLst/>
+            </a:prstGeom>
+            <a:noFill/>
+            <a:ln w="9525" cap="flat" cmpd="sng">
+              <a:solidFill>
+                <a:srgbClr val="000000"/>
+              </a:solidFill>
+              <a:prstDash val="solid"/>
+              <a:round/>
+              <a:headEnd type="none" w="med" len="med"/>
+              <a:tailEnd type="triangle" w="med" len="med"/>
+            </a:ln>
+          </p:spPr>
+        </p:cxnSp>
+        <p:cxnSp>
+          <p:nvCxnSpPr>
+            <p:cNvPr id="499" name="Google Shape;499;p28"/>
+            <p:cNvCxnSpPr/>
+            <p:nvPr/>
+          </p:nvCxnSpPr>
+          <p:spPr>
+            <a:xfrm flipH="1">
+              <a:off x="7048147" y="2422037"/>
+              <a:ext cx="6300" cy="555793"/>
+            </a:xfrm>
+            <a:prstGeom prst="straightConnector1">
+              <a:avLst/>
+            </a:prstGeom>
+            <a:noFill/>
+            <a:ln w="9525" cap="flat" cmpd="sng">
+              <a:solidFill>
+                <a:srgbClr val="000000"/>
+              </a:solidFill>
+              <a:prstDash val="solid"/>
+              <a:round/>
+              <a:headEnd type="none" w="med" len="med"/>
+              <a:tailEnd type="triangle" w="med" len="med"/>
+            </a:ln>
+          </p:spPr>
+        </p:cxnSp>
+        <p:cxnSp>
+          <p:nvCxnSpPr>
+            <p:cNvPr id="501" name="Google Shape;501;p28"/>
+            <p:cNvCxnSpPr/>
+            <p:nvPr/>
+          </p:nvCxnSpPr>
+          <p:spPr>
+            <a:xfrm>
+              <a:off x="1345747" y="3097404"/>
+              <a:ext cx="5704500" cy="0"/>
+            </a:xfrm>
+            <a:prstGeom prst="straightConnector1">
+              <a:avLst/>
+            </a:prstGeom>
+            <a:noFill/>
+            <a:ln w="19050" cap="flat" cmpd="sng">
+              <a:solidFill>
+                <a:srgbClr val="000000"/>
+              </a:solidFill>
+              <a:prstDash val="solid"/>
+              <a:round/>
+              <a:headEnd type="oval" w="med" len="med"/>
+              <a:tailEnd type="oval" w="med" len="med"/>
+            </a:ln>
+          </p:spPr>
+        </p:cxnSp>
+        <p:cxnSp>
+          <p:nvCxnSpPr>
+            <p:cNvPr id="502" name="Google Shape;502;p28"/>
+            <p:cNvCxnSpPr/>
+            <p:nvPr/>
+          </p:nvCxnSpPr>
+          <p:spPr>
+            <a:xfrm>
+              <a:off x="2123197" y="2268256"/>
+              <a:ext cx="4200" cy="718353"/>
+            </a:xfrm>
+            <a:prstGeom prst="straightConnector1">
+              <a:avLst/>
+            </a:prstGeom>
+            <a:noFill/>
+            <a:ln w="9525" cap="flat" cmpd="sng">
+              <a:solidFill>
+                <a:srgbClr val="000000"/>
+              </a:solidFill>
+              <a:prstDash val="solid"/>
+              <a:round/>
+              <a:headEnd type="none" w="med" len="med"/>
+              <a:tailEnd type="triangle" w="med" len="med"/>
+            </a:ln>
+          </p:spPr>
+        </p:cxnSp>
+        <p:cxnSp>
+          <p:nvCxnSpPr>
+            <p:cNvPr id="504" name="Google Shape;504;p28"/>
+            <p:cNvCxnSpPr/>
+            <p:nvPr/>
+          </p:nvCxnSpPr>
+          <p:spPr>
+            <a:xfrm rot="10800000">
+              <a:off x="6063485" y="2312680"/>
+              <a:ext cx="663600" cy="9082"/>
+            </a:xfrm>
+            <a:prstGeom prst="straightConnector1">
+              <a:avLst/>
+            </a:prstGeom>
+            <a:noFill/>
+            <a:ln w="9525" cap="flat" cmpd="sng">
+              <a:solidFill>
+                <a:srgbClr val="000000"/>
+              </a:solidFill>
+              <a:prstDash val="solid"/>
+              <a:round/>
+              <a:headEnd type="none" w="med" len="med"/>
+              <a:tailEnd type="stealth" w="med" len="med"/>
+            </a:ln>
+          </p:spPr>
+        </p:cxnSp>
+        <p:sp>
+          <p:nvSpPr>
+            <p:cNvPr id="508" name="Google Shape;508;p28"/>
+            <p:cNvSpPr/>
+            <p:nvPr/>
+          </p:nvSpPr>
+          <p:spPr>
+            <a:xfrm>
+              <a:off x="1410672" y="1866171"/>
+              <a:ext cx="623100" cy="624813"/>
+            </a:xfrm>
+            <a:prstGeom prst="ellipse">
+              <a:avLst/>
+            </a:prstGeom>
+            <a:solidFill>
+              <a:srgbClr val="CFE2F3"/>
+            </a:solidFill>
+            <a:ln w="9525" cap="flat" cmpd="sng">
+              <a:solidFill>
+                <a:srgbClr val="000000"/>
+              </a:solidFill>
+              <a:prstDash val="solid"/>
+              <a:round/>
+              <a:headEnd type="none" w="sm" len="sm"/>
+              <a:tailEnd type="none" w="sm" len="sm"/>
+            </a:ln>
+          </p:spPr>
+          <p:txBody>
+            <a:bodyPr spcFirstLastPara="1" wrap="square" lIns="140875" tIns="140875" rIns="140875" bIns="140875" anchor="ctr" anchorCtr="0">
+              <a:noAutofit/>
+            </a:bodyPr>
+            <a:lstStyle/>
+            <a:p>
+              <a:pPr marL="0" lvl="0" indent="0" algn="ctr" rtl="0">
+                <a:spcBef>
+                  <a:spcPts val="0"/>
+                </a:spcBef>
+                <a:spcAft>
+                  <a:spcPts val="0"/>
+                </a:spcAft>
+                <a:buNone/>
+              </a:pPr>
+              <a:endParaRPr/>
+            </a:p>
+          </p:txBody>
+        </p:sp>
+        <p:sp>
+          <p:nvSpPr>
+            <p:cNvPr id="509" name="Google Shape;509;p28"/>
+            <p:cNvSpPr/>
+            <p:nvPr/>
+          </p:nvSpPr>
+          <p:spPr>
+            <a:xfrm>
+              <a:off x="1887849" y="1958473"/>
+              <a:ext cx="546900" cy="228251"/>
+            </a:xfrm>
+            <a:prstGeom prst="rect">
+              <a:avLst/>
+            </a:prstGeom>
+            <a:solidFill>
+              <a:srgbClr val="CFE2F3"/>
+            </a:solidFill>
+            <a:ln w="9525" cap="flat" cmpd="sng">
+              <a:solidFill>
+                <a:srgbClr val="000000"/>
+              </a:solidFill>
+              <a:prstDash val="solid"/>
+              <a:round/>
+              <a:headEnd type="none" w="sm" len="sm"/>
+              <a:tailEnd type="none" w="sm" len="sm"/>
+            </a:ln>
+          </p:spPr>
+          <p:txBody>
+            <a:bodyPr spcFirstLastPara="1" wrap="square" lIns="91425" tIns="91425" rIns="91425" bIns="91425" anchor="ctr" anchorCtr="0">
+              <a:noAutofit/>
+            </a:bodyPr>
+            <a:lstStyle/>
+            <a:p>
+              <a:pPr marL="0" lvl="0" indent="0" algn="l" rtl="0">
+                <a:spcBef>
+                  <a:spcPts val="0"/>
+                </a:spcBef>
+                <a:spcAft>
+                  <a:spcPts val="0"/>
+                </a:spcAft>
+                <a:buNone/>
+              </a:pPr>
+              <a:r>
+                <a:rPr lang="en"/>
+                <a:t>Msg</a:t>
+              </a:r>
+              <a:endParaRPr/>
+            </a:p>
+          </p:txBody>
+        </p:sp>
+        <p:cxnSp>
+          <p:nvCxnSpPr>
+            <p:cNvPr id="510" name="Google Shape;510;p28"/>
+            <p:cNvCxnSpPr>
+              <a:stCxn id="509" idx="3"/>
+            </p:cNvCxnSpPr>
+            <p:nvPr/>
+          </p:nvCxnSpPr>
+          <p:spPr>
+            <a:xfrm>
+              <a:off x="2434749" y="2072598"/>
+              <a:ext cx="1143600" cy="0"/>
+            </a:xfrm>
+            <a:prstGeom prst="straightConnector1">
+              <a:avLst/>
+            </a:prstGeom>
+            <a:noFill/>
+            <a:ln w="9525" cap="flat" cmpd="sng">
+              <a:solidFill>
+                <a:srgbClr val="000000"/>
+              </a:solidFill>
+              <a:prstDash val="solid"/>
+              <a:round/>
+              <a:headEnd type="none" w="med" len="med"/>
+              <a:tailEnd type="stealth" w="med" len="med"/>
+            </a:ln>
+          </p:spPr>
+        </p:cxnSp>
+        <p:sp>
+          <p:nvSpPr>
+            <p:cNvPr id="512" name="Google Shape;512;p28"/>
+            <p:cNvSpPr txBox="1"/>
+            <p:nvPr/>
+          </p:nvSpPr>
+          <p:spPr>
+            <a:xfrm>
+              <a:off x="2106572" y="2467369"/>
+              <a:ext cx="2540400" cy="364172"/>
+            </a:xfrm>
+            <a:prstGeom prst="rect">
+              <a:avLst/>
+            </a:prstGeom>
+            <a:noFill/>
+            <a:ln>
+              <a:noFill/>
+            </a:ln>
+          </p:spPr>
+          <p:txBody>
+            <a:bodyPr spcFirstLastPara="1" wrap="square" lIns="91425" tIns="91425" rIns="91425" bIns="91425" anchor="t" anchorCtr="0">
+              <a:noAutofit/>
+            </a:bodyPr>
+            <a:lstStyle/>
+            <a:p>
+              <a:pPr marL="0" lvl="0" indent="0" algn="l" rtl="0">
+                <a:spcBef>
+                  <a:spcPts val="0"/>
+                </a:spcBef>
+                <a:spcAft>
+                  <a:spcPts val="0"/>
+                </a:spcAft>
+                <a:buNone/>
+              </a:pPr>
+              <a:r>
+                <a:rPr lang="en" sz="1200" dirty="0" err="1"/>
+                <a:t>socket.write</a:t>
+              </a:r>
+              <a:r>
+                <a:rPr lang="en" sz="1200" dirty="0"/>
+                <a:t>(</a:t>
+              </a:r>
+              <a:r>
+                <a:rPr lang="en" sz="1200" dirty="0" err="1"/>
+                <a:t>msg</a:t>
+              </a:r>
+              <a:r>
+                <a:rPr lang="en" sz="1200" dirty="0"/>
+                <a:t>, </a:t>
+              </a:r>
+              <a:r>
+                <a:rPr lang="en" sz="1200" dirty="0" err="1"/>
+                <a:t>socketTimeout</a:t>
+              </a:r>
+              <a:r>
+                <a:rPr lang="en" sz="1200" dirty="0"/>
+                <a:t>)</a:t>
+              </a:r>
+              <a:endParaRPr sz="1200" dirty="0"/>
+            </a:p>
+          </p:txBody>
+        </p:sp>
+        <p:sp>
+          <p:nvSpPr>
+            <p:cNvPr id="513" name="Google Shape;513;p28"/>
+            <p:cNvSpPr txBox="1"/>
+            <p:nvPr/>
+          </p:nvSpPr>
+          <p:spPr>
+            <a:xfrm>
+              <a:off x="4769072" y="2478558"/>
+              <a:ext cx="2453100" cy="364172"/>
+            </a:xfrm>
+            <a:prstGeom prst="rect">
+              <a:avLst/>
+            </a:prstGeom>
+            <a:noFill/>
+            <a:ln>
+              <a:noFill/>
+            </a:ln>
+          </p:spPr>
+          <p:txBody>
+            <a:bodyPr spcFirstLastPara="1" wrap="square" lIns="91425" tIns="91425" rIns="91425" bIns="91425" anchor="t" anchorCtr="0">
+              <a:noAutofit/>
+            </a:bodyPr>
+            <a:lstStyle/>
+            <a:p>
+              <a:pPr marL="0" lvl="0" indent="0" algn="l" rtl="0">
+                <a:spcBef>
+                  <a:spcPts val="0"/>
+                </a:spcBef>
+                <a:spcAft>
+                  <a:spcPts val="0"/>
+                </a:spcAft>
+                <a:buNone/>
+              </a:pPr>
+              <a:r>
+                <a:rPr lang="en" sz="1200" dirty="0" err="1"/>
+                <a:t>isOk</a:t>
+              </a:r>
+              <a:r>
+                <a:rPr lang="en" sz="1200" dirty="0"/>
+                <a:t> = </a:t>
+              </a:r>
+              <a:r>
+                <a:rPr lang="en" sz="1200" dirty="0" err="1"/>
+                <a:t>socket.read</a:t>
+              </a:r>
+              <a:r>
+                <a:rPr lang="en" sz="1200" dirty="0"/>
+                <a:t>(</a:t>
+              </a:r>
+              <a:r>
+                <a:rPr lang="en" sz="1200" dirty="0" err="1"/>
+                <a:t>ackTimeout</a:t>
+              </a:r>
+              <a:r>
+                <a:rPr lang="en" sz="1200" dirty="0"/>
+                <a:t>)</a:t>
+              </a:r>
+              <a:endParaRPr sz="1200" dirty="0"/>
+            </a:p>
+          </p:txBody>
+        </p:sp>
+        <p:sp>
+          <p:nvSpPr>
+            <p:cNvPr id="514" name="Google Shape;514;p28"/>
+            <p:cNvSpPr/>
+            <p:nvPr/>
+          </p:nvSpPr>
+          <p:spPr>
+            <a:xfrm>
+              <a:off x="2083897" y="3058782"/>
+              <a:ext cx="82800" cy="83551"/>
+            </a:xfrm>
+            <a:prstGeom prst="ellipse">
+              <a:avLst/>
+            </a:prstGeom>
+            <a:solidFill>
+              <a:srgbClr val="000000"/>
+            </a:solidFill>
+            <a:ln w="9525" cap="flat" cmpd="sng">
+              <a:solidFill>
+                <a:schemeClr val="dk2"/>
+              </a:solidFill>
+              <a:prstDash val="solid"/>
+              <a:round/>
+              <a:headEnd type="none" w="sm" len="sm"/>
+              <a:tailEnd type="none" w="sm" len="sm"/>
+            </a:ln>
+          </p:spPr>
+          <p:txBody>
+            <a:bodyPr spcFirstLastPara="1" wrap="square" lIns="91425" tIns="91425" rIns="91425" bIns="91425" anchor="ctr" anchorCtr="0">
+              <a:noAutofit/>
+            </a:bodyPr>
+            <a:lstStyle/>
+            <a:p>
+              <a:pPr marL="0" lvl="0" indent="0" algn="l" rtl="0">
+                <a:spcBef>
+                  <a:spcPts val="0"/>
+                </a:spcBef>
+                <a:spcAft>
+                  <a:spcPts val="0"/>
+                </a:spcAft>
+                <a:buNone/>
+              </a:pPr>
+              <a:endParaRPr/>
+            </a:p>
+          </p:txBody>
+        </p:sp>
+        <p:sp>
+          <p:nvSpPr>
+            <p:cNvPr id="515" name="Google Shape;515;p28"/>
+            <p:cNvSpPr/>
+            <p:nvPr/>
+          </p:nvSpPr>
+          <p:spPr>
+            <a:xfrm>
+              <a:off x="4636597" y="3055629"/>
+              <a:ext cx="82800" cy="83551"/>
+            </a:xfrm>
+            <a:prstGeom prst="ellipse">
+              <a:avLst/>
+            </a:prstGeom>
+            <a:solidFill>
+              <a:srgbClr val="000000"/>
+            </a:solidFill>
+            <a:ln w="9525" cap="flat" cmpd="sng">
+              <a:solidFill>
+                <a:schemeClr val="dk2"/>
+              </a:solidFill>
+              <a:prstDash val="solid"/>
+              <a:round/>
+              <a:headEnd type="none" w="sm" len="sm"/>
+              <a:tailEnd type="none" w="sm" len="sm"/>
+            </a:ln>
+          </p:spPr>
+          <p:txBody>
+            <a:bodyPr spcFirstLastPara="1" wrap="square" lIns="91425" tIns="91425" rIns="91425" bIns="91425" anchor="ctr" anchorCtr="0">
+              <a:noAutofit/>
+            </a:bodyPr>
+            <a:lstStyle/>
+            <a:p>
+              <a:pPr marL="0" lvl="0" indent="0" algn="l" rtl="0">
+                <a:spcBef>
+                  <a:spcPts val="0"/>
+                </a:spcBef>
+                <a:spcAft>
+                  <a:spcPts val="0"/>
+                </a:spcAft>
+                <a:buNone/>
+              </a:pPr>
+              <a:endParaRPr/>
+            </a:p>
+          </p:txBody>
+        </p:sp>
+        <p:sp>
+          <p:nvSpPr>
+            <p:cNvPr id="516" name="Google Shape;516;p28"/>
+            <p:cNvSpPr/>
+            <p:nvPr/>
+          </p:nvSpPr>
+          <p:spPr>
+            <a:xfrm>
+              <a:off x="2209922" y="2873186"/>
+              <a:ext cx="2446363" cy="189679"/>
+            </a:xfrm>
+            <a:prstGeom prst="arc">
+              <a:avLst>
+                <a:gd name="adj1" fmla="val 10794153"/>
+                <a:gd name="adj2" fmla="val 0"/>
+              </a:avLst>
+            </a:prstGeom>
+            <a:noFill/>
+            <a:ln w="12700" cap="flat" cmpd="sng">
+              <a:solidFill>
+                <a:schemeClr val="dk2"/>
+              </a:solidFill>
+              <a:prstDash val="solid"/>
+              <a:round/>
+              <a:headEnd type="none" w="sm" len="sm"/>
+              <a:tailEnd type="stealth" w="sm" len="sm"/>
+            </a:ln>
+          </p:spPr>
+          <p:txBody>
+            <a:bodyPr spcFirstLastPara="1" wrap="square" lIns="91425" tIns="91425" rIns="91425" bIns="91425" anchor="ctr" anchorCtr="0">
+              <a:noAutofit/>
+            </a:bodyPr>
+            <a:lstStyle/>
+            <a:p>
+              <a:pPr marL="0" lvl="0" indent="0" algn="l" rtl="0">
+                <a:spcBef>
+                  <a:spcPts val="0"/>
+                </a:spcBef>
+                <a:spcAft>
+                  <a:spcPts val="0"/>
+                </a:spcAft>
+                <a:buNone/>
+              </a:pPr>
+              <a:endParaRPr/>
+            </a:p>
+          </p:txBody>
+        </p:sp>
+        <p:sp>
+          <p:nvSpPr>
+            <p:cNvPr id="517" name="Google Shape;517;p28"/>
+            <p:cNvSpPr/>
+            <p:nvPr/>
+          </p:nvSpPr>
+          <p:spPr>
+            <a:xfrm>
+              <a:off x="4781372" y="2842729"/>
+              <a:ext cx="2213475" cy="254674"/>
+            </a:xfrm>
+            <a:prstGeom prst="arc">
+              <a:avLst>
+                <a:gd name="adj1" fmla="val 10794153"/>
+                <a:gd name="adj2" fmla="val 0"/>
+              </a:avLst>
+            </a:prstGeom>
+            <a:noFill/>
+            <a:ln w="12700" cap="flat" cmpd="sng">
+              <a:solidFill>
+                <a:schemeClr val="dk2"/>
+              </a:solidFill>
+              <a:prstDash val="solid"/>
+              <a:round/>
+              <a:headEnd type="none" w="sm" len="sm"/>
+              <a:tailEnd type="stealth" w="sm" len="sm"/>
+            </a:ln>
+          </p:spPr>
+          <p:txBody>
+            <a:bodyPr spcFirstLastPara="1" wrap="square" lIns="91425" tIns="91425" rIns="91425" bIns="91425" anchor="ctr" anchorCtr="0">
+              <a:noAutofit/>
+            </a:bodyPr>
+            <a:lstStyle/>
+            <a:p>
+              <a:pPr marL="0" lvl="0" indent="0" algn="l" rtl="0">
+                <a:spcBef>
+                  <a:spcPts val="0"/>
+                </a:spcBef>
+                <a:spcAft>
+                  <a:spcPts val="0"/>
+                </a:spcAft>
+                <a:buNone/>
+              </a:pPr>
+              <a:endParaRPr/>
+            </a:p>
+          </p:txBody>
+        </p:sp>
+        <p:sp>
+          <p:nvSpPr>
+            <p:cNvPr id="30" name="Google Shape;532;p28">
+              <a:extLst>
+                <a:ext uri="{FF2B5EF4-FFF2-40B4-BE49-F238E27FC236}">
+                  <a16:creationId xmlns:a16="http://schemas.microsoft.com/office/drawing/2014/main" id="{17AC06AE-8EB5-F442-B00E-901E7B59115D}"/>
+                </a:ext>
+              </a:extLst>
+            </p:cNvPr>
+            <p:cNvSpPr txBox="1"/>
+            <p:nvPr/>
+          </p:nvSpPr>
+          <p:spPr>
+            <a:xfrm>
+              <a:off x="3450372" y="3328362"/>
+              <a:ext cx="2113650" cy="489985"/>
+            </a:xfrm>
+            <a:prstGeom prst="rect">
+              <a:avLst/>
+            </a:prstGeom>
+            <a:noFill/>
+            <a:ln>
+              <a:noFill/>
+            </a:ln>
+          </p:spPr>
+          <p:txBody>
+            <a:bodyPr spcFirstLastPara="1" wrap="square" lIns="91425" tIns="91425" rIns="91425" bIns="91425" anchor="t" anchorCtr="0">
+              <a:noAutofit/>
+            </a:bodyPr>
+            <a:lstStyle/>
+            <a:p>
+              <a:r>
+                <a:rPr lang="en-US" dirty="0"/>
+                <a:t>Attempt #1</a:t>
+              </a:r>
+              <a:endParaRPr dirty="0"/>
+            </a:p>
+          </p:txBody>
+        </p:sp>
+        <p:cxnSp>
+          <p:nvCxnSpPr>
+            <p:cNvPr id="53" name="Google Shape;499;p28">
+              <a:extLst>
+                <a:ext uri="{FF2B5EF4-FFF2-40B4-BE49-F238E27FC236}">
+                  <a16:creationId xmlns:a16="http://schemas.microsoft.com/office/drawing/2014/main" id="{24260B85-22D0-0440-A09C-E0CF4ED9F317}"/>
+                </a:ext>
+              </a:extLst>
+            </p:cNvPr>
+            <p:cNvCxnSpPr/>
+            <p:nvPr/>
+          </p:nvCxnSpPr>
+          <p:spPr>
+            <a:xfrm flipH="1">
+              <a:off x="14859946" y="2455223"/>
+              <a:ext cx="6300" cy="555793"/>
+            </a:xfrm>
+            <a:prstGeom prst="straightConnector1">
+              <a:avLst/>
+            </a:prstGeom>
+            <a:noFill/>
+            <a:ln w="9525" cap="flat" cmpd="sng">
+              <a:solidFill>
+                <a:srgbClr val="000000"/>
+              </a:solidFill>
+              <a:prstDash val="solid"/>
+              <a:round/>
+              <a:headEnd type="none" w="med" len="med"/>
+              <a:tailEnd type="triangle" w="med" len="med"/>
+            </a:ln>
+          </p:spPr>
+        </p:cxnSp>
+        <p:cxnSp>
+          <p:nvCxnSpPr>
+            <p:cNvPr id="55" name="Google Shape;501;p28">
+              <a:extLst>
+                <a:ext uri="{FF2B5EF4-FFF2-40B4-BE49-F238E27FC236}">
+                  <a16:creationId xmlns:a16="http://schemas.microsoft.com/office/drawing/2014/main" id="{2FCC07D7-6946-0545-B412-E7FE9531E9A0}"/>
+                </a:ext>
+              </a:extLst>
+            </p:cNvPr>
+            <p:cNvCxnSpPr>
+              <a:cxnSpLocks/>
+            </p:cNvCxnSpPr>
+            <p:nvPr/>
+          </p:nvCxnSpPr>
+          <p:spPr>
+            <a:xfrm>
+              <a:off x="8395546" y="3130590"/>
+              <a:ext cx="6430664" cy="51411"/>
+            </a:xfrm>
+            <a:prstGeom prst="straightConnector1">
+              <a:avLst/>
+            </a:prstGeom>
+            <a:noFill/>
+            <a:ln w="19050" cap="flat" cmpd="sng">
+              <a:solidFill>
+                <a:srgbClr val="000000"/>
+              </a:solidFill>
+              <a:prstDash val="solid"/>
+              <a:round/>
+              <a:headEnd type="oval" w="med" len="med"/>
+              <a:tailEnd type="oval" w="med" len="med"/>
+            </a:ln>
+          </p:spPr>
+        </p:cxnSp>
+        <p:cxnSp>
+          <p:nvCxnSpPr>
+            <p:cNvPr id="56" name="Google Shape;502;p28">
+              <a:extLst>
+                <a:ext uri="{FF2B5EF4-FFF2-40B4-BE49-F238E27FC236}">
+                  <a16:creationId xmlns:a16="http://schemas.microsoft.com/office/drawing/2014/main" id="{F0E98DAE-8105-0742-B7D0-B5D04DE3CE40}"/>
+                </a:ext>
+              </a:extLst>
+            </p:cNvPr>
+            <p:cNvCxnSpPr/>
+            <p:nvPr/>
+          </p:nvCxnSpPr>
+          <p:spPr>
+            <a:xfrm>
+              <a:off x="8398296" y="2301442"/>
+              <a:ext cx="4200" cy="718353"/>
+            </a:xfrm>
+            <a:prstGeom prst="straightConnector1">
+              <a:avLst/>
+            </a:prstGeom>
+            <a:noFill/>
+            <a:ln w="9525" cap="flat" cmpd="sng">
+              <a:solidFill>
+                <a:srgbClr val="000000"/>
+              </a:solidFill>
+              <a:prstDash val="solid"/>
+              <a:round/>
+              <a:headEnd type="none" w="med" len="med"/>
+              <a:tailEnd type="triangle" w="med" len="med"/>
+            </a:ln>
+          </p:spPr>
+        </p:cxnSp>
         <p:grpSp>
           <p:nvGrpSpPr>
-            <p:cNvPr id="12" name="Group 11">
+            <p:cNvPr id="59" name="Google Shape;507;p28">
               <a:extLst>
                 <a:ext uri="{FF2B5EF4-FFF2-40B4-BE49-F238E27FC236}">
-                  <a16:creationId xmlns:a16="http://schemas.microsoft.com/office/drawing/2014/main" id="{45E19507-7C69-9E47-B9C1-398A66EC662A}"/>
+                  <a16:creationId xmlns:a16="http://schemas.microsoft.com/office/drawing/2014/main" id="{E369030C-8FFD-D94A-940E-4718AAA5801F}"/>
                 </a:ext>
               </a:extLst>
             </p:cNvPr>
@@ -21185,151 +21874,27 @@
           </p:nvGrpSpPr>
           <p:grpSpPr>
             <a:xfrm>
-              <a:off x="405239" y="1798431"/>
-              <a:ext cx="14785796" cy="2870497"/>
-              <a:chOff x="405239" y="1976231"/>
-              <a:chExt cx="14785796" cy="2870497"/>
+              <a:off x="7711481" y="1885265"/>
+              <a:ext cx="2140952" cy="624813"/>
+              <a:chOff x="2121550" y="1753875"/>
+              <a:chExt cx="2140952" cy="619200"/>
             </a:xfrm>
           </p:grpSpPr>
-          <p:cxnSp>
-            <p:nvCxnSpPr>
-              <p:cNvPr id="498" name="Google Shape;498;p28"/>
-              <p:cNvCxnSpPr/>
-              <p:nvPr/>
-            </p:nvCxnSpPr>
-            <p:spPr>
-              <a:xfrm>
-                <a:off x="788486" y="3094197"/>
-                <a:ext cx="384900" cy="262500"/>
-              </a:xfrm>
-              <a:prstGeom prst="straightConnector1">
-                <a:avLst/>
-              </a:prstGeom>
-              <a:noFill/>
-              <a:ln w="9525" cap="flat" cmpd="sng">
-                <a:solidFill>
-                  <a:srgbClr val="000000"/>
-                </a:solidFill>
-                <a:prstDash val="solid"/>
-                <a:round/>
-                <a:headEnd type="none" w="med" len="med"/>
-                <a:tailEnd type="triangle" w="med" len="med"/>
-              </a:ln>
-            </p:spPr>
-          </p:cxnSp>
-          <p:cxnSp>
-            <p:nvCxnSpPr>
-              <p:cNvPr id="499" name="Google Shape;499;p28"/>
-              <p:cNvCxnSpPr/>
-              <p:nvPr/>
-            </p:nvCxnSpPr>
-            <p:spPr>
-              <a:xfrm flipH="1">
-                <a:off x="7047723" y="2718334"/>
-                <a:ext cx="6300" cy="550800"/>
-              </a:xfrm>
-              <a:prstGeom prst="straightConnector1">
-                <a:avLst/>
-              </a:prstGeom>
-              <a:noFill/>
-              <a:ln w="9525" cap="flat" cmpd="sng">
-                <a:solidFill>
-                  <a:srgbClr val="000000"/>
-                </a:solidFill>
-                <a:prstDash val="solid"/>
-                <a:round/>
-                <a:headEnd type="none" w="med" len="med"/>
-                <a:tailEnd type="triangle" w="med" len="med"/>
-              </a:ln>
-            </p:spPr>
-          </p:cxnSp>
-          <p:cxnSp>
-            <p:nvCxnSpPr>
-              <p:cNvPr id="501" name="Google Shape;501;p28"/>
-              <p:cNvCxnSpPr/>
-              <p:nvPr/>
-            </p:nvCxnSpPr>
-            <p:spPr>
-              <a:xfrm>
-                <a:off x="1345323" y="3387634"/>
-                <a:ext cx="5704500" cy="0"/>
-              </a:xfrm>
-              <a:prstGeom prst="straightConnector1">
-                <a:avLst/>
-              </a:prstGeom>
-              <a:noFill/>
-              <a:ln w="19050" cap="flat" cmpd="sng">
-                <a:solidFill>
-                  <a:srgbClr val="000000"/>
-                </a:solidFill>
-                <a:prstDash val="solid"/>
-                <a:round/>
-                <a:headEnd type="oval" w="med" len="med"/>
-                <a:tailEnd type="oval" w="med" len="med"/>
-              </a:ln>
-            </p:spPr>
-          </p:cxnSp>
-          <p:cxnSp>
-            <p:nvCxnSpPr>
-              <p:cNvPr id="502" name="Google Shape;502;p28"/>
-              <p:cNvCxnSpPr/>
-              <p:nvPr/>
-            </p:nvCxnSpPr>
-            <p:spPr>
-              <a:xfrm>
-                <a:off x="2122773" y="2565934"/>
-                <a:ext cx="4200" cy="711900"/>
-              </a:xfrm>
-              <a:prstGeom prst="straightConnector1">
-                <a:avLst/>
-              </a:prstGeom>
-              <a:noFill/>
-              <a:ln w="9525" cap="flat" cmpd="sng">
-                <a:solidFill>
-                  <a:srgbClr val="000000"/>
-                </a:solidFill>
-                <a:prstDash val="solid"/>
-                <a:round/>
-                <a:headEnd type="none" w="med" len="med"/>
-                <a:tailEnd type="triangle" w="med" len="med"/>
-              </a:ln>
-            </p:spPr>
-          </p:cxnSp>
-          <p:cxnSp>
-            <p:nvCxnSpPr>
-              <p:cNvPr id="504" name="Google Shape;504;p28"/>
-              <p:cNvCxnSpPr/>
-              <p:nvPr/>
-            </p:nvCxnSpPr>
-            <p:spPr>
-              <a:xfrm rot="10800000">
-                <a:off x="6063061" y="2609959"/>
-                <a:ext cx="663600" cy="9000"/>
-              </a:xfrm>
-              <a:prstGeom prst="straightConnector1">
-                <a:avLst/>
-              </a:prstGeom>
-              <a:noFill/>
-              <a:ln w="9525" cap="flat" cmpd="sng">
-                <a:solidFill>
-                  <a:srgbClr val="000000"/>
-                </a:solidFill>
-                <a:prstDash val="solid"/>
-                <a:round/>
-                <a:headEnd type="none" w="med" len="med"/>
-                <a:tailEnd type="stealth" w="med" len="med"/>
-              </a:ln>
-            </p:spPr>
-          </p:cxnSp>
           <p:sp>
             <p:nvSpPr>
-              <p:cNvPr id="508" name="Google Shape;508;p28"/>
+              <p:cNvPr id="66" name="Google Shape;508;p28">
+                <a:extLst>
+                  <a:ext uri="{FF2B5EF4-FFF2-40B4-BE49-F238E27FC236}">
+                    <a16:creationId xmlns:a16="http://schemas.microsoft.com/office/drawing/2014/main" id="{9BC009B3-F371-1B44-AED9-A8F2C0724F4C}"/>
+                  </a:ext>
+                </a:extLst>
+              </p:cNvPr>
               <p:cNvSpPr/>
               <p:nvPr/>
             </p:nvSpPr>
             <p:spPr>
               <a:xfrm>
-                <a:off x="1436973" y="2127784"/>
+                <a:off x="2121550" y="1753875"/>
                 <a:ext cx="623100" cy="619200"/>
               </a:xfrm>
               <a:prstGeom prst="ellipse">
@@ -21369,13 +21934,19 @@
           </p:sp>
           <p:sp>
             <p:nvSpPr>
-              <p:cNvPr id="509" name="Google Shape;509;p28"/>
+              <p:cNvPr id="67" name="Google Shape;509;p28">
+                <a:extLst>
+                  <a:ext uri="{FF2B5EF4-FFF2-40B4-BE49-F238E27FC236}">
+                    <a16:creationId xmlns:a16="http://schemas.microsoft.com/office/drawing/2014/main" id="{523C0AB2-F0F2-2747-9404-BC505B789E7B}"/>
+                  </a:ext>
+                </a:extLst>
+              </p:cNvPr>
               <p:cNvSpPr/>
               <p:nvPr/>
             </p:nvSpPr>
             <p:spPr>
               <a:xfrm>
-                <a:off x="1887425" y="2258934"/>
+                <a:off x="2572002" y="1885025"/>
                 <a:ext cx="546900" cy="226200"/>
               </a:xfrm>
               <a:prstGeom prst="rect">
@@ -21419,15 +21990,21 @@
           </p:sp>
           <p:cxnSp>
             <p:nvCxnSpPr>
-              <p:cNvPr id="510" name="Google Shape;510;p28"/>
+              <p:cNvPr id="68" name="Google Shape;510;p28">
+                <a:extLst>
+                  <a:ext uri="{FF2B5EF4-FFF2-40B4-BE49-F238E27FC236}">
+                    <a16:creationId xmlns:a16="http://schemas.microsoft.com/office/drawing/2014/main" id="{BC1DFF3D-A751-6445-B238-064DC3B63FE6}"/>
+                  </a:ext>
+                </a:extLst>
+              </p:cNvPr>
               <p:cNvCxnSpPr>
-                <a:stCxn id="509" idx="3"/>
+                <a:stCxn id="67" idx="3"/>
               </p:cNvCxnSpPr>
               <p:nvPr/>
             </p:nvCxnSpPr>
             <p:spPr>
               <a:xfrm>
-                <a:off x="2434325" y="2372034"/>
+                <a:off x="3118902" y="1998125"/>
                 <a:ext cx="1143600" cy="0"/>
               </a:xfrm>
               <a:prstGeom prst="straightConnector1">
@@ -21445,1458 +22022,716 @@
               </a:ln>
             </p:spPr>
           </p:cxnSp>
-          <p:sp>
-            <p:nvSpPr>
-              <p:cNvPr id="512" name="Google Shape;512;p28"/>
-              <p:cNvSpPr txBox="1"/>
-              <p:nvPr/>
-            </p:nvSpPr>
-            <p:spPr>
-              <a:xfrm>
-                <a:off x="2106148" y="2763259"/>
-                <a:ext cx="2540400" cy="360900"/>
-              </a:xfrm>
-              <a:prstGeom prst="rect">
-                <a:avLst/>
-              </a:prstGeom>
+        </p:grpSp>
+        <p:sp>
+          <p:nvSpPr>
+            <p:cNvPr id="60" name="Google Shape;512;p28">
+              <a:extLst>
+                <a:ext uri="{FF2B5EF4-FFF2-40B4-BE49-F238E27FC236}">
+                  <a16:creationId xmlns:a16="http://schemas.microsoft.com/office/drawing/2014/main" id="{4539D5BC-F2E4-A447-B12B-A3229B35FCF1}"/>
+                </a:ext>
+              </a:extLst>
+            </p:cNvPr>
+            <p:cNvSpPr txBox="1"/>
+            <p:nvPr/>
+          </p:nvSpPr>
+          <p:spPr>
+            <a:xfrm>
+              <a:off x="8394371" y="2449295"/>
+              <a:ext cx="2540400" cy="364172"/>
+            </a:xfrm>
+            <a:prstGeom prst="rect">
+              <a:avLst/>
+            </a:prstGeom>
+            <a:noFill/>
+            <a:ln>
               <a:noFill/>
-              <a:ln>
-                <a:noFill/>
-              </a:ln>
-            </p:spPr>
-            <p:txBody>
-              <a:bodyPr spcFirstLastPara="1" wrap="square" lIns="91425" tIns="91425" rIns="91425" bIns="91425" anchor="t" anchorCtr="0">
-                <a:noAutofit/>
-              </a:bodyPr>
-              <a:lstStyle/>
-              <a:p>
-                <a:pPr marL="0" lvl="0" indent="0" algn="l" rtl="0">
-                  <a:spcBef>
-                    <a:spcPts val="0"/>
-                  </a:spcBef>
-                  <a:spcAft>
-                    <a:spcPts val="0"/>
-                  </a:spcAft>
-                  <a:buNone/>
-                </a:pPr>
-                <a:r>
-                  <a:rPr lang="en" sz="1200" dirty="0" err="1"/>
-                  <a:t>socket.write</a:t>
-                </a:r>
-                <a:r>
-                  <a:rPr lang="en" sz="1200" dirty="0"/>
-                  <a:t>(</a:t>
-                </a:r>
-                <a:r>
-                  <a:rPr lang="en" sz="1200" dirty="0" err="1"/>
-                  <a:t>msg</a:t>
-                </a:r>
-                <a:r>
-                  <a:rPr lang="en" sz="1200" dirty="0"/>
-                  <a:t>, </a:t>
-                </a:r>
-                <a:r>
-                  <a:rPr lang="en" sz="1200" dirty="0" err="1"/>
-                  <a:t>socketTimeout</a:t>
-                </a:r>
-                <a:r>
-                  <a:rPr lang="en" sz="1200" dirty="0"/>
-                  <a:t>)</a:t>
-                </a:r>
-                <a:endParaRPr sz="1200" dirty="0"/>
-              </a:p>
-            </p:txBody>
-          </p:sp>
-          <p:sp>
-            <p:nvSpPr>
-              <p:cNvPr id="513" name="Google Shape;513;p28"/>
-              <p:cNvSpPr txBox="1"/>
-              <p:nvPr/>
-            </p:nvSpPr>
-            <p:spPr>
-              <a:xfrm>
-                <a:off x="4768648" y="2774347"/>
-                <a:ext cx="2453100" cy="360900"/>
-              </a:xfrm>
-              <a:prstGeom prst="rect">
-                <a:avLst/>
-              </a:prstGeom>
+            </a:ln>
+          </p:spPr>
+          <p:txBody>
+            <a:bodyPr spcFirstLastPara="1" wrap="square" lIns="91425" tIns="91425" rIns="91425" bIns="91425" anchor="t" anchorCtr="0">
+              <a:noAutofit/>
+            </a:bodyPr>
+            <a:lstStyle/>
+            <a:p>
+              <a:pPr marL="0" lvl="0" indent="0" algn="l" rtl="0">
+                <a:spcBef>
+                  <a:spcPts val="0"/>
+                </a:spcBef>
+                <a:spcAft>
+                  <a:spcPts val="0"/>
+                </a:spcAft>
+                <a:buNone/>
+              </a:pPr>
+              <a:r>
+                <a:rPr lang="en" sz="1200" dirty="0" err="1"/>
+                <a:t>socket.write</a:t>
+              </a:r>
+              <a:r>
+                <a:rPr lang="en" sz="1200" dirty="0"/>
+                <a:t>(</a:t>
+              </a:r>
+              <a:r>
+                <a:rPr lang="en" sz="1200" dirty="0" err="1"/>
+                <a:t>msg</a:t>
+              </a:r>
+              <a:r>
+                <a:rPr lang="en" sz="1200" dirty="0"/>
+                <a:t>, </a:t>
+              </a:r>
+              <a:r>
+                <a:rPr lang="en" sz="1200" dirty="0" err="1"/>
+                <a:t>socketTimeout</a:t>
+              </a:r>
+              <a:r>
+                <a:rPr lang="en" sz="1200" dirty="0"/>
+                <a:t>)</a:t>
+              </a:r>
+              <a:endParaRPr sz="1200" dirty="0"/>
+            </a:p>
+          </p:txBody>
+        </p:sp>
+        <p:sp>
+          <p:nvSpPr>
+            <p:cNvPr id="61" name="Google Shape;513;p28">
+              <a:extLst>
+                <a:ext uri="{FF2B5EF4-FFF2-40B4-BE49-F238E27FC236}">
+                  <a16:creationId xmlns:a16="http://schemas.microsoft.com/office/drawing/2014/main" id="{6CF62024-8212-2F40-BB11-0C335EB0A761}"/>
+                </a:ext>
+              </a:extLst>
+            </p:cNvPr>
+            <p:cNvSpPr txBox="1"/>
+            <p:nvPr/>
+          </p:nvSpPr>
+          <p:spPr>
+            <a:xfrm>
+              <a:off x="11437871" y="2460484"/>
+              <a:ext cx="2700176" cy="364172"/>
+            </a:xfrm>
+            <a:prstGeom prst="rect">
+              <a:avLst/>
+            </a:prstGeom>
+            <a:noFill/>
+            <a:ln>
               <a:noFill/>
-              <a:ln>
-                <a:noFill/>
-              </a:ln>
-            </p:spPr>
-            <p:txBody>
-              <a:bodyPr spcFirstLastPara="1" wrap="square" lIns="91425" tIns="91425" rIns="91425" bIns="91425" anchor="t" anchorCtr="0">
-                <a:noAutofit/>
-              </a:bodyPr>
-              <a:lstStyle/>
-              <a:p>
-                <a:pPr marL="0" lvl="0" indent="0" algn="l" rtl="0">
-                  <a:spcBef>
-                    <a:spcPts val="0"/>
-                  </a:spcBef>
-                  <a:spcAft>
-                    <a:spcPts val="0"/>
-                  </a:spcAft>
-                  <a:buNone/>
-                </a:pPr>
-                <a:r>
-                  <a:rPr lang="en" sz="1200" dirty="0" err="1"/>
-                  <a:t>isOk</a:t>
-                </a:r>
-                <a:r>
-                  <a:rPr lang="en" sz="1200" dirty="0"/>
-                  <a:t> = </a:t>
-                </a:r>
-                <a:r>
-                  <a:rPr lang="en" sz="1200" dirty="0" err="1"/>
-                  <a:t>socket.read</a:t>
-                </a:r>
-                <a:r>
-                  <a:rPr lang="en" sz="1200" dirty="0"/>
-                  <a:t>(</a:t>
-                </a:r>
-                <a:r>
-                  <a:rPr lang="en" sz="1200" dirty="0" err="1"/>
-                  <a:t>ackTimeout</a:t>
-                </a:r>
-                <a:r>
-                  <a:rPr lang="en" sz="1200" dirty="0"/>
-                  <a:t>)</a:t>
-                </a:r>
-                <a:endParaRPr sz="1200" dirty="0"/>
-              </a:p>
-            </p:txBody>
-          </p:sp>
-          <p:sp>
-            <p:nvSpPr>
-              <p:cNvPr id="514" name="Google Shape;514;p28"/>
-              <p:cNvSpPr/>
-              <p:nvPr/>
-            </p:nvSpPr>
-            <p:spPr>
-              <a:xfrm>
-                <a:off x="2083473" y="3349359"/>
-                <a:ext cx="82800" cy="82800"/>
-              </a:xfrm>
-              <a:prstGeom prst="ellipse">
-                <a:avLst/>
-              </a:prstGeom>
+            </a:ln>
+          </p:spPr>
+          <p:txBody>
+            <a:bodyPr spcFirstLastPara="1" wrap="square" lIns="91425" tIns="91425" rIns="91425" bIns="91425" anchor="t" anchorCtr="0">
+              <a:noAutofit/>
+            </a:bodyPr>
+            <a:lstStyle/>
+            <a:p>
+              <a:pPr marL="0" lvl="0" indent="0" algn="l" rtl="0">
+                <a:spcBef>
+                  <a:spcPts val="0"/>
+                </a:spcBef>
+                <a:spcAft>
+                  <a:spcPts val="0"/>
+                </a:spcAft>
+                <a:buNone/>
+              </a:pPr>
+              <a:r>
+                <a:rPr lang="en" sz="1200" dirty="0" err="1"/>
+                <a:t>isOk</a:t>
+              </a:r>
+              <a:r>
+                <a:rPr lang="en" sz="1200" dirty="0"/>
+                <a:t> = </a:t>
+              </a:r>
+              <a:r>
+                <a:rPr lang="en" sz="1200" dirty="0" err="1"/>
+                <a:t>socket.read</a:t>
+              </a:r>
+              <a:r>
+                <a:rPr lang="en" sz="1200" dirty="0"/>
+                <a:t>( </a:t>
+              </a:r>
+              <a:r>
+                <a:rPr lang="en" sz="1200" i="1" dirty="0" err="1"/>
+                <a:t>ackTimeout</a:t>
+              </a:r>
+              <a:r>
+                <a:rPr lang="en" sz="1200" dirty="0"/>
+                <a:t> )</a:t>
+              </a:r>
+              <a:endParaRPr sz="1200" dirty="0"/>
+            </a:p>
+          </p:txBody>
+        </p:sp>
+        <p:sp>
+          <p:nvSpPr>
+            <p:cNvPr id="63" name="Google Shape;515;p28">
+              <a:extLst>
+                <a:ext uri="{FF2B5EF4-FFF2-40B4-BE49-F238E27FC236}">
+                  <a16:creationId xmlns:a16="http://schemas.microsoft.com/office/drawing/2014/main" id="{5E35AAF6-EA98-DF42-B44C-05E58A278FE3}"/>
+                </a:ext>
+              </a:extLst>
+            </p:cNvPr>
+            <p:cNvSpPr/>
+            <p:nvPr/>
+          </p:nvSpPr>
+          <p:spPr>
+            <a:xfrm>
+              <a:off x="10619596" y="3088815"/>
+              <a:ext cx="82800" cy="83551"/>
+            </a:xfrm>
+            <a:prstGeom prst="ellipse">
+              <a:avLst/>
+            </a:prstGeom>
+            <a:solidFill>
+              <a:srgbClr val="000000"/>
+            </a:solidFill>
+            <a:ln w="9525" cap="flat" cmpd="sng">
+              <a:solidFill>
+                <a:schemeClr val="dk2"/>
+              </a:solidFill>
+              <a:prstDash val="solid"/>
+              <a:round/>
+              <a:headEnd type="none" w="sm" len="sm"/>
+              <a:tailEnd type="none" w="sm" len="sm"/>
+            </a:ln>
+          </p:spPr>
+          <p:txBody>
+            <a:bodyPr spcFirstLastPara="1" wrap="square" lIns="91425" tIns="91425" rIns="91425" bIns="91425" anchor="ctr" anchorCtr="0">
+              <a:noAutofit/>
+            </a:bodyPr>
+            <a:lstStyle/>
+            <a:p>
+              <a:pPr marL="0" lvl="0" indent="0" algn="l" rtl="0">
+                <a:spcBef>
+                  <a:spcPts val="0"/>
+                </a:spcBef>
+                <a:spcAft>
+                  <a:spcPts val="0"/>
+                </a:spcAft>
+                <a:buNone/>
+              </a:pPr>
+              <a:endParaRPr dirty="0"/>
+            </a:p>
+          </p:txBody>
+        </p:sp>
+        <p:sp>
+          <p:nvSpPr>
+            <p:cNvPr id="64" name="Google Shape;516;p28">
+              <a:extLst>
+                <a:ext uri="{FF2B5EF4-FFF2-40B4-BE49-F238E27FC236}">
+                  <a16:creationId xmlns:a16="http://schemas.microsoft.com/office/drawing/2014/main" id="{0031617B-34EF-9340-8002-615D0DCA363A}"/>
+                </a:ext>
+              </a:extLst>
+            </p:cNvPr>
+            <p:cNvSpPr/>
+            <p:nvPr/>
+          </p:nvSpPr>
+          <p:spPr>
+            <a:xfrm>
+              <a:off x="8485021" y="2844356"/>
+              <a:ext cx="2193888" cy="310791"/>
+            </a:xfrm>
+            <a:prstGeom prst="arc">
+              <a:avLst>
+                <a:gd name="adj1" fmla="val 10794153"/>
+                <a:gd name="adj2" fmla="val 0"/>
+              </a:avLst>
+            </a:prstGeom>
+            <a:noFill/>
+            <a:ln w="12700" cap="flat" cmpd="sng">
+              <a:solidFill>
+                <a:schemeClr val="dk2"/>
+              </a:solidFill>
+              <a:prstDash val="solid"/>
+              <a:round/>
+              <a:headEnd type="none" w="sm" len="sm"/>
+              <a:tailEnd type="stealth" w="sm" len="sm"/>
+            </a:ln>
+          </p:spPr>
+          <p:txBody>
+            <a:bodyPr spcFirstLastPara="1" wrap="square" lIns="91425" tIns="91425" rIns="91425" bIns="91425" anchor="ctr" anchorCtr="0">
+              <a:noAutofit/>
+            </a:bodyPr>
+            <a:lstStyle/>
+            <a:p>
+              <a:pPr marL="0" lvl="0" indent="0" algn="l" rtl="0">
+                <a:spcBef>
+                  <a:spcPts val="0"/>
+                </a:spcBef>
+                <a:spcAft>
+                  <a:spcPts val="0"/>
+                </a:spcAft>
+                <a:buNone/>
+              </a:pPr>
+              <a:endParaRPr/>
+            </a:p>
+          </p:txBody>
+        </p:sp>
+        <p:sp>
+          <p:nvSpPr>
+            <p:cNvPr id="65" name="Google Shape;517;p28">
+              <a:extLst>
+                <a:ext uri="{FF2B5EF4-FFF2-40B4-BE49-F238E27FC236}">
+                  <a16:creationId xmlns:a16="http://schemas.microsoft.com/office/drawing/2014/main" id="{88AAB33E-DCE2-8940-A4EE-44B3AB5828C8}"/>
+                </a:ext>
+              </a:extLst>
+            </p:cNvPr>
+            <p:cNvSpPr/>
+            <p:nvPr/>
+          </p:nvSpPr>
+          <p:spPr>
+            <a:xfrm>
+              <a:off x="10702309" y="2813467"/>
+              <a:ext cx="4109475" cy="368534"/>
+            </a:xfrm>
+            <a:prstGeom prst="arc">
+              <a:avLst>
+                <a:gd name="adj1" fmla="val 10835133"/>
+                <a:gd name="adj2" fmla="val 0"/>
+              </a:avLst>
+            </a:prstGeom>
+            <a:noFill/>
+            <a:ln w="12700" cap="flat" cmpd="sng">
+              <a:solidFill>
+                <a:schemeClr val="dk2"/>
+              </a:solidFill>
+              <a:prstDash val="solid"/>
+              <a:round/>
+              <a:headEnd type="none" w="sm" len="sm"/>
+              <a:tailEnd type="stealth" w="sm" len="sm"/>
+            </a:ln>
+          </p:spPr>
+          <p:txBody>
+            <a:bodyPr spcFirstLastPara="1" wrap="square" lIns="91425" tIns="91425" rIns="91425" bIns="91425" anchor="ctr" anchorCtr="0">
+              <a:noAutofit/>
+            </a:bodyPr>
+            <a:lstStyle/>
+            <a:p>
+              <a:pPr marL="0" lvl="0" indent="0" algn="l" rtl="0">
+                <a:spcBef>
+                  <a:spcPts val="0"/>
+                </a:spcBef>
+                <a:spcAft>
+                  <a:spcPts val="0"/>
+                </a:spcAft>
+                <a:buNone/>
+              </a:pPr>
+              <a:endParaRPr/>
+            </a:p>
+          </p:txBody>
+        </p:sp>
+        <p:sp>
+          <p:nvSpPr>
+            <p:cNvPr id="72" name="Google Shape;532;p28">
+              <a:extLst>
+                <a:ext uri="{FF2B5EF4-FFF2-40B4-BE49-F238E27FC236}">
+                  <a16:creationId xmlns:a16="http://schemas.microsoft.com/office/drawing/2014/main" id="{5180718C-E29B-0B45-BEA5-BB4ABEBBD660}"/>
+                </a:ext>
+              </a:extLst>
+            </p:cNvPr>
+            <p:cNvSpPr txBox="1"/>
+            <p:nvPr/>
+          </p:nvSpPr>
+          <p:spPr>
+            <a:xfrm>
+              <a:off x="9416886" y="3425088"/>
+              <a:ext cx="3783960" cy="481704"/>
+            </a:xfrm>
+            <a:prstGeom prst="rect">
+              <a:avLst/>
+            </a:prstGeom>
+            <a:noFill/>
+            <a:ln>
+              <a:noFill/>
+            </a:ln>
+          </p:spPr>
+          <p:txBody>
+            <a:bodyPr spcFirstLastPara="1" wrap="square" lIns="91425" tIns="91425" rIns="91425" bIns="91425" anchor="t" anchorCtr="0">
+              <a:noAutofit/>
+            </a:bodyPr>
+            <a:lstStyle/>
+            <a:p>
+              <a:pPr algn="ctr"/>
+              <a:r>
+                <a:rPr lang="en-US" dirty="0"/>
+                <a:t>Attempt #2: increased </a:t>
+              </a:r>
+              <a:r>
+                <a:rPr lang="en-US" i="1" dirty="0" err="1"/>
+                <a:t>ackTimeout</a:t>
+              </a:r>
+              <a:endParaRPr dirty="0"/>
+            </a:p>
+          </p:txBody>
+        </p:sp>
+        <p:sp>
+          <p:nvSpPr>
+            <p:cNvPr id="77" name="Google Shape;516;p28">
+              <a:extLst>
+                <a:ext uri="{FF2B5EF4-FFF2-40B4-BE49-F238E27FC236}">
+                  <a16:creationId xmlns:a16="http://schemas.microsoft.com/office/drawing/2014/main" id="{5E7444EC-E269-BA49-9C58-771F855B7864}"/>
+                </a:ext>
+              </a:extLst>
+            </p:cNvPr>
+            <p:cNvSpPr/>
+            <p:nvPr/>
+          </p:nvSpPr>
+          <p:spPr>
+            <a:xfrm flipV="1">
+              <a:off x="7079597" y="2986608"/>
+              <a:ext cx="1274738" cy="535369"/>
+            </a:xfrm>
+            <a:prstGeom prst="arc">
+              <a:avLst>
+                <a:gd name="adj1" fmla="val 10794153"/>
+                <a:gd name="adj2" fmla="val 21435497"/>
+              </a:avLst>
+            </a:prstGeom>
+            <a:noFill/>
+            <a:ln w="12700" cap="flat" cmpd="sng">
+              <a:solidFill>
+                <a:schemeClr val="dk2"/>
+              </a:solidFill>
+              <a:prstDash val="solid"/>
+              <a:round/>
+              <a:headEnd type="none" w="sm" len="sm"/>
+              <a:tailEnd type="stealth" w="sm" len="sm"/>
+            </a:ln>
+          </p:spPr>
+          <p:txBody>
+            <a:bodyPr spcFirstLastPara="1" wrap="square" lIns="91425" tIns="91425" rIns="91425" bIns="91425" anchor="ctr" anchorCtr="0">
+              <a:noAutofit/>
+            </a:bodyPr>
+            <a:lstStyle/>
+            <a:p>
+              <a:pPr marL="0" lvl="0" indent="0" algn="l" rtl="0">
+                <a:spcBef>
+                  <a:spcPts val="0"/>
+                </a:spcBef>
+                <a:spcAft>
+                  <a:spcPts val="0"/>
+                </a:spcAft>
+                <a:buNone/>
+              </a:pPr>
+              <a:endParaRPr/>
+            </a:p>
+          </p:txBody>
+        </p:sp>
+        <p:cxnSp>
+          <p:nvCxnSpPr>
+            <p:cNvPr id="78" name="Google Shape;498;p28">
+              <a:extLst>
+                <a:ext uri="{FF2B5EF4-FFF2-40B4-BE49-F238E27FC236}">
+                  <a16:creationId xmlns:a16="http://schemas.microsoft.com/office/drawing/2014/main" id="{E2B86502-63C9-2345-87E2-6F88D1A07055}"/>
+                </a:ext>
+              </a:extLst>
+            </p:cNvPr>
+            <p:cNvCxnSpPr>
+              <a:cxnSpLocks/>
+            </p:cNvCxnSpPr>
+            <p:nvPr/>
+          </p:nvCxnSpPr>
+          <p:spPr>
+            <a:xfrm flipV="1">
+              <a:off x="7569624" y="3581467"/>
+              <a:ext cx="154659" cy="401223"/>
+            </a:xfrm>
+            <a:prstGeom prst="straightConnector1">
+              <a:avLst/>
+            </a:prstGeom>
+            <a:noFill/>
+            <a:ln w="9525" cap="flat" cmpd="sng">
               <a:solidFill>
                 <a:srgbClr val="000000"/>
               </a:solidFill>
-              <a:ln w="9525" cap="flat" cmpd="sng">
-                <a:solidFill>
-                  <a:schemeClr val="dk2"/>
-                </a:solidFill>
-                <a:prstDash val="solid"/>
-                <a:round/>
-                <a:headEnd type="none" w="sm" len="sm"/>
-                <a:tailEnd type="none" w="sm" len="sm"/>
-              </a:ln>
-            </p:spPr>
-            <p:txBody>
-              <a:bodyPr spcFirstLastPara="1" wrap="square" lIns="91425" tIns="91425" rIns="91425" bIns="91425" anchor="ctr" anchorCtr="0">
-                <a:noAutofit/>
-              </a:bodyPr>
-              <a:lstStyle/>
-              <a:p>
-                <a:pPr marL="0" lvl="0" indent="0" algn="l" rtl="0">
-                  <a:spcBef>
-                    <a:spcPts val="0"/>
-                  </a:spcBef>
-                  <a:spcAft>
-                    <a:spcPts val="0"/>
-                  </a:spcAft>
-                  <a:buNone/>
-                </a:pPr>
-                <a:endParaRPr/>
-              </a:p>
-            </p:txBody>
-          </p:sp>
-          <p:sp>
-            <p:nvSpPr>
-              <p:cNvPr id="515" name="Google Shape;515;p28"/>
-              <p:cNvSpPr/>
-              <p:nvPr/>
-            </p:nvSpPr>
-            <p:spPr>
-              <a:xfrm>
-                <a:off x="4636173" y="3346234"/>
-                <a:ext cx="82800" cy="82800"/>
-              </a:xfrm>
-              <a:prstGeom prst="ellipse">
-                <a:avLst/>
-              </a:prstGeom>
+              <a:prstDash val="solid"/>
+              <a:round/>
+              <a:headEnd type="none" w="med" len="med"/>
+              <a:tailEnd type="triangle" w="med" len="med"/>
+            </a:ln>
+          </p:spPr>
+        </p:cxnSp>
+        <p:sp>
+          <p:nvSpPr>
+            <p:cNvPr id="79" name="Google Shape;497;p28">
+              <a:extLst>
+                <a:ext uri="{FF2B5EF4-FFF2-40B4-BE49-F238E27FC236}">
+                  <a16:creationId xmlns:a16="http://schemas.microsoft.com/office/drawing/2014/main" id="{0E7DF76C-4CE1-BE49-95A3-4FBB6BA17788}"/>
+                </a:ext>
+              </a:extLst>
+            </p:cNvPr>
+            <p:cNvSpPr txBox="1"/>
+            <p:nvPr/>
+          </p:nvSpPr>
+          <p:spPr>
+            <a:xfrm>
+              <a:off x="6691082" y="3891856"/>
+              <a:ext cx="2053670" cy="486961"/>
+            </a:xfrm>
+            <a:prstGeom prst="rect">
+              <a:avLst/>
+            </a:prstGeom>
+            <a:noFill/>
+            <a:ln>
+              <a:noFill/>
+            </a:ln>
+          </p:spPr>
+          <p:txBody>
+            <a:bodyPr spcFirstLastPara="1" wrap="square" lIns="91425" tIns="91425" rIns="91425" bIns="91425" anchor="t" anchorCtr="0">
+              <a:noAutofit/>
+            </a:bodyPr>
+            <a:lstStyle/>
+            <a:p>
+              <a:pPr marL="0" lvl="0" indent="0" algn="ctr" rtl="0">
+                <a:spcBef>
+                  <a:spcPts val="0"/>
+                </a:spcBef>
+                <a:spcAft>
+                  <a:spcPts val="0"/>
+                </a:spcAft>
+                <a:buNone/>
+              </a:pPr>
+              <a:r>
+                <a:rPr lang="en-US" dirty="0"/>
+                <a:t>Opening new socket </a:t>
+              </a:r>
+              <a:r>
+                <a:rPr lang="en-US" i="1" dirty="0"/>
+                <a:t>(*)</a:t>
+              </a:r>
+              <a:endParaRPr dirty="0"/>
+            </a:p>
+          </p:txBody>
+        </p:sp>
+        <p:sp>
+          <p:nvSpPr>
+            <p:cNvPr id="83" name="Google Shape;508;p28">
+              <a:extLst>
+                <a:ext uri="{FF2B5EF4-FFF2-40B4-BE49-F238E27FC236}">
+                  <a16:creationId xmlns:a16="http://schemas.microsoft.com/office/drawing/2014/main" id="{A7112C6E-3C17-CB41-99B5-45DF79F37EE7}"/>
+                </a:ext>
+              </a:extLst>
+            </p:cNvPr>
+            <p:cNvSpPr/>
+            <p:nvPr/>
+          </p:nvSpPr>
+          <p:spPr>
+            <a:xfrm>
+              <a:off x="6740747" y="1875953"/>
+              <a:ext cx="623100" cy="624813"/>
+            </a:xfrm>
+            <a:prstGeom prst="ellipse">
+              <a:avLst/>
+            </a:prstGeom>
+            <a:solidFill>
+              <a:srgbClr val="CFE2F3"/>
+            </a:solidFill>
+            <a:ln w="9525" cap="flat" cmpd="sng">
               <a:solidFill>
                 <a:srgbClr val="000000"/>
               </a:solidFill>
-              <a:ln w="9525" cap="flat" cmpd="sng">
-                <a:solidFill>
-                  <a:schemeClr val="dk2"/>
-                </a:solidFill>
-                <a:prstDash val="solid"/>
-                <a:round/>
-                <a:headEnd type="none" w="sm" len="sm"/>
-                <a:tailEnd type="none" w="sm" len="sm"/>
-              </a:ln>
-            </p:spPr>
-            <p:txBody>
-              <a:bodyPr spcFirstLastPara="1" wrap="square" lIns="91425" tIns="91425" rIns="91425" bIns="91425" anchor="ctr" anchorCtr="0">
-                <a:noAutofit/>
-              </a:bodyPr>
-              <a:lstStyle/>
-              <a:p>
-                <a:pPr marL="0" lvl="0" indent="0" algn="l" rtl="0">
-                  <a:spcBef>
-                    <a:spcPts val="0"/>
-                  </a:spcBef>
-                  <a:spcAft>
-                    <a:spcPts val="0"/>
-                  </a:spcAft>
-                  <a:buNone/>
-                </a:pPr>
-                <a:endParaRPr/>
-              </a:p>
-            </p:txBody>
-          </p:sp>
-          <p:sp>
-            <p:nvSpPr>
-              <p:cNvPr id="516" name="Google Shape;516;p28"/>
-              <p:cNvSpPr/>
-              <p:nvPr/>
-            </p:nvSpPr>
-            <p:spPr>
-              <a:xfrm>
-                <a:off x="2209498" y="3165430"/>
-                <a:ext cx="2446363" cy="187975"/>
-              </a:xfrm>
-              <a:prstGeom prst="arc">
-                <a:avLst>
-                  <a:gd name="adj1" fmla="val 10794153"/>
-                  <a:gd name="adj2" fmla="val 0"/>
-                </a:avLst>
-              </a:prstGeom>
-              <a:noFill/>
-              <a:ln w="12700" cap="flat" cmpd="sng">
-                <a:solidFill>
-                  <a:schemeClr val="dk2"/>
-                </a:solidFill>
-                <a:prstDash val="solid"/>
-                <a:round/>
-                <a:headEnd type="none" w="sm" len="sm"/>
-                <a:tailEnd type="stealth" w="sm" len="sm"/>
-              </a:ln>
-            </p:spPr>
-            <p:txBody>
-              <a:bodyPr spcFirstLastPara="1" wrap="square" lIns="91425" tIns="91425" rIns="91425" bIns="91425" anchor="ctr" anchorCtr="0">
-                <a:noAutofit/>
-              </a:bodyPr>
-              <a:lstStyle/>
-              <a:p>
-                <a:pPr marL="0" lvl="0" indent="0" algn="l" rtl="0">
-                  <a:spcBef>
-                    <a:spcPts val="0"/>
-                  </a:spcBef>
-                  <a:spcAft>
-                    <a:spcPts val="0"/>
-                  </a:spcAft>
-                  <a:buNone/>
-                </a:pPr>
-                <a:endParaRPr/>
-              </a:p>
-            </p:txBody>
-          </p:sp>
-          <p:sp>
-            <p:nvSpPr>
-              <p:cNvPr id="517" name="Google Shape;517;p28"/>
-              <p:cNvSpPr/>
-              <p:nvPr/>
-            </p:nvSpPr>
-            <p:spPr>
-              <a:xfrm>
-                <a:off x="4780948" y="3135247"/>
-                <a:ext cx="2213475" cy="252386"/>
-              </a:xfrm>
-              <a:prstGeom prst="arc">
-                <a:avLst>
-                  <a:gd name="adj1" fmla="val 10794153"/>
-                  <a:gd name="adj2" fmla="val 0"/>
-                </a:avLst>
-              </a:prstGeom>
-              <a:noFill/>
-              <a:ln w="12700" cap="flat" cmpd="sng">
-                <a:solidFill>
-                  <a:schemeClr val="dk2"/>
-                </a:solidFill>
-                <a:prstDash val="solid"/>
-                <a:round/>
-                <a:headEnd type="none" w="sm" len="sm"/>
-                <a:tailEnd type="stealth" w="sm" len="sm"/>
-              </a:ln>
-            </p:spPr>
-            <p:txBody>
-              <a:bodyPr spcFirstLastPara="1" wrap="square" lIns="91425" tIns="91425" rIns="91425" bIns="91425" anchor="ctr" anchorCtr="0">
-                <a:noAutofit/>
-              </a:bodyPr>
-              <a:lstStyle/>
-              <a:p>
-                <a:pPr marL="0" lvl="0" indent="0" algn="l" rtl="0">
-                  <a:spcBef>
-                    <a:spcPts val="0"/>
-                  </a:spcBef>
-                  <a:spcAft>
-                    <a:spcPts val="0"/>
-                  </a:spcAft>
-                  <a:buNone/>
-                </a:pPr>
-                <a:endParaRPr/>
-              </a:p>
-            </p:txBody>
-          </p:sp>
-          <p:sp>
-            <p:nvSpPr>
-              <p:cNvPr id="30" name="Google Shape;532;p28">
-                <a:extLst>
-                  <a:ext uri="{FF2B5EF4-FFF2-40B4-BE49-F238E27FC236}">
-                    <a16:creationId xmlns:a16="http://schemas.microsoft.com/office/drawing/2014/main" id="{17AC06AE-8EB5-F442-B00E-901E7B59115D}"/>
-                  </a:ext>
-                </a:extLst>
-              </p:cNvPr>
-              <p:cNvSpPr txBox="1"/>
-              <p:nvPr/>
-            </p:nvSpPr>
-            <p:spPr>
-              <a:xfrm>
-                <a:off x="3449948" y="3616517"/>
-                <a:ext cx="2113650" cy="485583"/>
-              </a:xfrm>
-              <a:prstGeom prst="rect">
-                <a:avLst/>
-              </a:prstGeom>
-              <a:noFill/>
-              <a:ln>
-                <a:noFill/>
-              </a:ln>
-            </p:spPr>
-            <p:txBody>
-              <a:bodyPr spcFirstLastPara="1" wrap="square" lIns="91425" tIns="91425" rIns="91425" bIns="91425" anchor="t" anchorCtr="0">
-                <a:noAutofit/>
-              </a:bodyPr>
-              <a:lstStyle/>
-              <a:p>
-                <a:r>
-                  <a:rPr lang="en-US" dirty="0"/>
-                  <a:t>Attempt #1</a:t>
-                </a:r>
-                <a:endParaRPr dirty="0"/>
-              </a:p>
-            </p:txBody>
-          </p:sp>
-          <p:cxnSp>
-            <p:nvCxnSpPr>
-              <p:cNvPr id="53" name="Google Shape;499;p28">
-                <a:extLst>
-                  <a:ext uri="{FF2B5EF4-FFF2-40B4-BE49-F238E27FC236}">
-                    <a16:creationId xmlns:a16="http://schemas.microsoft.com/office/drawing/2014/main" id="{24260B85-22D0-0440-A09C-E0CF4ED9F317}"/>
-                  </a:ext>
-                </a:extLst>
-              </p:cNvPr>
-              <p:cNvCxnSpPr/>
-              <p:nvPr/>
-            </p:nvCxnSpPr>
-            <p:spPr>
-              <a:xfrm flipH="1">
-                <a:off x="14859522" y="2751222"/>
-                <a:ext cx="6300" cy="550800"/>
-              </a:xfrm>
-              <a:prstGeom prst="straightConnector1">
-                <a:avLst/>
-              </a:prstGeom>
-              <a:noFill/>
-              <a:ln w="9525" cap="flat" cmpd="sng">
-                <a:solidFill>
-                  <a:srgbClr val="000000"/>
-                </a:solidFill>
-                <a:prstDash val="solid"/>
-                <a:round/>
-                <a:headEnd type="none" w="med" len="med"/>
-                <a:tailEnd type="triangle" w="med" len="med"/>
-              </a:ln>
-            </p:spPr>
-          </p:cxnSp>
-          <p:cxnSp>
-            <p:nvCxnSpPr>
-              <p:cNvPr id="55" name="Google Shape;501;p28">
-                <a:extLst>
-                  <a:ext uri="{FF2B5EF4-FFF2-40B4-BE49-F238E27FC236}">
-                    <a16:creationId xmlns:a16="http://schemas.microsoft.com/office/drawing/2014/main" id="{2FCC07D7-6946-0545-B412-E7FE9531E9A0}"/>
-                  </a:ext>
-                </a:extLst>
-              </p:cNvPr>
-              <p:cNvCxnSpPr>
-                <a:cxnSpLocks/>
-              </p:cNvCxnSpPr>
-              <p:nvPr/>
-            </p:nvCxnSpPr>
-            <p:spPr>
-              <a:xfrm>
-                <a:off x="8395122" y="3420522"/>
-                <a:ext cx="6430664" cy="50949"/>
-              </a:xfrm>
-              <a:prstGeom prst="straightConnector1">
-                <a:avLst/>
-              </a:prstGeom>
-              <a:noFill/>
-              <a:ln w="19050" cap="flat" cmpd="sng">
-                <a:solidFill>
-                  <a:srgbClr val="000000"/>
-                </a:solidFill>
-                <a:prstDash val="solid"/>
-                <a:round/>
-                <a:headEnd type="oval" w="med" len="med"/>
-                <a:tailEnd type="oval" w="med" len="med"/>
-              </a:ln>
-            </p:spPr>
-          </p:cxnSp>
-          <p:cxnSp>
-            <p:nvCxnSpPr>
-              <p:cNvPr id="56" name="Google Shape;502;p28">
-                <a:extLst>
-                  <a:ext uri="{FF2B5EF4-FFF2-40B4-BE49-F238E27FC236}">
-                    <a16:creationId xmlns:a16="http://schemas.microsoft.com/office/drawing/2014/main" id="{F0E98DAE-8105-0742-B7D0-B5D04DE3CE40}"/>
-                  </a:ext>
-                </a:extLst>
-              </p:cNvPr>
-              <p:cNvCxnSpPr/>
-              <p:nvPr/>
-            </p:nvCxnSpPr>
-            <p:spPr>
-              <a:xfrm>
-                <a:off x="8397872" y="2598822"/>
-                <a:ext cx="4200" cy="711900"/>
-              </a:xfrm>
-              <a:prstGeom prst="straightConnector1">
-                <a:avLst/>
-              </a:prstGeom>
-              <a:noFill/>
-              <a:ln w="9525" cap="flat" cmpd="sng">
-                <a:solidFill>
-                  <a:srgbClr val="000000"/>
-                </a:solidFill>
-                <a:prstDash val="solid"/>
-                <a:round/>
-                <a:headEnd type="none" w="med" len="med"/>
-                <a:tailEnd type="triangle" w="med" len="med"/>
-              </a:ln>
-            </p:spPr>
-          </p:cxnSp>
-          <p:grpSp>
-            <p:nvGrpSpPr>
-              <p:cNvPr id="59" name="Google Shape;507;p28">
-                <a:extLst>
-                  <a:ext uri="{FF2B5EF4-FFF2-40B4-BE49-F238E27FC236}">
-                    <a16:creationId xmlns:a16="http://schemas.microsoft.com/office/drawing/2014/main" id="{E369030C-8FFD-D94A-940E-4718AAA5801F}"/>
-                  </a:ext>
-                </a:extLst>
-              </p:cNvPr>
-              <p:cNvGrpSpPr/>
-              <p:nvPr/>
-            </p:nvGrpSpPr>
-            <p:grpSpPr>
-              <a:xfrm>
-                <a:off x="7712072" y="2160672"/>
-                <a:ext cx="2140952" cy="619200"/>
-                <a:chOff x="2121550" y="1753875"/>
-                <a:chExt cx="2140952" cy="619200"/>
-              </a:xfrm>
-            </p:grpSpPr>
-            <p:sp>
-              <p:nvSpPr>
-                <p:cNvPr id="66" name="Google Shape;508;p28">
-                  <a:extLst>
-                    <a:ext uri="{FF2B5EF4-FFF2-40B4-BE49-F238E27FC236}">
-                      <a16:creationId xmlns:a16="http://schemas.microsoft.com/office/drawing/2014/main" id="{9BC009B3-F371-1B44-AED9-A8F2C0724F4C}"/>
-                    </a:ext>
-                  </a:extLst>
-                </p:cNvPr>
-                <p:cNvSpPr/>
-                <p:nvPr/>
-              </p:nvSpPr>
-              <p:spPr>
-                <a:xfrm>
-                  <a:off x="2121550" y="1753875"/>
-                  <a:ext cx="623100" cy="619200"/>
-                </a:xfrm>
-                <a:prstGeom prst="ellipse">
-                  <a:avLst/>
-                </a:prstGeom>
-                <a:solidFill>
-                  <a:srgbClr val="CFE2F3"/>
-                </a:solidFill>
-                <a:ln w="9525" cap="flat" cmpd="sng">
-                  <a:solidFill>
-                    <a:srgbClr val="000000"/>
-                  </a:solidFill>
-                  <a:prstDash val="solid"/>
-                  <a:round/>
-                  <a:headEnd type="none" w="sm" len="sm"/>
-                  <a:tailEnd type="none" w="sm" len="sm"/>
-                </a:ln>
-              </p:spPr>
-              <p:txBody>
-                <a:bodyPr spcFirstLastPara="1" wrap="square" lIns="140875" tIns="140875" rIns="140875" bIns="140875" anchor="ctr" anchorCtr="0">
-                  <a:noAutofit/>
-                </a:bodyPr>
-                <a:lstStyle/>
-                <a:p>
-                  <a:pPr marL="0" lvl="0" indent="0" algn="ctr" rtl="0">
-                    <a:spcBef>
-                      <a:spcPts val="0"/>
-                    </a:spcBef>
-                    <a:spcAft>
-                      <a:spcPts val="0"/>
-                    </a:spcAft>
-                    <a:buNone/>
-                  </a:pPr>
-                  <a:endParaRPr/>
-                </a:p>
-              </p:txBody>
-            </p:sp>
-            <p:sp>
-              <p:nvSpPr>
-                <p:cNvPr id="67" name="Google Shape;509;p28">
-                  <a:extLst>
-                    <a:ext uri="{FF2B5EF4-FFF2-40B4-BE49-F238E27FC236}">
-                      <a16:creationId xmlns:a16="http://schemas.microsoft.com/office/drawing/2014/main" id="{523C0AB2-F0F2-2747-9404-BC505B789E7B}"/>
-                    </a:ext>
-                  </a:extLst>
-                </p:cNvPr>
-                <p:cNvSpPr/>
-                <p:nvPr/>
-              </p:nvSpPr>
-              <p:spPr>
-                <a:xfrm>
-                  <a:off x="2572002" y="1885025"/>
-                  <a:ext cx="546900" cy="226200"/>
-                </a:xfrm>
-                <a:prstGeom prst="rect">
-                  <a:avLst/>
-                </a:prstGeom>
-                <a:solidFill>
-                  <a:srgbClr val="CFE2F3"/>
-                </a:solidFill>
-                <a:ln w="9525" cap="flat" cmpd="sng">
-                  <a:solidFill>
-                    <a:srgbClr val="000000"/>
-                  </a:solidFill>
-                  <a:prstDash val="solid"/>
-                  <a:round/>
-                  <a:headEnd type="none" w="sm" len="sm"/>
-                  <a:tailEnd type="none" w="sm" len="sm"/>
-                </a:ln>
-              </p:spPr>
-              <p:txBody>
-                <a:bodyPr spcFirstLastPara="1" wrap="square" lIns="91425" tIns="91425" rIns="91425" bIns="91425" anchor="ctr" anchorCtr="0">
-                  <a:noAutofit/>
-                </a:bodyPr>
-                <a:lstStyle/>
-                <a:p>
-                  <a:pPr marL="0" lvl="0" indent="0" algn="l" rtl="0">
-                    <a:spcBef>
-                      <a:spcPts val="0"/>
-                    </a:spcBef>
-                    <a:spcAft>
-                      <a:spcPts val="0"/>
-                    </a:spcAft>
-                    <a:buNone/>
-                  </a:pPr>
-                  <a:r>
-                    <a:rPr lang="en"/>
-                    <a:t>Msg</a:t>
-                  </a:r>
-                  <a:endParaRPr/>
-                </a:p>
-              </p:txBody>
-            </p:sp>
-            <p:cxnSp>
-              <p:nvCxnSpPr>
-                <p:cNvPr id="68" name="Google Shape;510;p28">
-                  <a:extLst>
-                    <a:ext uri="{FF2B5EF4-FFF2-40B4-BE49-F238E27FC236}">
-                      <a16:creationId xmlns:a16="http://schemas.microsoft.com/office/drawing/2014/main" id="{BC1DFF3D-A751-6445-B238-064DC3B63FE6}"/>
-                    </a:ext>
-                  </a:extLst>
-                </p:cNvPr>
-                <p:cNvCxnSpPr>
-                  <a:stCxn id="67" idx="3"/>
-                </p:cNvCxnSpPr>
-                <p:nvPr/>
-              </p:nvCxnSpPr>
-              <p:spPr>
-                <a:xfrm>
-                  <a:off x="3118902" y="1998125"/>
-                  <a:ext cx="1143600" cy="0"/>
-                </a:xfrm>
-                <a:prstGeom prst="straightConnector1">
-                  <a:avLst/>
-                </a:prstGeom>
-                <a:noFill/>
-                <a:ln w="9525" cap="flat" cmpd="sng">
-                  <a:solidFill>
-                    <a:srgbClr val="000000"/>
-                  </a:solidFill>
-                  <a:prstDash val="solid"/>
-                  <a:round/>
-                  <a:headEnd type="none" w="med" len="med"/>
-                  <a:tailEnd type="stealth" w="med" len="med"/>
-                </a:ln>
-              </p:spPr>
-            </p:cxnSp>
-          </p:grpSp>
-          <p:sp>
-            <p:nvSpPr>
-              <p:cNvPr id="60" name="Google Shape;512;p28">
-                <a:extLst>
-                  <a:ext uri="{FF2B5EF4-FFF2-40B4-BE49-F238E27FC236}">
-                    <a16:creationId xmlns:a16="http://schemas.microsoft.com/office/drawing/2014/main" id="{4539D5BC-F2E4-A447-B12B-A3229B35FCF1}"/>
-                  </a:ext>
-                </a:extLst>
-              </p:cNvPr>
-              <p:cNvSpPr txBox="1"/>
-              <p:nvPr/>
-            </p:nvSpPr>
-            <p:spPr>
-              <a:xfrm>
-                <a:off x="8393947" y="2745347"/>
-                <a:ext cx="2540400" cy="360900"/>
-              </a:xfrm>
-              <a:prstGeom prst="rect">
-                <a:avLst/>
-              </a:prstGeom>
-              <a:noFill/>
-              <a:ln>
-                <a:noFill/>
-              </a:ln>
-            </p:spPr>
-            <p:txBody>
-              <a:bodyPr spcFirstLastPara="1" wrap="square" lIns="91425" tIns="91425" rIns="91425" bIns="91425" anchor="t" anchorCtr="0">
-                <a:noAutofit/>
-              </a:bodyPr>
-              <a:lstStyle/>
-              <a:p>
-                <a:pPr marL="0" lvl="0" indent="0" algn="l" rtl="0">
-                  <a:spcBef>
-                    <a:spcPts val="0"/>
-                  </a:spcBef>
-                  <a:spcAft>
-                    <a:spcPts val="0"/>
-                  </a:spcAft>
-                  <a:buNone/>
-                </a:pPr>
-                <a:r>
-                  <a:rPr lang="en" sz="1200" dirty="0" err="1"/>
-                  <a:t>socket.write</a:t>
-                </a:r>
-                <a:r>
-                  <a:rPr lang="en" sz="1200" dirty="0"/>
-                  <a:t>(</a:t>
-                </a:r>
-                <a:r>
-                  <a:rPr lang="en" sz="1200" dirty="0" err="1"/>
-                  <a:t>msg</a:t>
-                </a:r>
-                <a:r>
-                  <a:rPr lang="en" sz="1200" dirty="0"/>
-                  <a:t>, </a:t>
-                </a:r>
-                <a:r>
-                  <a:rPr lang="en" sz="1200" dirty="0" err="1"/>
-                  <a:t>socketTimeout</a:t>
-                </a:r>
-                <a:r>
-                  <a:rPr lang="en" sz="1200" dirty="0"/>
-                  <a:t>)</a:t>
-                </a:r>
-                <a:endParaRPr sz="1200" dirty="0"/>
-              </a:p>
-            </p:txBody>
-          </p:sp>
-          <p:sp>
-            <p:nvSpPr>
-              <p:cNvPr id="61" name="Google Shape;513;p28">
-                <a:extLst>
-                  <a:ext uri="{FF2B5EF4-FFF2-40B4-BE49-F238E27FC236}">
-                    <a16:creationId xmlns:a16="http://schemas.microsoft.com/office/drawing/2014/main" id="{6CF62024-8212-2F40-BB11-0C335EB0A761}"/>
-                  </a:ext>
-                </a:extLst>
-              </p:cNvPr>
-              <p:cNvSpPr txBox="1"/>
-              <p:nvPr/>
-            </p:nvSpPr>
-            <p:spPr>
-              <a:xfrm>
-                <a:off x="11437447" y="2756435"/>
-                <a:ext cx="2700176" cy="360900"/>
-              </a:xfrm>
-              <a:prstGeom prst="rect">
-                <a:avLst/>
-              </a:prstGeom>
-              <a:noFill/>
-              <a:ln>
-                <a:noFill/>
-              </a:ln>
-            </p:spPr>
-            <p:txBody>
-              <a:bodyPr spcFirstLastPara="1" wrap="square" lIns="91425" tIns="91425" rIns="91425" bIns="91425" anchor="t" anchorCtr="0">
-                <a:noAutofit/>
-              </a:bodyPr>
-              <a:lstStyle/>
-              <a:p>
-                <a:pPr marL="0" lvl="0" indent="0" algn="l" rtl="0">
-                  <a:spcBef>
-                    <a:spcPts val="0"/>
-                  </a:spcBef>
-                  <a:spcAft>
-                    <a:spcPts val="0"/>
-                  </a:spcAft>
-                  <a:buNone/>
-                </a:pPr>
-                <a:r>
-                  <a:rPr lang="en" sz="1200" dirty="0" err="1"/>
-                  <a:t>isOk</a:t>
-                </a:r>
-                <a:r>
-                  <a:rPr lang="en" sz="1200" dirty="0"/>
-                  <a:t> = </a:t>
-                </a:r>
-                <a:r>
-                  <a:rPr lang="en" sz="1200" dirty="0" err="1"/>
-                  <a:t>socket.read</a:t>
-                </a:r>
-                <a:r>
-                  <a:rPr lang="en" sz="1200" dirty="0"/>
-                  <a:t>( </a:t>
-                </a:r>
-                <a:r>
-                  <a:rPr lang="en" sz="1200" u="sng" dirty="0"/>
-                  <a:t>2 * </a:t>
-                </a:r>
-                <a:r>
-                  <a:rPr lang="en" sz="1200" i="1" u="sng" dirty="0" err="1"/>
-                  <a:t>ackTimeout</a:t>
-                </a:r>
-                <a:r>
-                  <a:rPr lang="en" sz="1200" u="sng" dirty="0"/>
-                  <a:t> </a:t>
-                </a:r>
-                <a:r>
-                  <a:rPr lang="en" sz="1200" dirty="0"/>
-                  <a:t>)</a:t>
-                </a:r>
-                <a:endParaRPr sz="1200" dirty="0"/>
-              </a:p>
-            </p:txBody>
-          </p:sp>
-          <p:sp>
-            <p:nvSpPr>
-              <p:cNvPr id="63" name="Google Shape;515;p28">
-                <a:extLst>
-                  <a:ext uri="{FF2B5EF4-FFF2-40B4-BE49-F238E27FC236}">
-                    <a16:creationId xmlns:a16="http://schemas.microsoft.com/office/drawing/2014/main" id="{5E35AAF6-EA98-DF42-B44C-05E58A278FE3}"/>
-                  </a:ext>
-                </a:extLst>
-              </p:cNvPr>
-              <p:cNvSpPr/>
-              <p:nvPr/>
-            </p:nvSpPr>
-            <p:spPr>
-              <a:xfrm>
-                <a:off x="10619172" y="3379122"/>
-                <a:ext cx="82800" cy="82800"/>
-              </a:xfrm>
-              <a:prstGeom prst="ellipse">
-                <a:avLst/>
-              </a:prstGeom>
+              <a:prstDash val="solid"/>
+              <a:round/>
+              <a:headEnd type="none" w="sm" len="sm"/>
+              <a:tailEnd type="none" w="sm" len="sm"/>
+            </a:ln>
+          </p:spPr>
+          <p:txBody>
+            <a:bodyPr spcFirstLastPara="1" wrap="square" lIns="140875" tIns="140875" rIns="140875" bIns="140875" anchor="ctr" anchorCtr="0">
+              <a:noAutofit/>
+            </a:bodyPr>
+            <a:lstStyle/>
+            <a:p>
+              <a:pPr marL="0" lvl="0" indent="0" algn="ctr" rtl="0">
+                <a:spcBef>
+                  <a:spcPts val="0"/>
+                </a:spcBef>
+                <a:spcAft>
+                  <a:spcPts val="0"/>
+                </a:spcAft>
+                <a:buNone/>
+              </a:pPr>
+              <a:endParaRPr/>
+            </a:p>
+          </p:txBody>
+        </p:sp>
+        <p:sp>
+          <p:nvSpPr>
+            <p:cNvPr id="84" name="Google Shape;508;p28">
+              <a:extLst>
+                <a:ext uri="{FF2B5EF4-FFF2-40B4-BE49-F238E27FC236}">
+                  <a16:creationId xmlns:a16="http://schemas.microsoft.com/office/drawing/2014/main" id="{2F6BE459-17E2-294D-A798-938C9C44C521}"/>
+                </a:ext>
+              </a:extLst>
+            </p:cNvPr>
+            <p:cNvSpPr/>
+            <p:nvPr/>
+          </p:nvSpPr>
+          <p:spPr>
+            <a:xfrm>
+              <a:off x="14545696" y="1870065"/>
+              <a:ext cx="623100" cy="624813"/>
+            </a:xfrm>
+            <a:prstGeom prst="ellipse">
+              <a:avLst/>
+            </a:prstGeom>
+            <a:solidFill>
+              <a:srgbClr val="CFE2F3"/>
+            </a:solidFill>
+            <a:ln w="9525" cap="flat" cmpd="sng">
               <a:solidFill>
                 <a:srgbClr val="000000"/>
               </a:solidFill>
-              <a:ln w="9525" cap="flat" cmpd="sng">
-                <a:solidFill>
-                  <a:schemeClr val="dk2"/>
-                </a:solidFill>
-                <a:prstDash val="solid"/>
-                <a:round/>
-                <a:headEnd type="none" w="sm" len="sm"/>
-                <a:tailEnd type="none" w="sm" len="sm"/>
-              </a:ln>
-            </p:spPr>
-            <p:txBody>
-              <a:bodyPr spcFirstLastPara="1" wrap="square" lIns="91425" tIns="91425" rIns="91425" bIns="91425" anchor="ctr" anchorCtr="0">
-                <a:noAutofit/>
-              </a:bodyPr>
-              <a:lstStyle/>
-              <a:p>
-                <a:pPr marL="0" lvl="0" indent="0" algn="l" rtl="0">
-                  <a:spcBef>
-                    <a:spcPts val="0"/>
-                  </a:spcBef>
-                  <a:spcAft>
-                    <a:spcPts val="0"/>
-                  </a:spcAft>
-                  <a:buNone/>
-                </a:pPr>
-                <a:endParaRPr dirty="0"/>
-              </a:p>
-            </p:txBody>
-          </p:sp>
-          <p:sp>
-            <p:nvSpPr>
-              <p:cNvPr id="64" name="Google Shape;516;p28">
-                <a:extLst>
-                  <a:ext uri="{FF2B5EF4-FFF2-40B4-BE49-F238E27FC236}">
-                    <a16:creationId xmlns:a16="http://schemas.microsoft.com/office/drawing/2014/main" id="{0031617B-34EF-9340-8002-615D0DCA363A}"/>
-                  </a:ext>
-                </a:extLst>
-              </p:cNvPr>
-              <p:cNvSpPr/>
-              <p:nvPr/>
-            </p:nvSpPr>
-            <p:spPr>
-              <a:xfrm>
-                <a:off x="8484597" y="3136859"/>
-                <a:ext cx="2193888" cy="307999"/>
-              </a:xfrm>
-              <a:prstGeom prst="arc">
-                <a:avLst>
-                  <a:gd name="adj1" fmla="val 10794153"/>
-                  <a:gd name="adj2" fmla="val 0"/>
-                </a:avLst>
-              </a:prstGeom>
+              <a:prstDash val="solid"/>
+              <a:round/>
+              <a:headEnd type="none" w="sm" len="sm"/>
+              <a:tailEnd type="none" w="sm" len="sm"/>
+            </a:ln>
+          </p:spPr>
+          <p:txBody>
+            <a:bodyPr spcFirstLastPara="1" wrap="square" lIns="140875" tIns="140875" rIns="140875" bIns="140875" anchor="ctr" anchorCtr="0">
+              <a:noAutofit/>
+            </a:bodyPr>
+            <a:lstStyle/>
+            <a:p>
+              <a:pPr marL="0" lvl="0" indent="0" algn="ctr" rtl="0">
+                <a:spcBef>
+                  <a:spcPts val="0"/>
+                </a:spcBef>
+                <a:spcAft>
+                  <a:spcPts val="0"/>
+                </a:spcAft>
+                <a:buNone/>
+              </a:pPr>
+              <a:endParaRPr/>
+            </a:p>
+          </p:txBody>
+        </p:sp>
+        <p:sp>
+          <p:nvSpPr>
+            <p:cNvPr id="85" name="Google Shape;503;p28">
+              <a:extLst>
+                <a:ext uri="{FF2B5EF4-FFF2-40B4-BE49-F238E27FC236}">
+                  <a16:creationId xmlns:a16="http://schemas.microsoft.com/office/drawing/2014/main" id="{B27E15BD-6A4F-A84C-A661-D9AE7E82BF31}"/>
+                </a:ext>
+              </a:extLst>
+            </p:cNvPr>
+            <p:cNvSpPr txBox="1"/>
+            <p:nvPr/>
+          </p:nvSpPr>
+          <p:spPr>
+            <a:xfrm>
+              <a:off x="6015541" y="2015586"/>
+              <a:ext cx="966300" cy="364172"/>
+            </a:xfrm>
+            <a:prstGeom prst="rect">
+              <a:avLst/>
+            </a:prstGeom>
+            <a:noFill/>
+            <a:ln>
               <a:noFill/>
-              <a:ln w="12700" cap="flat" cmpd="sng">
-                <a:solidFill>
-                  <a:schemeClr val="dk2"/>
-                </a:solidFill>
-                <a:prstDash val="solid"/>
-                <a:round/>
-                <a:headEnd type="none" w="sm" len="sm"/>
-                <a:tailEnd type="stealth" w="sm" len="sm"/>
-              </a:ln>
-            </p:spPr>
-            <p:txBody>
-              <a:bodyPr spcFirstLastPara="1" wrap="square" lIns="91425" tIns="91425" rIns="91425" bIns="91425" anchor="ctr" anchorCtr="0">
-                <a:noAutofit/>
-              </a:bodyPr>
-              <a:lstStyle/>
-              <a:p>
-                <a:pPr marL="0" lvl="0" indent="0" algn="l" rtl="0">
-                  <a:spcBef>
-                    <a:spcPts val="0"/>
-                  </a:spcBef>
-                  <a:spcAft>
-                    <a:spcPts val="0"/>
-                  </a:spcAft>
-                  <a:buNone/>
-                </a:pPr>
-                <a:endParaRPr/>
-              </a:p>
-            </p:txBody>
-          </p:sp>
-          <p:sp>
-            <p:nvSpPr>
-              <p:cNvPr id="65" name="Google Shape;517;p28">
-                <a:extLst>
-                  <a:ext uri="{FF2B5EF4-FFF2-40B4-BE49-F238E27FC236}">
-                    <a16:creationId xmlns:a16="http://schemas.microsoft.com/office/drawing/2014/main" id="{88AAB33E-DCE2-8940-A4EE-44B3AB5828C8}"/>
-                  </a:ext>
-                </a:extLst>
-              </p:cNvPr>
-              <p:cNvSpPr/>
-              <p:nvPr/>
-            </p:nvSpPr>
-            <p:spPr>
-              <a:xfrm>
-                <a:off x="10701885" y="3106247"/>
-                <a:ext cx="4109475" cy="365223"/>
-              </a:xfrm>
-              <a:prstGeom prst="arc">
-                <a:avLst>
-                  <a:gd name="adj1" fmla="val 10835133"/>
-                  <a:gd name="adj2" fmla="val 0"/>
-                </a:avLst>
-              </a:prstGeom>
+            </a:ln>
+          </p:spPr>
+          <p:txBody>
+            <a:bodyPr spcFirstLastPara="1" wrap="square" lIns="91425" tIns="91425" rIns="91425" bIns="91425" anchor="t" anchorCtr="0">
+              <a:noAutofit/>
+            </a:bodyPr>
+            <a:lstStyle/>
+            <a:p>
+              <a:pPr marL="0" lvl="0" indent="0" algn="l" rtl="0">
+                <a:spcBef>
+                  <a:spcPts val="0"/>
+                </a:spcBef>
+                <a:spcAft>
+                  <a:spcPts val="0"/>
+                </a:spcAft>
+                <a:buNone/>
+              </a:pPr>
+              <a:r>
+                <a:rPr lang="en" sz="1200" dirty="0"/>
+                <a:t>RES_OK</a:t>
+              </a:r>
+              <a:endParaRPr sz="1200" dirty="0"/>
+            </a:p>
+          </p:txBody>
+        </p:sp>
+        <p:cxnSp>
+          <p:nvCxnSpPr>
+            <p:cNvPr id="86" name="Google Shape;504;p28">
+              <a:extLst>
+                <a:ext uri="{FF2B5EF4-FFF2-40B4-BE49-F238E27FC236}">
+                  <a16:creationId xmlns:a16="http://schemas.microsoft.com/office/drawing/2014/main" id="{D9CC7886-2923-184A-9278-58EDF397E9B5}"/>
+                </a:ext>
+              </a:extLst>
+            </p:cNvPr>
+            <p:cNvCxnSpPr/>
+            <p:nvPr/>
+          </p:nvCxnSpPr>
+          <p:spPr>
+            <a:xfrm rot="10800000">
+              <a:off x="13882096" y="2236193"/>
+              <a:ext cx="663600" cy="9082"/>
+            </a:xfrm>
+            <a:prstGeom prst="straightConnector1">
+              <a:avLst/>
+            </a:prstGeom>
+            <a:noFill/>
+            <a:ln w="9525" cap="flat" cmpd="sng">
+              <a:solidFill>
+                <a:srgbClr val="000000"/>
+              </a:solidFill>
+              <a:prstDash val="solid"/>
+              <a:round/>
+              <a:headEnd type="none" w="med" len="med"/>
+              <a:tailEnd type="stealth" w="med" len="med"/>
+            </a:ln>
+          </p:spPr>
+        </p:cxnSp>
+        <p:sp>
+          <p:nvSpPr>
+            <p:cNvPr id="87" name="Google Shape;503;p28">
+              <a:extLst>
+                <a:ext uri="{FF2B5EF4-FFF2-40B4-BE49-F238E27FC236}">
+                  <a16:creationId xmlns:a16="http://schemas.microsoft.com/office/drawing/2014/main" id="{640ADB74-5F32-5A41-9AE1-526C971995FA}"/>
+                </a:ext>
+              </a:extLst>
+            </p:cNvPr>
+            <p:cNvSpPr txBox="1"/>
+            <p:nvPr/>
+          </p:nvSpPr>
+          <p:spPr>
+            <a:xfrm>
+              <a:off x="13821273" y="1939099"/>
+              <a:ext cx="966300" cy="364172"/>
+            </a:xfrm>
+            <a:prstGeom prst="rect">
+              <a:avLst/>
+            </a:prstGeom>
+            <a:noFill/>
+            <a:ln>
               <a:noFill/>
-              <a:ln w="12700" cap="flat" cmpd="sng">
-                <a:solidFill>
-                  <a:schemeClr val="dk2"/>
-                </a:solidFill>
-                <a:prstDash val="solid"/>
-                <a:round/>
-                <a:headEnd type="none" w="sm" len="sm"/>
-                <a:tailEnd type="stealth" w="sm" len="sm"/>
-              </a:ln>
-            </p:spPr>
-            <p:txBody>
-              <a:bodyPr spcFirstLastPara="1" wrap="square" lIns="91425" tIns="91425" rIns="91425" bIns="91425" anchor="ctr" anchorCtr="0">
-                <a:noAutofit/>
-              </a:bodyPr>
-              <a:lstStyle/>
-              <a:p>
-                <a:pPr marL="0" lvl="0" indent="0" algn="l" rtl="0">
-                  <a:spcBef>
-                    <a:spcPts val="0"/>
-                  </a:spcBef>
-                  <a:spcAft>
-                    <a:spcPts val="0"/>
-                  </a:spcAft>
-                  <a:buNone/>
-                </a:pPr>
-                <a:endParaRPr/>
-              </a:p>
-            </p:txBody>
-          </p:sp>
-          <p:sp>
-            <p:nvSpPr>
-              <p:cNvPr id="72" name="Google Shape;532;p28">
-                <a:extLst>
-                  <a:ext uri="{FF2B5EF4-FFF2-40B4-BE49-F238E27FC236}">
-                    <a16:creationId xmlns:a16="http://schemas.microsoft.com/office/drawing/2014/main" id="{5180718C-E29B-0B45-BEA5-BB4ABEBBD660}"/>
-                  </a:ext>
-                </a:extLst>
-              </p:cNvPr>
-              <p:cNvSpPr txBox="1"/>
-              <p:nvPr/>
-            </p:nvSpPr>
-            <p:spPr>
-              <a:xfrm>
-                <a:off x="9287672" y="3712374"/>
-                <a:ext cx="4951550" cy="605626"/>
-              </a:xfrm>
-              <a:prstGeom prst="rect">
-                <a:avLst/>
-              </a:prstGeom>
-              <a:noFill/>
-              <a:ln>
-                <a:noFill/>
-              </a:ln>
-            </p:spPr>
-            <p:txBody>
-              <a:bodyPr spcFirstLastPara="1" wrap="square" lIns="91425" tIns="91425" rIns="91425" bIns="91425" anchor="t" anchorCtr="0">
-                <a:noAutofit/>
-              </a:bodyPr>
-              <a:lstStyle/>
-              <a:p>
-                <a:r>
-                  <a:rPr lang="en-US" dirty="0"/>
-                  <a:t>Attempt #2: </a:t>
-                </a:r>
-                <a:r>
-                  <a:rPr lang="en-US" i="1" dirty="0" err="1"/>
-                  <a:t>ackTimeout</a:t>
-                </a:r>
-                <a:r>
-                  <a:rPr lang="en-US" dirty="0"/>
-                  <a:t> is increased twice!</a:t>
-                </a:r>
-                <a:endParaRPr dirty="0"/>
-              </a:p>
-            </p:txBody>
-          </p:sp>
-          <p:sp>
-            <p:nvSpPr>
-              <p:cNvPr id="73" name="Google Shape;497;p28">
-                <a:extLst>
-                  <a:ext uri="{FF2B5EF4-FFF2-40B4-BE49-F238E27FC236}">
-                    <a16:creationId xmlns:a16="http://schemas.microsoft.com/office/drawing/2014/main" id="{1742217A-A758-B647-A4F7-2379AB8E61C1}"/>
-                  </a:ext>
-                </a:extLst>
-              </p:cNvPr>
-              <p:cNvSpPr txBox="1"/>
-              <p:nvPr/>
-            </p:nvSpPr>
-            <p:spPr>
-              <a:xfrm>
-                <a:off x="405239" y="4036993"/>
-                <a:ext cx="3329209" cy="662363"/>
-              </a:xfrm>
-              <a:prstGeom prst="rect">
-                <a:avLst/>
-              </a:prstGeom>
-              <a:noFill/>
-              <a:ln>
-                <a:noFill/>
-              </a:ln>
-            </p:spPr>
-            <p:txBody>
-              <a:bodyPr spcFirstLastPara="1" wrap="square" lIns="91425" tIns="91425" rIns="91425" bIns="91425" anchor="t" anchorCtr="0">
-                <a:noAutofit/>
-              </a:bodyPr>
-              <a:lstStyle/>
-              <a:p>
-                <a:pPr marL="0" lvl="0" indent="0" algn="l" rtl="0">
-                  <a:spcBef>
-                    <a:spcPts val="0"/>
-                  </a:spcBef>
-                  <a:spcAft>
-                    <a:spcPts val="0"/>
-                  </a:spcAft>
-                  <a:buNone/>
-                </a:pPr>
-                <a:r>
-                  <a:rPr lang="en-US" sz="1200" dirty="0"/>
-                  <a:t>Some delay. Equal to ping frequency at most. In case of this extended configuration ping rate =  ( </a:t>
-                </a:r>
-                <a:r>
-                  <a:rPr lang="en-US" sz="1200" dirty="0" err="1"/>
-                  <a:t>sockTimeout</a:t>
-                </a:r>
-                <a:r>
-                  <a:rPr lang="en-US" sz="1200" dirty="0"/>
-                  <a:t> + </a:t>
-                </a:r>
-                <a:r>
-                  <a:rPr lang="en-US" sz="1200" dirty="0" err="1"/>
-                  <a:t>ackTimeout</a:t>
-                </a:r>
-                <a:r>
-                  <a:rPr lang="en-US" sz="1200" dirty="0"/>
-                  <a:t>) / 3.</a:t>
-                </a:r>
-                <a:endParaRPr sz="1200" dirty="0"/>
-              </a:p>
-            </p:txBody>
-          </p:sp>
-          <p:cxnSp>
-            <p:nvCxnSpPr>
-              <p:cNvPr id="74" name="Google Shape;498;p28">
-                <a:extLst>
-                  <a:ext uri="{FF2B5EF4-FFF2-40B4-BE49-F238E27FC236}">
-                    <a16:creationId xmlns:a16="http://schemas.microsoft.com/office/drawing/2014/main" id="{DF7F3D21-703F-5448-8970-EC737C83F249}"/>
-                  </a:ext>
-                </a:extLst>
-              </p:cNvPr>
-              <p:cNvCxnSpPr>
-                <a:cxnSpLocks/>
-              </p:cNvCxnSpPr>
-              <p:nvPr/>
-            </p:nvCxnSpPr>
-            <p:spPr>
-              <a:xfrm flipV="1">
-                <a:off x="1480917" y="3503990"/>
-                <a:ext cx="231732" cy="545704"/>
-              </a:xfrm>
-              <a:prstGeom prst="straightConnector1">
-                <a:avLst/>
-              </a:prstGeom>
-              <a:noFill/>
-              <a:ln w="9525" cap="flat" cmpd="sng">
-                <a:solidFill>
-                  <a:srgbClr val="000000"/>
-                </a:solidFill>
-                <a:prstDash val="solid"/>
-                <a:round/>
-                <a:headEnd type="none" w="med" len="med"/>
-                <a:tailEnd type="triangle" w="med" len="med"/>
-              </a:ln>
-            </p:spPr>
-          </p:cxnSp>
-          <p:sp>
-            <p:nvSpPr>
-              <p:cNvPr id="77" name="Google Shape;516;p28">
-                <a:extLst>
-                  <a:ext uri="{FF2B5EF4-FFF2-40B4-BE49-F238E27FC236}">
-                    <a16:creationId xmlns:a16="http://schemas.microsoft.com/office/drawing/2014/main" id="{5E7444EC-E269-BA49-9C58-771F855B7864}"/>
-                  </a:ext>
-                </a:extLst>
-              </p:cNvPr>
-              <p:cNvSpPr/>
-              <p:nvPr/>
-            </p:nvSpPr>
-            <p:spPr>
-              <a:xfrm flipV="1">
-                <a:off x="7079173" y="3277833"/>
-                <a:ext cx="1274738" cy="530559"/>
-              </a:xfrm>
-              <a:prstGeom prst="arc">
-                <a:avLst>
-                  <a:gd name="adj1" fmla="val 10794153"/>
-                  <a:gd name="adj2" fmla="val 21435497"/>
-                </a:avLst>
-              </a:prstGeom>
-              <a:noFill/>
-              <a:ln w="12700" cap="flat" cmpd="sng">
-                <a:solidFill>
-                  <a:schemeClr val="dk2"/>
-                </a:solidFill>
-                <a:prstDash val="solid"/>
-                <a:round/>
-                <a:headEnd type="none" w="sm" len="sm"/>
-                <a:tailEnd type="stealth" w="sm" len="sm"/>
-              </a:ln>
-            </p:spPr>
-            <p:txBody>
-              <a:bodyPr spcFirstLastPara="1" wrap="square" lIns="91425" tIns="91425" rIns="91425" bIns="91425" anchor="ctr" anchorCtr="0">
-                <a:noAutofit/>
-              </a:bodyPr>
-              <a:lstStyle/>
-              <a:p>
-                <a:pPr marL="0" lvl="0" indent="0" algn="l" rtl="0">
-                  <a:spcBef>
-                    <a:spcPts val="0"/>
-                  </a:spcBef>
-                  <a:spcAft>
-                    <a:spcPts val="0"/>
-                  </a:spcAft>
-                  <a:buNone/>
-                </a:pPr>
-                <a:endParaRPr/>
-              </a:p>
-            </p:txBody>
-          </p:sp>
-          <p:cxnSp>
-            <p:nvCxnSpPr>
-              <p:cNvPr id="78" name="Google Shape;498;p28">
-                <a:extLst>
-                  <a:ext uri="{FF2B5EF4-FFF2-40B4-BE49-F238E27FC236}">
-                    <a16:creationId xmlns:a16="http://schemas.microsoft.com/office/drawing/2014/main" id="{E2B86502-63C9-2345-87E2-6F88D1A07055}"/>
-                  </a:ext>
-                </a:extLst>
-              </p:cNvPr>
-              <p:cNvCxnSpPr>
-                <a:cxnSpLocks/>
-              </p:cNvCxnSpPr>
-              <p:nvPr/>
-            </p:nvCxnSpPr>
-            <p:spPr>
-              <a:xfrm flipV="1">
-                <a:off x="7569200" y="3867348"/>
-                <a:ext cx="154659" cy="397619"/>
-              </a:xfrm>
-              <a:prstGeom prst="straightConnector1">
-                <a:avLst/>
-              </a:prstGeom>
-              <a:noFill/>
-              <a:ln w="9525" cap="flat" cmpd="sng">
-                <a:solidFill>
-                  <a:srgbClr val="000000"/>
-                </a:solidFill>
-                <a:prstDash val="solid"/>
-                <a:round/>
-                <a:headEnd type="none" w="med" len="med"/>
-                <a:tailEnd type="triangle" w="med" len="med"/>
-              </a:ln>
-            </p:spPr>
-          </p:cxnSp>
-          <p:sp>
-            <p:nvSpPr>
-              <p:cNvPr id="79" name="Google Shape;497;p28">
-                <a:extLst>
-                  <a:ext uri="{FF2B5EF4-FFF2-40B4-BE49-F238E27FC236}">
-                    <a16:creationId xmlns:a16="http://schemas.microsoft.com/office/drawing/2014/main" id="{0E7DF76C-4CE1-BE49-95A3-4FBB6BA17788}"/>
-                  </a:ext>
-                </a:extLst>
-              </p:cNvPr>
-              <p:cNvSpPr txBox="1"/>
-              <p:nvPr/>
-            </p:nvSpPr>
-            <p:spPr>
-              <a:xfrm>
-                <a:off x="5943684" y="4162070"/>
-                <a:ext cx="3543216" cy="684658"/>
-              </a:xfrm>
-              <a:prstGeom prst="rect">
-                <a:avLst/>
-              </a:prstGeom>
-              <a:noFill/>
-              <a:ln>
-                <a:noFill/>
-              </a:ln>
-            </p:spPr>
-            <p:txBody>
-              <a:bodyPr spcFirstLastPara="1" wrap="square" lIns="91425" tIns="91425" rIns="91425" bIns="91425" anchor="t" anchorCtr="0">
-                <a:noAutofit/>
-              </a:bodyPr>
-              <a:lstStyle/>
-              <a:p>
-                <a:pPr marL="0" lvl="0" indent="0" algn="ctr" rtl="0">
-                  <a:spcBef>
-                    <a:spcPts val="0"/>
-                  </a:spcBef>
-                  <a:spcAft>
-                    <a:spcPts val="0"/>
-                  </a:spcAft>
-                  <a:buNone/>
-                </a:pPr>
-                <a:r>
-                  <a:rPr lang="en-US" dirty="0"/>
-                  <a:t>Open socket again. </a:t>
-                </a:r>
-              </a:p>
-              <a:p>
-                <a:pPr marL="0" lvl="0" indent="0" algn="ctr" rtl="0">
-                  <a:spcBef>
-                    <a:spcPts val="0"/>
-                  </a:spcBef>
-                  <a:spcAft>
-                    <a:spcPts val="0"/>
-                  </a:spcAft>
-                  <a:buNone/>
-                </a:pPr>
-                <a:r>
-                  <a:rPr lang="en-US" dirty="0"/>
-                  <a:t>At most </a:t>
-                </a:r>
-                <a:r>
-                  <a:rPr lang="en-US" u="sng" dirty="0"/>
-                  <a:t>2 * </a:t>
-                </a:r>
-                <a:r>
-                  <a:rPr lang="en-US" i="1" u="sng" dirty="0" err="1"/>
-                  <a:t>socketTimeout</a:t>
-                </a:r>
-                <a:r>
-                  <a:rPr lang="en-US" i="1" u="sng" dirty="0"/>
-                  <a:t> (*)</a:t>
-                </a:r>
-                <a:endParaRPr u="sng" dirty="0"/>
-              </a:p>
-            </p:txBody>
-          </p:sp>
-          <p:sp>
-            <p:nvSpPr>
-              <p:cNvPr id="83" name="Google Shape;508;p28">
-                <a:extLst>
-                  <a:ext uri="{FF2B5EF4-FFF2-40B4-BE49-F238E27FC236}">
-                    <a16:creationId xmlns:a16="http://schemas.microsoft.com/office/drawing/2014/main" id="{A7112C6E-3C17-CB41-99B5-45DF79F37EE7}"/>
-                  </a:ext>
-                </a:extLst>
-              </p:cNvPr>
-              <p:cNvSpPr/>
-              <p:nvPr/>
-            </p:nvSpPr>
-            <p:spPr>
-              <a:xfrm>
-                <a:off x="6740323" y="2177156"/>
-                <a:ext cx="623100" cy="619200"/>
-              </a:xfrm>
-              <a:prstGeom prst="ellipse">
-                <a:avLst/>
-              </a:prstGeom>
-              <a:solidFill>
-                <a:srgbClr val="CFE2F3"/>
-              </a:solidFill>
-              <a:ln w="9525" cap="flat" cmpd="sng">
-                <a:solidFill>
-                  <a:srgbClr val="000000"/>
-                </a:solidFill>
-                <a:prstDash val="solid"/>
-                <a:round/>
-                <a:headEnd type="none" w="sm" len="sm"/>
-                <a:tailEnd type="none" w="sm" len="sm"/>
-              </a:ln>
-            </p:spPr>
-            <p:txBody>
-              <a:bodyPr spcFirstLastPara="1" wrap="square" lIns="140875" tIns="140875" rIns="140875" bIns="140875" anchor="ctr" anchorCtr="0">
-                <a:noAutofit/>
-              </a:bodyPr>
-              <a:lstStyle/>
-              <a:p>
-                <a:pPr marL="0" lvl="0" indent="0" algn="ctr" rtl="0">
-                  <a:spcBef>
-                    <a:spcPts val="0"/>
-                  </a:spcBef>
-                  <a:spcAft>
-                    <a:spcPts val="0"/>
-                  </a:spcAft>
-                  <a:buNone/>
-                </a:pPr>
-                <a:endParaRPr/>
-              </a:p>
-            </p:txBody>
-          </p:sp>
-          <p:sp>
-            <p:nvSpPr>
-              <p:cNvPr id="84" name="Google Shape;508;p28">
-                <a:extLst>
-                  <a:ext uri="{FF2B5EF4-FFF2-40B4-BE49-F238E27FC236}">
-                    <a16:creationId xmlns:a16="http://schemas.microsoft.com/office/drawing/2014/main" id="{2F6BE459-17E2-294D-A798-938C9C44C521}"/>
-                  </a:ext>
-                </a:extLst>
-              </p:cNvPr>
-              <p:cNvSpPr/>
-              <p:nvPr/>
-            </p:nvSpPr>
-            <p:spPr>
-              <a:xfrm>
-                <a:off x="14567935" y="1976231"/>
-                <a:ext cx="623100" cy="619200"/>
-              </a:xfrm>
-              <a:prstGeom prst="ellipse">
-                <a:avLst/>
-              </a:prstGeom>
-              <a:solidFill>
-                <a:srgbClr val="CFE2F3"/>
-              </a:solidFill>
-              <a:ln w="9525" cap="flat" cmpd="sng">
-                <a:solidFill>
-                  <a:srgbClr val="000000"/>
-                </a:solidFill>
-                <a:prstDash val="solid"/>
-                <a:round/>
-                <a:headEnd type="none" w="sm" len="sm"/>
-                <a:tailEnd type="none" w="sm" len="sm"/>
-              </a:ln>
-            </p:spPr>
-            <p:txBody>
-              <a:bodyPr spcFirstLastPara="1" wrap="square" lIns="140875" tIns="140875" rIns="140875" bIns="140875" anchor="ctr" anchorCtr="0">
-                <a:noAutofit/>
-              </a:bodyPr>
-              <a:lstStyle/>
-              <a:p>
-                <a:pPr marL="0" lvl="0" indent="0" algn="ctr" rtl="0">
-                  <a:spcBef>
-                    <a:spcPts val="0"/>
-                  </a:spcBef>
-                  <a:spcAft>
-                    <a:spcPts val="0"/>
-                  </a:spcAft>
-                  <a:buNone/>
-                </a:pPr>
-                <a:endParaRPr/>
-              </a:p>
-            </p:txBody>
-          </p:sp>
-          <p:sp>
-            <p:nvSpPr>
-              <p:cNvPr id="85" name="Google Shape;503;p28">
-                <a:extLst>
-                  <a:ext uri="{FF2B5EF4-FFF2-40B4-BE49-F238E27FC236}">
-                    <a16:creationId xmlns:a16="http://schemas.microsoft.com/office/drawing/2014/main" id="{B27E15BD-6A4F-A84C-A661-D9AE7E82BF31}"/>
-                  </a:ext>
-                </a:extLst>
-              </p:cNvPr>
-              <p:cNvSpPr txBox="1"/>
-              <p:nvPr/>
-            </p:nvSpPr>
-            <p:spPr>
-              <a:xfrm>
-                <a:off x="6040875" y="2315534"/>
-                <a:ext cx="966300" cy="360900"/>
-              </a:xfrm>
-              <a:prstGeom prst="rect">
-                <a:avLst/>
-              </a:prstGeom>
-              <a:noFill/>
-              <a:ln>
-                <a:noFill/>
-              </a:ln>
-            </p:spPr>
-            <p:txBody>
-              <a:bodyPr spcFirstLastPara="1" wrap="square" lIns="91425" tIns="91425" rIns="91425" bIns="91425" anchor="t" anchorCtr="0">
-                <a:noAutofit/>
-              </a:bodyPr>
-              <a:lstStyle/>
-              <a:p>
-                <a:pPr marL="0" lvl="0" indent="0" algn="l" rtl="0">
-                  <a:spcBef>
-                    <a:spcPts val="0"/>
-                  </a:spcBef>
-                  <a:spcAft>
-                    <a:spcPts val="0"/>
-                  </a:spcAft>
-                  <a:buNone/>
-                </a:pPr>
-                <a:r>
-                  <a:rPr lang="en" sz="1200" dirty="0"/>
-                  <a:t>RES_OK</a:t>
-                </a:r>
-                <a:endParaRPr sz="1200" dirty="0"/>
-              </a:p>
-            </p:txBody>
-          </p:sp>
-          <p:cxnSp>
-            <p:nvCxnSpPr>
-              <p:cNvPr id="86" name="Google Shape;504;p28">
-                <a:extLst>
-                  <a:ext uri="{FF2B5EF4-FFF2-40B4-BE49-F238E27FC236}">
-                    <a16:creationId xmlns:a16="http://schemas.microsoft.com/office/drawing/2014/main" id="{D9CC7886-2923-184A-9278-58EDF397E9B5}"/>
-                  </a:ext>
-                </a:extLst>
-              </p:cNvPr>
-              <p:cNvCxnSpPr/>
-              <p:nvPr/>
-            </p:nvCxnSpPr>
-            <p:spPr>
-              <a:xfrm rot="10800000">
-                <a:off x="13881672" y="2534159"/>
-                <a:ext cx="663600" cy="9000"/>
-              </a:xfrm>
-              <a:prstGeom prst="straightConnector1">
-                <a:avLst/>
-              </a:prstGeom>
-              <a:noFill/>
-              <a:ln w="9525" cap="flat" cmpd="sng">
-                <a:solidFill>
-                  <a:srgbClr val="000000"/>
-                </a:solidFill>
-                <a:prstDash val="solid"/>
-                <a:round/>
-                <a:headEnd type="none" w="med" len="med"/>
-                <a:tailEnd type="stealth" w="med" len="med"/>
-              </a:ln>
-            </p:spPr>
-          </p:cxnSp>
-          <p:sp>
-            <p:nvSpPr>
-              <p:cNvPr id="87" name="Google Shape;503;p28">
-                <a:extLst>
-                  <a:ext uri="{FF2B5EF4-FFF2-40B4-BE49-F238E27FC236}">
-                    <a16:creationId xmlns:a16="http://schemas.microsoft.com/office/drawing/2014/main" id="{640ADB74-5F32-5A41-9AE1-526C971995FA}"/>
-                  </a:ext>
-                </a:extLst>
-              </p:cNvPr>
-              <p:cNvSpPr txBox="1"/>
-              <p:nvPr/>
-            </p:nvSpPr>
-            <p:spPr>
-              <a:xfrm>
-                <a:off x="13859486" y="2239734"/>
-                <a:ext cx="966300" cy="360900"/>
-              </a:xfrm>
-              <a:prstGeom prst="rect">
-                <a:avLst/>
-              </a:prstGeom>
-              <a:noFill/>
-              <a:ln>
-                <a:noFill/>
-              </a:ln>
-            </p:spPr>
-            <p:txBody>
-              <a:bodyPr spcFirstLastPara="1" wrap="square" lIns="91425" tIns="91425" rIns="91425" bIns="91425" anchor="t" anchorCtr="0">
-                <a:noAutofit/>
-              </a:bodyPr>
-              <a:lstStyle/>
-              <a:p>
-                <a:pPr marL="0" lvl="0" indent="0" algn="l" rtl="0">
-                  <a:spcBef>
-                    <a:spcPts val="0"/>
-                  </a:spcBef>
-                  <a:spcAft>
-                    <a:spcPts val="0"/>
-                  </a:spcAft>
-                  <a:buNone/>
-                </a:pPr>
-                <a:r>
-                  <a:rPr lang="en" sz="1200" dirty="0"/>
-                  <a:t>RES_OK</a:t>
-                </a:r>
-                <a:endParaRPr sz="1200" dirty="0"/>
-              </a:p>
-            </p:txBody>
-          </p:sp>
-        </p:grpSp>
+            </a:ln>
+          </p:spPr>
+          <p:txBody>
+            <a:bodyPr spcFirstLastPara="1" wrap="square" lIns="91425" tIns="91425" rIns="91425" bIns="91425" anchor="t" anchorCtr="0">
+              <a:noAutofit/>
+            </a:bodyPr>
+            <a:lstStyle/>
+            <a:p>
+              <a:pPr marL="0" lvl="0" indent="0" algn="l" rtl="0">
+                <a:spcBef>
+                  <a:spcPts val="0"/>
+                </a:spcBef>
+                <a:spcAft>
+                  <a:spcPts val="0"/>
+                </a:spcAft>
+                <a:buNone/>
+              </a:pPr>
+              <a:r>
+                <a:rPr lang="en" sz="1200" dirty="0"/>
+                <a:t>RES_OK</a:t>
+              </a:r>
+              <a:endParaRPr sz="1200" dirty="0"/>
+            </a:p>
+          </p:txBody>
+        </p:sp>
       </p:grpSp>
       <p:sp>
         <p:nvSpPr>
@@ -22912,7 +22747,7 @@
         </p:nvSpPr>
         <p:spPr>
           <a:xfrm>
-            <a:off x="919415" y="6448491"/>
+            <a:off x="919415" y="6860616"/>
             <a:ext cx="12604666" cy="1600438"/>
           </a:xfrm>
           <a:prstGeom prst="rect">
@@ -23095,64 +22930,6 @@
           </a:p>
           <a:p>
             <a:endParaRPr lang="ru-RU" dirty="0"/>
-          </a:p>
-        </p:txBody>
-      </p:sp>
-      <p:sp>
-        <p:nvSpPr>
-          <p:cNvPr id="3" name="TextBox 2">
-            <a:extLst>
-              <a:ext uri="{FF2B5EF4-FFF2-40B4-BE49-F238E27FC236}">
-                <a16:creationId xmlns:a16="http://schemas.microsoft.com/office/drawing/2014/main" id="{247F0EFE-FE7B-2642-A7F0-16C0A4F7A6AA}"/>
-              </a:ext>
-            </a:extLst>
-          </p:cNvPr>
-          <p:cNvSpPr txBox="1"/>
-          <p:nvPr/>
-        </p:nvSpPr>
-        <p:spPr>
-          <a:xfrm>
-            <a:off x="177801" y="8035683"/>
-            <a:ext cx="13938791" cy="338554"/>
-          </a:xfrm>
-          <a:prstGeom prst="rect">
-            <a:avLst/>
-          </a:prstGeom>
-          <a:noFill/>
-        </p:spPr>
-        <p:txBody>
-          <a:bodyPr wrap="square" rtlCol="0">
-            <a:spAutoFit/>
-          </a:bodyPr>
-          <a:lstStyle/>
-          <a:p>
-            <a:pPr marL="285750" indent="-285750">
-              <a:buFont typeface="Arial" panose="020B0604020202020204" pitchFamily="34" charset="0"/>
-              <a:buChar char="•"/>
-            </a:pPr>
-            <a:r>
-              <a:rPr lang="en-US" sz="1600" dirty="0"/>
-              <a:t>Of course, these parameters change total reaction time to process </a:t>
-            </a:r>
-            <a:r>
-              <a:rPr lang="en-US" sz="1600"/>
-              <a:t>node failure </a:t>
-            </a:r>
-            <a:r>
-              <a:rPr lang="en-US" sz="1600" dirty="0"/>
-              <a:t>(see page </a:t>
-            </a:r>
-            <a:r>
-              <a:rPr lang="en-US" sz="1600" dirty="0">
-                <a:hlinkClick r:id="rId3" action="ppaction://hlinksldjump"/>
-              </a:rPr>
-              <a:t>#13, 'Node failure processing #4'</a:t>
-            </a:r>
-            <a:r>
-              <a:rPr lang="en-US" sz="1600" dirty="0"/>
-              <a:t>).</a:t>
-            </a:r>
-            <a:endParaRPr lang="ru-RU" sz="1600" dirty="0"/>
           </a:p>
         </p:txBody>
       </p:sp>

--- a/Discovery.pptx
+++ b/Discovery.pptx
@@ -14915,26 +14915,6 @@
               </a:spcAft>
               <a:buNone/>
             </a:pPr>
-            <a:r>
-              <a:rPr lang="en" sz="1600" dirty="0"/>
-              <a:t>By default </a:t>
-            </a:r>
-            <a:r>
-              <a:rPr lang="en" sz="1600" i="1" u="sng" dirty="0" err="1"/>
-              <a:t>connectionRecoveryTimeout</a:t>
-            </a:r>
-            <a:r>
-              <a:rPr lang="en" sz="1600" u="sng" dirty="0"/>
-              <a:t> = </a:t>
-            </a:r>
-            <a:r>
-              <a:rPr lang="en" sz="1600" i="1" u="sng" dirty="0" err="1"/>
-              <a:t>failureDetectionTimeout</a:t>
-            </a:r>
-            <a:r>
-              <a:rPr lang="en" sz="1600" i="1" dirty="0"/>
-              <a:t>.</a:t>
-            </a:r>
             <a:endParaRPr sz="1600" dirty="0"/>
           </a:p>
         </p:txBody>
@@ -15198,8 +15178,8 @@
         </p:nvSpPr>
         <p:spPr>
           <a:xfrm>
-            <a:off x="8446148" y="4278750"/>
-            <a:ext cx="6793852" cy="4293750"/>
+            <a:off x="8403149" y="4286250"/>
+            <a:ext cx="6793852" cy="3556920"/>
           </a:xfrm>
           <a:prstGeom prst="rect">
             <a:avLst/>
@@ -15270,7 +15250,7 @@
               <a:rPr lang="en" smtClean="0"/>
               <a:t>12</a:t>
             </a:fld>
-            <a:endParaRPr lang="en"/>
+            <a:endParaRPr lang="en" dirty="0"/>
           </a:p>
         </p:txBody>
       </p:sp>
@@ -16398,12 +16378,32 @@
             </a:pPr>
             <a:r>
               <a:rPr lang="en" sz="1600" b="1" dirty="0"/>
-              <a:t>Basic formula </a:t>
+              <a:t>Basic </a:t>
+            </a:r>
+            <a:r>
+              <a:rPr lang="en" sz="1600" b="1" dirty="0" err="1"/>
+              <a:t>forrmula</a:t>
+            </a:r>
+            <a:r>
+              <a:rPr lang="en" sz="1600" b="1" dirty="0"/>
+              <a:t> </a:t>
             </a:r>
             <a:r>
               <a:rPr lang="en" sz="1600" dirty="0"/>
-              <a:t>to figure out delay to process node failure is:</a:t>
-            </a:r>
+              <a:t>of node failure processing delay is:</a:t>
+            </a:r>
+          </a:p>
+          <a:p>
+            <a:pPr marL="0" lvl="0" indent="0" algn="l" rtl="0">
+              <a:spcBef>
+                <a:spcPts val="0"/>
+              </a:spcBef>
+              <a:spcAft>
+                <a:spcPts val="0"/>
+              </a:spcAft>
+              <a:buNone/>
+            </a:pPr>
+            <a:endParaRPr lang="en" sz="1600" dirty="0"/>
           </a:p>
           <a:p>
             <a:pPr algn="ctr"/>
@@ -16417,9 +16417,13 @@
             </a:r>
             <a:r>
               <a:rPr lang="en-US" sz="2000" i="1" dirty="0"/>
-              <a:t> * 2</a:t>
-            </a:r>
-            <a:endParaRPr lang="en" sz="2000" i="1" dirty="0"/>
+              <a:t> + </a:t>
+            </a:r>
+            <a:r>
+              <a:rPr lang="en-US" sz="2000" i="1" dirty="0" err="1"/>
+              <a:t>connRecoveryTimeout</a:t>
+            </a:r>
+            <a:endParaRPr sz="2000" i="1" dirty="0"/>
           </a:p>
           <a:p>
             <a:pPr marL="0" lvl="0" indent="0" algn="l" rtl="0">
@@ -16431,58 +16435,73 @@
               </a:spcAft>
               <a:buNone/>
             </a:pPr>
-            <a:endParaRPr lang="en" sz="1600" i="1" dirty="0"/>
-          </a:p>
-          <a:p>
-            <a:pPr lvl="0"/>
-            <a:r>
-              <a:rPr lang="en-US" sz="1600" dirty="0"/>
-              <a:t>Because </a:t>
-            </a:r>
-            <a:r>
-              <a:rPr lang="en-US" sz="1600" dirty="0" err="1"/>
-              <a:t>connectionRecoveryTimeout</a:t>
-            </a:r>
-            <a:r>
-              <a:rPr lang="en-US" sz="1600" dirty="0"/>
-              <a:t> = </a:t>
-            </a:r>
-            <a:r>
-              <a:rPr lang="en-US" sz="1600" i="1" dirty="0" err="1"/>
-              <a:t>failureDetectionTimeout</a:t>
-            </a:r>
-            <a:r>
-              <a:rPr lang="en-US" sz="1600" dirty="0"/>
-              <a:t> by default. If </a:t>
-            </a:r>
-            <a:r>
-              <a:rPr lang="en-US" sz="1600" i="1" dirty="0" err="1"/>
-              <a:t>connectionRecoveryTimeout</a:t>
-            </a:r>
-            <a:r>
-              <a:rPr lang="en-US" sz="1600" dirty="0"/>
-              <a:t> is set:</a:t>
+            <a:endParaRPr lang="en" sz="1600" b="1" dirty="0"/>
+          </a:p>
+          <a:p>
+            <a:pPr marL="0" lvl="0" indent="0" algn="l" rtl="0">
+              <a:spcBef>
+                <a:spcPts val="0"/>
+              </a:spcBef>
+              <a:spcAft>
+                <a:spcPts val="0"/>
+              </a:spcAft>
+              <a:buNone/>
+            </a:pPr>
+            <a:endParaRPr lang="en" sz="1600" b="1" dirty="0"/>
+          </a:p>
+          <a:p>
+            <a:pPr marL="0" lvl="0" indent="0" algn="l" rtl="0">
+              <a:spcBef>
+                <a:spcPts val="0"/>
+              </a:spcBef>
+              <a:spcAft>
+                <a:spcPts val="0"/>
+              </a:spcAft>
+              <a:buNone/>
+            </a:pPr>
+            <a:r>
+              <a:rPr lang="en" sz="1600" b="1" u="sng" dirty="0"/>
+              <a:t>Real estimation</a:t>
+            </a:r>
+            <a:r>
+              <a:rPr lang="en" sz="1600" dirty="0"/>
+              <a:t> is worst. To notify the cluster about detected node failure, </a:t>
+            </a:r>
+            <a:r>
+              <a:rPr lang="en" sz="1600" i="1" dirty="0" err="1"/>
+              <a:t>NodeFailed</a:t>
+            </a:r>
+            <a:r>
+              <a:rPr lang="en" sz="1600" dirty="0"/>
+              <a:t> message can run twice around the ring. The message meets delay on each node like GC, CPU lack and network issues. Let’s name this affection ‘</a:t>
+            </a:r>
+            <a:r>
+              <a:rPr lang="en" sz="1600" dirty="0" err="1"/>
+              <a:t>node_delay</a:t>
+            </a:r>
+            <a:r>
+              <a:rPr lang="en" sz="1600" dirty="0"/>
+              <a:t>’. </a:t>
+            </a:r>
+            <a:r>
+              <a:rPr lang="en" sz="1600" dirty="0" err="1"/>
+              <a:t>Overal</a:t>
+            </a:r>
+            <a:r>
+              <a:rPr lang="en" sz="1600" dirty="0"/>
+              <a:t> delay would be:</a:t>
             </a:r>
             <a:endParaRPr sz="1600" dirty="0"/>
           </a:p>
           <a:p>
-            <a:pPr marL="0" lvl="0" indent="0" algn="l" rtl="0">
-              <a:spcBef>
-                <a:spcPts val="0"/>
-              </a:spcBef>
-              <a:spcAft>
-                <a:spcPts val="0"/>
-              </a:spcAft>
-              <a:buNone/>
-            </a:pPr>
-            <a:endParaRPr lang="en-US" sz="1000" i="1" dirty="0"/>
-          </a:p>
-          <a:p>
-            <a:pPr lvl="0" algn="ctr"/>
-            <a:r>
-              <a:rPr lang="en-US" sz="1600" i="1" dirty="0"/>
+            <a:pPr algn="ctr"/>
+            <a:r>
+              <a:rPr lang="en-US" sz="2000" i="1" dirty="0"/>
               <a:t> </a:t>
             </a:r>
+          </a:p>
+          <a:p>
+            <a:pPr algn="ctr"/>
             <a:r>
               <a:rPr lang="en-US" sz="2000" i="1" dirty="0" err="1"/>
               <a:t>failureDetectionTimeout</a:t>
@@ -16495,96 +16514,9 @@
               <a:rPr lang="en-US" sz="2000" i="1" dirty="0" err="1"/>
               <a:t>connRecoveryTimeout</a:t>
             </a:r>
-            <a:endParaRPr sz="2000" i="1" dirty="0"/>
-          </a:p>
-          <a:p>
-            <a:pPr marL="0" lvl="0" indent="0" algn="l" rtl="0">
-              <a:spcBef>
-                <a:spcPts val="0"/>
-              </a:spcBef>
-              <a:spcAft>
-                <a:spcPts val="0"/>
-              </a:spcAft>
-              <a:buNone/>
-            </a:pPr>
-            <a:endParaRPr lang="en" sz="1600" b="1" dirty="0"/>
-          </a:p>
-          <a:p>
-            <a:pPr marL="0" lvl="0" indent="0" algn="l" rtl="0">
-              <a:spcBef>
-                <a:spcPts val="0"/>
-              </a:spcBef>
-              <a:spcAft>
-                <a:spcPts val="0"/>
-              </a:spcAft>
-              <a:buNone/>
-            </a:pPr>
-            <a:endParaRPr lang="en" sz="1600" b="1" dirty="0"/>
-          </a:p>
-          <a:p>
-            <a:pPr marL="0" lvl="0" indent="0" algn="l" rtl="0">
-              <a:spcBef>
-                <a:spcPts val="0"/>
-              </a:spcBef>
-              <a:spcAft>
-                <a:spcPts val="0"/>
-              </a:spcAft>
-              <a:buNone/>
-            </a:pPr>
-            <a:r>
-              <a:rPr lang="en" sz="1800" b="1" u="sng" dirty="0"/>
-              <a:t>Real estimation</a:t>
-            </a:r>
-            <a:r>
-              <a:rPr lang="en" sz="1800" dirty="0"/>
-              <a:t> </a:t>
-            </a:r>
-            <a:r>
-              <a:rPr lang="en" sz="1600" dirty="0"/>
-              <a:t>is worst. To notify the cluster, </a:t>
-            </a:r>
-            <a:r>
-              <a:rPr lang="en" sz="1600" i="1" dirty="0" err="1"/>
-              <a:t>NodeFailed</a:t>
-            </a:r>
-            <a:r>
-              <a:rPr lang="en" sz="1600" dirty="0"/>
-              <a:t> message runs twice around the ring. The message meets delay on each node like GC, CPU lack and network issues. Let’s name this affection as ‘</a:t>
-            </a:r>
-            <a:r>
-              <a:rPr lang="en" sz="1600" dirty="0" err="1"/>
-              <a:t>node_delay</a:t>
-            </a:r>
-            <a:r>
-              <a:rPr lang="en" sz="1600" dirty="0"/>
-              <a:t>’:</a:t>
-            </a:r>
-            <a:endParaRPr sz="1600" dirty="0"/>
-          </a:p>
-          <a:p>
-            <a:pPr algn="ctr"/>
             <a:r>
               <a:rPr lang="en-US" sz="2000" i="1" dirty="0"/>
-              <a:t> </a:t>
-            </a:r>
-          </a:p>
-          <a:p>
-            <a:pPr algn="ctr"/>
-            <a:r>
-              <a:rPr lang="en-US" sz="2000" i="1" dirty="0" err="1"/>
-              <a:t>failureDetectionTimeout</a:t>
-            </a:r>
-            <a:r>
-              <a:rPr lang="en-US" sz="2000" i="1" dirty="0"/>
-              <a:t> + </a:t>
-            </a:r>
-            <a:r>
-              <a:rPr lang="en-US" sz="2000" i="1" dirty="0" err="1"/>
-              <a:t>connRecoveryTimeout</a:t>
-            </a:r>
-            <a:r>
-              <a:rPr lang="en-US" sz="2000" i="1" dirty="0"/>
-              <a:t>  + 2 * </a:t>
+              <a:t>  + 2 * (</a:t>
             </a:r>
             <a:r>
               <a:rPr lang="en-US" sz="2000" i="1" dirty="0" err="1"/>
@@ -16592,7 +16524,7 @@
             </a:r>
             <a:r>
               <a:rPr lang="en-US" sz="2000" i="1" dirty="0"/>
-              <a:t> * </a:t>
+              <a:t> -1) * </a:t>
             </a:r>
             <a:r>
               <a:rPr lang="en-US" sz="2000" i="1" dirty="0" err="1"/>
@@ -16723,7 +16655,7 @@
             </a:r>
             <a:r>
               <a:rPr lang="en-US" sz="2000" i="1" dirty="0"/>
-              <a:t>  + 2 * </a:t>
+              <a:t>  + 2 * (</a:t>
             </a:r>
             <a:r>
               <a:rPr lang="en-US" sz="2000" i="1" dirty="0" err="1"/>
@@ -16731,7 +16663,7 @@
             </a:r>
             <a:r>
               <a:rPr lang="en-US" sz="2000" i="1" dirty="0"/>
-              <a:t> * </a:t>
+              <a:t> -1) * </a:t>
             </a:r>
             <a:r>
               <a:rPr lang="en-US" sz="2000" i="1" dirty="0" err="1"/>
@@ -16903,7 +16835,7 @@
             </a:pPr>
             <a:r>
               <a:rPr lang="en" sz="1800" b="1" dirty="0"/>
-              <a:t>Worst reaction time</a:t>
+              <a:t>Reaction time</a:t>
             </a:r>
             <a:endParaRPr sz="1800" b="1" dirty="0"/>
           </a:p>
@@ -16993,8 +16925,8 @@
         </p:nvSpPr>
         <p:spPr>
           <a:xfrm>
-            <a:off x="8242300" y="5562600"/>
-            <a:ext cx="6667500" cy="776025"/>
+            <a:off x="8023500" y="6053070"/>
+            <a:ext cx="7011663" cy="1390919"/>
           </a:xfrm>
           <a:prstGeom prst="rect">
             <a:avLst/>
